--- a/IT Industry.pptx
+++ b/IT Industry.pptx
@@ -116,6 +116,22 @@
       </a:defRPr>
     </a:lvl9pPr>
   </p:defaultTextStyle>
+  <p:extLst>
+    <p:ext uri="{EFAFB233-063F-42B5-8137-9DF3F51BA10A}">
+      <p15:sldGuideLst xmlns:p15="http://schemas.microsoft.com/office/powerpoint/2012/main">
+        <p15:guide id="1" orient="horz" pos="2160">
+          <p15:clr>
+            <a:srgbClr val="A4A3A4"/>
+          </p15:clr>
+        </p15:guide>
+        <p15:guide id="2" pos="2880">
+          <p15:clr>
+            <a:srgbClr val="A4A3A4"/>
+          </p15:clr>
+        </p15:guide>
+      </p15:sldGuideLst>
+    </p:ext>
+  </p:extLst>
 </p:presentation>
 </file>
 
@@ -207,10 +223,9 @@
           </a:lstStyle>
           <a:p>
             <a:r>
-              <a:rPr kumimoji="0" lang="en-US" smtClean="0"/>
+              <a:rPr kumimoji="0" lang="en-US"/>
               <a:t>Click to edit Master title style</a:t>
             </a:r>
-            <a:endParaRPr kumimoji="0" lang="en-US"/>
           </a:p>
         </p:txBody>
       </p:sp>
@@ -268,10 +283,9 @@
           </a:lstStyle>
           <a:p>
             <a:r>
-              <a:rPr kumimoji="0" lang="en-US" smtClean="0"/>
+              <a:rPr kumimoji="0" lang="en-US"/>
               <a:t>Click to edit Master subtitle style</a:t>
             </a:r>
-            <a:endParaRPr kumimoji="0" lang="en-US"/>
           </a:p>
         </p:txBody>
       </p:sp>
@@ -381,10 +395,9 @@
           <a:lstStyle/>
           <a:p>
             <a:r>
-              <a:rPr kumimoji="0" lang="en-US" smtClean="0"/>
+              <a:rPr kumimoji="0" lang="en-US"/>
               <a:t>Click to edit Master title style</a:t>
             </a:r>
-            <a:endParaRPr kumimoji="0" lang="en-US"/>
           </a:p>
         </p:txBody>
       </p:sp>
@@ -405,35 +418,35 @@
           <a:p>
             <a:pPr lvl="0" eaLnBrk="1" latinLnBrk="0" hangingPunct="1"/>
             <a:r>
-              <a:rPr lang="en-US" smtClean="0"/>
+              <a:rPr lang="en-US"/>
               <a:t>Click to edit Master text styles</a:t>
             </a:r>
           </a:p>
           <a:p>
             <a:pPr lvl="1" eaLnBrk="1" latinLnBrk="0" hangingPunct="1"/>
             <a:r>
-              <a:rPr lang="en-US" smtClean="0"/>
+              <a:rPr lang="en-US"/>
               <a:t>Second level</a:t>
             </a:r>
           </a:p>
           <a:p>
             <a:pPr lvl="2" eaLnBrk="1" latinLnBrk="0" hangingPunct="1"/>
             <a:r>
-              <a:rPr lang="en-US" smtClean="0"/>
+              <a:rPr lang="en-US"/>
               <a:t>Third level</a:t>
             </a:r>
           </a:p>
           <a:p>
             <a:pPr lvl="3" eaLnBrk="1" latinLnBrk="0" hangingPunct="1"/>
             <a:r>
-              <a:rPr lang="en-US" smtClean="0"/>
+              <a:rPr lang="en-US"/>
               <a:t>Fourth level</a:t>
             </a:r>
           </a:p>
           <a:p>
             <a:pPr lvl="4" eaLnBrk="1" latinLnBrk="0" hangingPunct="1"/>
             <a:r>
-              <a:rPr lang="en-US" smtClean="0"/>
+              <a:rPr lang="en-US"/>
               <a:t>Fifth level</a:t>
             </a:r>
             <a:endParaRPr kumimoji="0" lang="en-US"/>
@@ -551,10 +564,9 @@
           <a:lstStyle/>
           <a:p>
             <a:r>
-              <a:rPr kumimoji="0" lang="en-US" smtClean="0"/>
+              <a:rPr kumimoji="0" lang="en-US"/>
               <a:t>Click to edit Master title style</a:t>
             </a:r>
-            <a:endParaRPr kumimoji="0" lang="en-US"/>
           </a:p>
         </p:txBody>
       </p:sp>
@@ -580,35 +592,35 @@
           <a:p>
             <a:pPr lvl="0" eaLnBrk="1" latinLnBrk="0" hangingPunct="1"/>
             <a:r>
-              <a:rPr lang="en-US" smtClean="0"/>
+              <a:rPr lang="en-US"/>
               <a:t>Click to edit Master text styles</a:t>
             </a:r>
           </a:p>
           <a:p>
             <a:pPr lvl="1" eaLnBrk="1" latinLnBrk="0" hangingPunct="1"/>
             <a:r>
-              <a:rPr lang="en-US" smtClean="0"/>
+              <a:rPr lang="en-US"/>
               <a:t>Second level</a:t>
             </a:r>
           </a:p>
           <a:p>
             <a:pPr lvl="2" eaLnBrk="1" latinLnBrk="0" hangingPunct="1"/>
             <a:r>
-              <a:rPr lang="en-US" smtClean="0"/>
+              <a:rPr lang="en-US"/>
               <a:t>Third level</a:t>
             </a:r>
           </a:p>
           <a:p>
             <a:pPr lvl="3" eaLnBrk="1" latinLnBrk="0" hangingPunct="1"/>
             <a:r>
-              <a:rPr lang="en-US" smtClean="0"/>
+              <a:rPr lang="en-US"/>
               <a:t>Fourth level</a:t>
             </a:r>
           </a:p>
           <a:p>
             <a:pPr lvl="4" eaLnBrk="1" latinLnBrk="0" hangingPunct="1"/>
             <a:r>
-              <a:rPr lang="en-US" smtClean="0"/>
+              <a:rPr lang="en-US"/>
               <a:t>Fifth level</a:t>
             </a:r>
             <a:endParaRPr kumimoji="0" lang="en-US"/>
@@ -721,10 +733,9 @@
           <a:lstStyle/>
           <a:p>
             <a:r>
-              <a:rPr kumimoji="0" lang="en-US" smtClean="0"/>
+              <a:rPr kumimoji="0" lang="en-US"/>
               <a:t>Click to edit Master title style</a:t>
             </a:r>
-            <a:endParaRPr kumimoji="0" lang="en-US"/>
           </a:p>
         </p:txBody>
       </p:sp>
@@ -745,35 +756,35 @@
           <a:p>
             <a:pPr lvl="0" eaLnBrk="1" latinLnBrk="0" hangingPunct="1"/>
             <a:r>
-              <a:rPr lang="en-US" smtClean="0"/>
+              <a:rPr lang="en-US"/>
               <a:t>Click to edit Master text styles</a:t>
             </a:r>
           </a:p>
           <a:p>
             <a:pPr lvl="1" eaLnBrk="1" latinLnBrk="0" hangingPunct="1"/>
             <a:r>
-              <a:rPr lang="en-US" smtClean="0"/>
+              <a:rPr lang="en-US"/>
               <a:t>Second level</a:t>
             </a:r>
           </a:p>
           <a:p>
             <a:pPr lvl="2" eaLnBrk="1" latinLnBrk="0" hangingPunct="1"/>
             <a:r>
-              <a:rPr lang="en-US" smtClean="0"/>
+              <a:rPr lang="en-US"/>
               <a:t>Third level</a:t>
             </a:r>
           </a:p>
           <a:p>
             <a:pPr lvl="3" eaLnBrk="1" latinLnBrk="0" hangingPunct="1"/>
             <a:r>
-              <a:rPr lang="en-US" smtClean="0"/>
+              <a:rPr lang="en-US"/>
               <a:t>Fourth level</a:t>
             </a:r>
           </a:p>
           <a:p>
             <a:pPr lvl="4" eaLnBrk="1" latinLnBrk="0" hangingPunct="1"/>
             <a:r>
-              <a:rPr lang="en-US" smtClean="0"/>
+              <a:rPr lang="en-US"/>
               <a:t>Fifth level</a:t>
             </a:r>
             <a:endParaRPr kumimoji="0" lang="en-US"/>
@@ -938,10 +949,9 @@
           </a:lstStyle>
           <a:p>
             <a:r>
-              <a:rPr kumimoji="0" lang="en-US" smtClean="0"/>
+              <a:rPr kumimoji="0" lang="en-US"/>
               <a:t>Click to edit Master title style</a:t>
             </a:r>
-            <a:endParaRPr kumimoji="0" lang="en-US"/>
           </a:p>
         </p:txBody>
       </p:sp>
@@ -1016,7 +1026,7 @@
           <a:p>
             <a:pPr lvl="0" eaLnBrk="1" latinLnBrk="0" hangingPunct="1"/>
             <a:r>
-              <a:rPr kumimoji="0" lang="en-US" smtClean="0"/>
+              <a:rPr kumimoji="0" lang="en-US"/>
               <a:t>Click to edit Master text styles</a:t>
             </a:r>
           </a:p>
@@ -1133,10 +1143,9 @@
           <a:lstStyle/>
           <a:p>
             <a:r>
-              <a:rPr kumimoji="0" lang="en-US" smtClean="0"/>
+              <a:rPr kumimoji="0" lang="en-US"/>
               <a:t>Click to edit Master title style</a:t>
             </a:r>
-            <a:endParaRPr kumimoji="0" lang="en-US"/>
           </a:p>
         </p:txBody>
       </p:sp>
@@ -1178,35 +1187,35 @@
           <a:p>
             <a:pPr lvl="0" eaLnBrk="1" latinLnBrk="0" hangingPunct="1"/>
             <a:r>
-              <a:rPr lang="en-US" smtClean="0"/>
+              <a:rPr lang="en-US"/>
               <a:t>Click to edit Master text styles</a:t>
             </a:r>
           </a:p>
           <a:p>
             <a:pPr lvl="1" eaLnBrk="1" latinLnBrk="0" hangingPunct="1"/>
             <a:r>
-              <a:rPr lang="en-US" smtClean="0"/>
+              <a:rPr lang="en-US"/>
               <a:t>Second level</a:t>
             </a:r>
           </a:p>
           <a:p>
             <a:pPr lvl="2" eaLnBrk="1" latinLnBrk="0" hangingPunct="1"/>
             <a:r>
-              <a:rPr lang="en-US" smtClean="0"/>
+              <a:rPr lang="en-US"/>
               <a:t>Third level</a:t>
             </a:r>
           </a:p>
           <a:p>
             <a:pPr lvl="3" eaLnBrk="1" latinLnBrk="0" hangingPunct="1"/>
             <a:r>
-              <a:rPr lang="en-US" smtClean="0"/>
+              <a:rPr lang="en-US"/>
               <a:t>Fourth level</a:t>
             </a:r>
           </a:p>
           <a:p>
             <a:pPr lvl="4" eaLnBrk="1" latinLnBrk="0" hangingPunct="1"/>
             <a:r>
-              <a:rPr lang="en-US" smtClean="0"/>
+              <a:rPr lang="en-US"/>
               <a:t>Fifth level</a:t>
             </a:r>
             <a:endParaRPr kumimoji="0" lang="en-US"/>
@@ -1251,35 +1260,35 @@
           <a:p>
             <a:pPr lvl="0" eaLnBrk="1" latinLnBrk="0" hangingPunct="1"/>
             <a:r>
-              <a:rPr lang="en-US" smtClean="0"/>
+              <a:rPr lang="en-US"/>
               <a:t>Click to edit Master text styles</a:t>
             </a:r>
           </a:p>
           <a:p>
             <a:pPr lvl="1" eaLnBrk="1" latinLnBrk="0" hangingPunct="1"/>
             <a:r>
-              <a:rPr lang="en-US" smtClean="0"/>
+              <a:rPr lang="en-US"/>
               <a:t>Second level</a:t>
             </a:r>
           </a:p>
           <a:p>
             <a:pPr lvl="2" eaLnBrk="1" latinLnBrk="0" hangingPunct="1"/>
             <a:r>
-              <a:rPr lang="en-US" smtClean="0"/>
+              <a:rPr lang="en-US"/>
               <a:t>Third level</a:t>
             </a:r>
           </a:p>
           <a:p>
             <a:pPr lvl="3" eaLnBrk="1" latinLnBrk="0" hangingPunct="1"/>
             <a:r>
-              <a:rPr lang="en-US" smtClean="0"/>
+              <a:rPr lang="en-US"/>
               <a:t>Fourth level</a:t>
             </a:r>
           </a:p>
           <a:p>
             <a:pPr lvl="4" eaLnBrk="1" latinLnBrk="0" hangingPunct="1"/>
             <a:r>
-              <a:rPr lang="en-US" smtClean="0"/>
+              <a:rPr lang="en-US"/>
               <a:t>Fifth level</a:t>
             </a:r>
             <a:endParaRPr kumimoji="0" lang="en-US"/>
@@ -1401,10 +1410,9 @@
           </a:lstStyle>
           <a:p>
             <a:r>
-              <a:rPr kumimoji="0" lang="en-US" smtClean="0"/>
+              <a:rPr kumimoji="0" lang="en-US"/>
               <a:t>Click to edit Master title style</a:t>
             </a:r>
-            <a:endParaRPr kumimoji="0" lang="en-US"/>
           </a:p>
         </p:txBody>
       </p:sp>
@@ -1458,7 +1466,7 @@
           <a:p>
             <a:pPr lvl="0" eaLnBrk="1" latinLnBrk="0" hangingPunct="1"/>
             <a:r>
-              <a:rPr kumimoji="0" lang="en-US" smtClean="0"/>
+              <a:rPr kumimoji="0" lang="en-US"/>
               <a:t>Click to edit Master text styles</a:t>
             </a:r>
           </a:p>
@@ -1512,7 +1520,7 @@
           <a:p>
             <a:pPr lvl="0" eaLnBrk="1" latinLnBrk="0" hangingPunct="1"/>
             <a:r>
-              <a:rPr kumimoji="0" lang="en-US" smtClean="0"/>
+              <a:rPr kumimoji="0" lang="en-US"/>
               <a:t>Click to edit Master text styles</a:t>
             </a:r>
           </a:p>
@@ -1556,35 +1564,35 @@
           <a:p>
             <a:pPr lvl="0" eaLnBrk="1" latinLnBrk="0" hangingPunct="1"/>
             <a:r>
-              <a:rPr lang="en-US" smtClean="0"/>
+              <a:rPr lang="en-US"/>
               <a:t>Click to edit Master text styles</a:t>
             </a:r>
           </a:p>
           <a:p>
             <a:pPr lvl="1" eaLnBrk="1" latinLnBrk="0" hangingPunct="1"/>
             <a:r>
-              <a:rPr lang="en-US" smtClean="0"/>
+              <a:rPr lang="en-US"/>
               <a:t>Second level</a:t>
             </a:r>
           </a:p>
           <a:p>
             <a:pPr lvl="2" eaLnBrk="1" latinLnBrk="0" hangingPunct="1"/>
             <a:r>
-              <a:rPr lang="en-US" smtClean="0"/>
+              <a:rPr lang="en-US"/>
               <a:t>Third level</a:t>
             </a:r>
           </a:p>
           <a:p>
             <a:pPr lvl="3" eaLnBrk="1" latinLnBrk="0" hangingPunct="1"/>
             <a:r>
-              <a:rPr lang="en-US" smtClean="0"/>
+              <a:rPr lang="en-US"/>
               <a:t>Fourth level</a:t>
             </a:r>
           </a:p>
           <a:p>
             <a:pPr lvl="4" eaLnBrk="1" latinLnBrk="0" hangingPunct="1"/>
             <a:r>
-              <a:rPr lang="en-US" smtClean="0"/>
+              <a:rPr lang="en-US"/>
               <a:t>Fifth level</a:t>
             </a:r>
             <a:endParaRPr kumimoji="0" lang="en-US"/>
@@ -1629,35 +1637,35 @@
           <a:p>
             <a:pPr lvl="0" eaLnBrk="1" latinLnBrk="0" hangingPunct="1"/>
             <a:r>
-              <a:rPr lang="en-US" smtClean="0"/>
+              <a:rPr lang="en-US"/>
               <a:t>Click to edit Master text styles</a:t>
             </a:r>
           </a:p>
           <a:p>
             <a:pPr lvl="1" eaLnBrk="1" latinLnBrk="0" hangingPunct="1"/>
             <a:r>
-              <a:rPr lang="en-US" smtClean="0"/>
+              <a:rPr lang="en-US"/>
               <a:t>Second level</a:t>
             </a:r>
           </a:p>
           <a:p>
             <a:pPr lvl="2" eaLnBrk="1" latinLnBrk="0" hangingPunct="1"/>
             <a:r>
-              <a:rPr lang="en-US" smtClean="0"/>
+              <a:rPr lang="en-US"/>
               <a:t>Third level</a:t>
             </a:r>
           </a:p>
           <a:p>
             <a:pPr lvl="3" eaLnBrk="1" latinLnBrk="0" hangingPunct="1"/>
             <a:r>
-              <a:rPr lang="en-US" smtClean="0"/>
+              <a:rPr lang="en-US"/>
               <a:t>Fourth level</a:t>
             </a:r>
           </a:p>
           <a:p>
             <a:pPr lvl="4" eaLnBrk="1" latinLnBrk="0" hangingPunct="1"/>
             <a:r>
-              <a:rPr lang="en-US" smtClean="0"/>
+              <a:rPr lang="en-US"/>
               <a:t>Fifth level</a:t>
             </a:r>
             <a:endParaRPr kumimoji="0" lang="en-US"/>
@@ -1807,10 +1815,9 @@
           </a:lstStyle>
           <a:p>
             <a:r>
-              <a:rPr kumimoji="0" lang="en-US" smtClean="0"/>
+              <a:rPr kumimoji="0" lang="en-US"/>
               <a:t>Click to edit Master title style</a:t>
             </a:r>
-            <a:endParaRPr kumimoji="0" lang="en-US"/>
           </a:p>
         </p:txBody>
       </p:sp>
@@ -2036,10 +2043,9 @@
           </a:lstStyle>
           <a:p>
             <a:r>
-              <a:rPr kumimoji="0" lang="en-US" smtClean="0"/>
+              <a:rPr kumimoji="0" lang="en-US"/>
               <a:t>Click to edit Master title style</a:t>
             </a:r>
-            <a:endParaRPr kumimoji="0" lang="en-US"/>
           </a:p>
         </p:txBody>
       </p:sp>
@@ -2086,7 +2092,7 @@
           <a:p>
             <a:pPr lvl="0" eaLnBrk="1" latinLnBrk="0" hangingPunct="1"/>
             <a:r>
-              <a:rPr kumimoji="0" lang="en-US" smtClean="0"/>
+              <a:rPr kumimoji="0" lang="en-US"/>
               <a:t>Click to edit Master text styles</a:t>
             </a:r>
           </a:p>
@@ -2130,35 +2136,35 @@
           <a:p>
             <a:pPr lvl="0" eaLnBrk="1" latinLnBrk="0" hangingPunct="1"/>
             <a:r>
-              <a:rPr lang="en-US" smtClean="0"/>
+              <a:rPr lang="en-US"/>
               <a:t>Click to edit Master text styles</a:t>
             </a:r>
           </a:p>
           <a:p>
             <a:pPr lvl="1" eaLnBrk="1" latinLnBrk="0" hangingPunct="1"/>
             <a:r>
-              <a:rPr lang="en-US" smtClean="0"/>
+              <a:rPr lang="en-US"/>
               <a:t>Second level</a:t>
             </a:r>
           </a:p>
           <a:p>
             <a:pPr lvl="2" eaLnBrk="1" latinLnBrk="0" hangingPunct="1"/>
             <a:r>
-              <a:rPr lang="en-US" smtClean="0"/>
+              <a:rPr lang="en-US"/>
               <a:t>Third level</a:t>
             </a:r>
           </a:p>
           <a:p>
             <a:pPr lvl="3" eaLnBrk="1" latinLnBrk="0" hangingPunct="1"/>
             <a:r>
-              <a:rPr lang="en-US" smtClean="0"/>
+              <a:rPr lang="en-US"/>
               <a:t>Fourth level</a:t>
             </a:r>
           </a:p>
           <a:p>
             <a:pPr lvl="4" eaLnBrk="1" latinLnBrk="0" hangingPunct="1"/>
             <a:r>
-              <a:rPr lang="en-US" smtClean="0"/>
+              <a:rPr lang="en-US"/>
               <a:t>Fifth level</a:t>
             </a:r>
             <a:endParaRPr kumimoji="0" lang="en-US"/>
@@ -2397,10 +2403,9 @@
           </a:lstStyle>
           <a:p>
             <a:r>
-              <a:rPr kumimoji="0" lang="en-US" smtClean="0"/>
+              <a:rPr kumimoji="0" lang="en-US"/>
               <a:t>Click to edit Master title style</a:t>
             </a:r>
-            <a:endParaRPr kumimoji="0" lang="en-US"/>
           </a:p>
         </p:txBody>
       </p:sp>
@@ -2447,7 +2452,7 @@
           <a:p>
             <a:pPr lvl="0" eaLnBrk="1" latinLnBrk="0" hangingPunct="1"/>
             <a:r>
-              <a:rPr kumimoji="0" lang="en-US" smtClean="0"/>
+              <a:rPr kumimoji="0" lang="en-US"/>
               <a:t>Click to edit Master text styles</a:t>
             </a:r>
           </a:p>
@@ -2562,7 +2567,7 @@
           </a:lstStyle>
           <a:p>
             <a:r>
-              <a:rPr kumimoji="0" lang="en-US" smtClean="0"/>
+              <a:rPr kumimoji="0" lang="en-US"/>
               <a:t>Click icon to add picture</a:t>
             </a:r>
             <a:endParaRPr kumimoji="0" lang="en-US" dirty="0"/>
@@ -3137,10 +3142,9 @@
           <a:lstStyle/>
           <a:p>
             <a:r>
-              <a:rPr kumimoji="0" lang="en-US" smtClean="0"/>
+              <a:rPr kumimoji="0" lang="en-US"/>
               <a:t>Click to edit Master title style</a:t>
             </a:r>
-            <a:endParaRPr kumimoji="0" lang="en-US"/>
           </a:p>
         </p:txBody>
       </p:sp>
@@ -3171,38 +3175,37 @@
           <a:p>
             <a:pPr lvl="0" eaLnBrk="1" latinLnBrk="0" hangingPunct="1"/>
             <a:r>
-              <a:rPr kumimoji="0" lang="en-US" smtClean="0"/>
+              <a:rPr kumimoji="0" lang="en-US"/>
               <a:t>Click to edit Master text styles</a:t>
             </a:r>
           </a:p>
           <a:p>
             <a:pPr lvl="1" eaLnBrk="1" latinLnBrk="0" hangingPunct="1"/>
             <a:r>
-              <a:rPr kumimoji="0" lang="en-US" smtClean="0"/>
+              <a:rPr kumimoji="0" lang="en-US"/>
               <a:t>Second level</a:t>
             </a:r>
           </a:p>
           <a:p>
             <a:pPr lvl="2" eaLnBrk="1" latinLnBrk="0" hangingPunct="1"/>
             <a:r>
-              <a:rPr kumimoji="0" lang="en-US" smtClean="0"/>
+              <a:rPr kumimoji="0" lang="en-US"/>
               <a:t>Third level</a:t>
             </a:r>
           </a:p>
           <a:p>
             <a:pPr lvl="3" eaLnBrk="1" latinLnBrk="0" hangingPunct="1"/>
             <a:r>
-              <a:rPr kumimoji="0" lang="en-US" smtClean="0"/>
+              <a:rPr kumimoji="0" lang="en-US"/>
               <a:t>Fourth level</a:t>
             </a:r>
           </a:p>
           <a:p>
             <a:pPr lvl="4" eaLnBrk="1" latinLnBrk="0" hangingPunct="1"/>
             <a:r>
-              <a:rPr kumimoji="0" lang="en-US" smtClean="0"/>
+              <a:rPr kumimoji="0" lang="en-US"/>
               <a:t>Fifth level</a:t>
             </a:r>
-            <a:endParaRPr kumimoji="0" lang="en-US"/>
           </a:p>
         </p:txBody>
       </p:sp>
@@ -3875,10 +3878,9 @@
           <a:lstStyle/>
           <a:p>
             <a:r>
-              <a:rPr lang="en-US" dirty="0" smtClean="0"/>
+              <a:rPr lang="en-US" dirty="0"/>
               <a:t>IT Industry</a:t>
             </a:r>
-            <a:endParaRPr lang="en-US" dirty="0"/>
           </a:p>
         </p:txBody>
       </p:sp>
@@ -3892,7 +3894,12 @@
             <p:ph type="subTitle" idx="1"/>
           </p:nvPr>
         </p:nvSpPr>
-        <p:spPr/>
+        <p:spPr>
+          <a:xfrm>
+            <a:off x="533400" y="3228536"/>
+            <a:ext cx="7854696" cy="3172264"/>
+          </a:xfrm>
+        </p:spPr>
         <p:txBody>
           <a:bodyPr>
             <a:normAutofit/>
@@ -3900,19 +3907,65 @@
           <a:lstStyle/>
           <a:p>
             <a:r>
-              <a:rPr lang="en-US" dirty="0" smtClean="0"/>
+              <a:rPr lang="en-US" dirty="0"/>
               <a:t>By Kavitha Soma</a:t>
             </a:r>
           </a:p>
           <a:p>
             <a:r>
-              <a:rPr lang="en-US" dirty="0" smtClean="0"/>
+              <a:rPr lang="en-US" dirty="0"/>
               <a:t>Software Developer @ </a:t>
             </a:r>
             <a:r>
-              <a:rPr lang="en-US" dirty="0" err="1" smtClean="0"/>
+              <a:rPr lang="en-US" dirty="0" err="1"/>
               <a:t>Cofense</a:t>
             </a:r>
+            <a:endParaRPr lang="en-US" dirty="0"/>
+          </a:p>
+          <a:p>
+            <a:endParaRPr lang="en-US" dirty="0"/>
+          </a:p>
+          <a:p>
+            <a:r>
+              <a:rPr lang="en-US"/>
+              <a:t>Uploaded </a:t>
+            </a:r>
+            <a:r>
+              <a:rPr lang="en-US" dirty="0"/>
+              <a:t>this Presentation to </a:t>
+            </a:r>
+            <a:r>
+              <a:rPr lang="en-US" dirty="0" err="1"/>
+              <a:t>Github</a:t>
+            </a:r>
+            <a:endParaRPr lang="en-US" dirty="0"/>
+          </a:p>
+          <a:p>
+            <a:r>
+              <a:rPr lang="en-US" dirty="0">
+                <a:solidFill>
+                  <a:srgbClr val="C00000"/>
+                </a:solidFill>
+                <a:hlinkClick r:id="rId2">
+                  <a:extLst>
+                    <a:ext uri="{A12FA001-AC4F-418D-AE19-62706E023703}">
+                      <ahyp:hlinkClr xmlns:ahyp="http://schemas.microsoft.com/office/drawing/2018/hyperlinkcolor" val="tx"/>
+                    </a:ext>
+                  </a:extLst>
+                </a:hlinkClick>
+              </a:rPr>
+              <a:t>https://github.com/rkavitha/PresentationOnITIndustry/blob/master/IT%20Industry.pptx</a:t>
+            </a:r>
+            <a:endParaRPr lang="en-US" dirty="0">
+              <a:solidFill>
+                <a:srgbClr val="C00000"/>
+              </a:solidFill>
+            </a:endParaRPr>
+          </a:p>
+          <a:p>
+            <a:endParaRPr lang="en-US" dirty="0"/>
+          </a:p>
+          <a:p>
             <a:endParaRPr lang="en-US" dirty="0"/>
           </a:p>
         </p:txBody>
@@ -3970,19 +4023,19 @@
           <a:lstStyle/>
           <a:p>
             <a:r>
-              <a:rPr lang="en-US" sz="1800" b="1" dirty="0" smtClean="0"/>
+              <a:rPr lang="en-US" sz="1800" b="1" dirty="0"/>
               <a:t>Ed </a:t>
             </a:r>
             <a:r>
-              <a:rPr lang="en-US" sz="1800" b="1" dirty="0" err="1" smtClean="0"/>
+              <a:rPr lang="en-US" sz="1800" b="1" dirty="0" err="1"/>
               <a:t>Illam</a:t>
             </a:r>
             <a:r>
-              <a:rPr lang="en-US" sz="1800" b="1" dirty="0" smtClean="0"/>
+              <a:rPr lang="en-US" sz="1800" b="1" dirty="0"/>
               <a:t>, Product Owner at </a:t>
             </a:r>
             <a:r>
-              <a:rPr lang="en-US" sz="1800" b="1" dirty="0" err="1" smtClean="0"/>
+              <a:rPr lang="en-US" sz="1800" b="1" dirty="0" err="1"/>
               <a:t>Cofense</a:t>
             </a:r>
             <a:endParaRPr lang="en-US" sz="1800" b="1" dirty="0"/>
@@ -4015,18 +4068,9 @@
               <a:buNone/>
             </a:pPr>
             <a:r>
-              <a:rPr lang="en-US" sz="1400" i="1" dirty="0" smtClean="0"/>
-              <a:t>“</a:t>
-            </a:r>
-            <a:r>
               <a:rPr lang="en-US" sz="1400" i="1" dirty="0"/>
-              <a:t>I never studied anything to become a product owner. I had attended several colleges but never majored in anything related software engineering. It was more or less just something I fell into</a:t>
-            </a:r>
-            <a:r>
-              <a:rPr lang="en-US" sz="1400" i="1" dirty="0" smtClean="0"/>
-              <a:t>.</a:t>
-            </a:r>
-            <a:endParaRPr lang="en-US" sz="1400" i="1" dirty="0"/>
+              <a:t>“I never studied anything to become a product owner. I had attended several colleges but never majored in anything related software engineering. It was more or less just something I fell into.</a:t>
+            </a:r>
           </a:p>
           <a:p>
             <a:pPr marL="0" indent="0">
@@ -4034,15 +4078,7 @@
             </a:pPr>
             <a:r>
               <a:rPr lang="en-US" sz="1400" i="1" dirty="0"/>
-              <a:t>I started working for a company in tech support. In tech support I was helping people who were having trouble using our application. I would show them how to fix any issues and work with the development in identifying any software bugs. After a few months I became manager of the tech support department and helped the tech support team learn about all the things our application does. This made the tech support team better at helping customers troubleshoot any issues our customers were having</a:t>
-            </a:r>
-            <a:r>
-              <a:rPr lang="en-US" sz="1400" i="1" dirty="0" smtClean="0"/>
-              <a:t>.</a:t>
-            </a:r>
-            <a:r>
-              <a:rPr lang="en-US" sz="1400" i="1" dirty="0"/>
-              <a:t> </a:t>
+              <a:t>I started working for a company in tech support. In tech support I was helping people who were having trouble using our application. I would show them how to fix any issues and work with the development in identifying any software bugs. After a few months I became manager of the tech support department and helped the tech support team learn about all the things our application does. This made the tech support team better at helping customers troubleshoot any issues our customers were having. </a:t>
             </a:r>
           </a:p>
           <a:p>
@@ -4051,13 +4087,8 @@
             </a:pPr>
             <a:r>
               <a:rPr lang="en-US" sz="1400" i="1" dirty="0"/>
-              <a:t>The company needed help testing new features before they were released so I became a tester for the company. This lead to a Junior QA position at another company. As Junior QA engineer, I worked directly with the development team as they were building software to consider all the different ways someone may want to use our software. I would also help test new features before they were released</a:t>
-            </a:r>
-            <a:r>
-              <a:rPr lang="en-US" sz="1400" i="1" dirty="0" smtClean="0"/>
-              <a:t>.</a:t>
-            </a:r>
-            <a:endParaRPr lang="en-US" sz="1400" i="1" dirty="0"/>
+              <a:t>The company needed help testing new features before they were released so I became a tester for the company. This lead to a Junior QA position at another company. As Junior QA engineer, I worked directly with the development team as they were building software to consider all the different ways someone may want to use our software. I would also help test new features before they were released.</a:t>
+            </a:r>
           </a:p>
           <a:p>
             <a:pPr marL="0" indent="0">
@@ -4065,13 +4096,8 @@
             </a:pPr>
             <a:r>
               <a:rPr lang="en-US" sz="1400" i="1" dirty="0"/>
-              <a:t>I was promoted to senior QA engineer where I guided other junior QA engineers in ways we can be better at testing software. I also created automated tests that made sure new features wouldn’t cause old features to break</a:t>
-            </a:r>
-            <a:r>
-              <a:rPr lang="en-US" sz="1400" i="1" dirty="0" smtClean="0"/>
-              <a:t>.</a:t>
-            </a:r>
-            <a:endParaRPr lang="en-US" sz="1400" i="1" dirty="0"/>
+              <a:t>I was promoted to senior QA engineer where I guided other junior QA engineers in ways we can be better at testing software. I also created automated tests that made sure new features wouldn’t cause old features to break.</a:t>
+            </a:r>
           </a:p>
           <a:p>
             <a:pPr marL="0" indent="0">
@@ -4079,13 +4105,8 @@
             </a:pPr>
             <a:r>
               <a:rPr lang="en-US" sz="1400" i="1" dirty="0"/>
-              <a:t>I then became a scrum master. As a scrum master, I helped make sure a development team has nothing stopping the team from creating new features. If the team had  questions that they needed answered before creating something new, I would get the team those answers. If they needed another team to create something, I would work with another team to get that created. I also led meetings and kept the team focused on trying to release software as fast as possible</a:t>
-            </a:r>
-            <a:r>
-              <a:rPr lang="en-US" sz="1400" i="1" dirty="0" smtClean="0"/>
-              <a:t>.</a:t>
-            </a:r>
-            <a:endParaRPr lang="en-US" sz="1400" i="1" dirty="0"/>
+              <a:t>I then became a scrum master. As a scrum master, I helped make sure a development team has nothing stopping the team from creating new features. If the team had  questions that they needed answered before creating something new, I would get the team those answers. If they needed another team to create something, I would work with another team to get that created. I also led meetings and kept the team focused on trying to release software as fast as possible.</a:t>
+            </a:r>
           </a:p>
           <a:p>
             <a:pPr marL="0" indent="0">
@@ -4101,11 +4122,7 @@
             </a:r>
             <a:r>
               <a:rPr lang="en-US" sz="1400" i="1" dirty="0"/>
-              <a:t> as a product owner. As a product owner, I worked with customers to find out what our customers like and do not like about our software. I was worked with customers to find out what items our customers want to see as new features of our application. From there I put together an ordered list of new features that we want to build. I then work with the software team who builds those new features</a:t>
-            </a:r>
-            <a:r>
-              <a:rPr lang="en-US" sz="1400" i="1" dirty="0" smtClean="0"/>
-              <a:t>.”</a:t>
+              <a:t> as a product owner. As a product owner, I worked with customers to find out what our customers like and do not like about our software. I was worked with customers to find out what items our customers want to see as new features of our application. From there I put together an ordered list of new features that we want to build. I then work with the software team who builds those new features.”</a:t>
             </a:r>
           </a:p>
           <a:p>
@@ -4113,16 +4130,10 @@
               <a:buNone/>
             </a:pPr>
             <a:r>
-              <a:rPr lang="en-US" sz="1400" i="1" dirty="0" smtClean="0">
-                <a:hlinkClick r:id="rId2"/>
-              </a:rPr>
-              <a:t>https</a:t>
-            </a:r>
-            <a:r>
               <a:rPr lang="en-US" sz="1400" i="1" dirty="0">
                 <a:hlinkClick r:id="rId2"/>
               </a:rPr>
-              <a:t>://www.linkedin.com/in/edwardhallam/</a:t>
+              <a:t>https://www.linkedin.com/in/edwardhallam/</a:t>
             </a:r>
             <a:endParaRPr lang="en-US" sz="1400" i="1" dirty="0"/>
           </a:p>
@@ -4184,19 +4195,19 @@
           <a:lstStyle/>
           <a:p>
             <a:r>
-              <a:rPr lang="en-US" sz="1800" b="1" dirty="0" smtClean="0"/>
+              <a:rPr lang="en-US" sz="1800" b="1" dirty="0"/>
               <a:t>Terri </a:t>
             </a:r>
             <a:r>
-              <a:rPr lang="en-US" sz="1800" b="1" dirty="0" err="1" smtClean="0"/>
+              <a:rPr lang="en-US" sz="1800" b="1" dirty="0" err="1"/>
               <a:t>Ruggieri</a:t>
             </a:r>
             <a:r>
-              <a:rPr lang="en-US" sz="1800" b="1" dirty="0" smtClean="0"/>
+              <a:rPr lang="en-US" sz="1800" b="1" dirty="0"/>
               <a:t>, Scrum Master at </a:t>
             </a:r>
             <a:r>
-              <a:rPr lang="en-US" sz="1800" b="1" dirty="0" err="1" smtClean="0"/>
+              <a:rPr lang="en-US" sz="1800" b="1" dirty="0" err="1"/>
               <a:t>Cofense</a:t>
             </a:r>
             <a:endParaRPr lang="en-US" sz="1800" b="1" dirty="0"/>
@@ -4229,16 +4240,8 @@
               <a:buNone/>
             </a:pPr>
             <a:r>
-              <a:rPr lang="en-US" sz="1700" i="1" dirty="0" smtClean="0"/>
-              <a:t>“</a:t>
-            </a:r>
-            <a:r>
               <a:rPr lang="en-US" sz="1700" i="1" dirty="0"/>
-              <a:t>My role is one of servant leadership which basically translates to helping the teams that I support be successful in whatever way I can.  I am passionate about protecting, nurturing, and coaching the teams to find the best way to work together in order to be productive and deliver value for the organization.  I also champion agile and the scrum values (courage, focus, commitment, respect, and openness) throughout the company.  The career path for a Scrum Master is somewhat open, there is not a true advancement like many roles but more an opportunity to hone our craft by continuous learning and coaching. </a:t>
-            </a:r>
-            <a:r>
-              <a:rPr lang="en-US" sz="1700" i="1" dirty="0" smtClean="0"/>
-              <a:t>”</a:t>
+              <a:t>“My role is one of servant leadership which basically translates to helping the teams that I support be successful in whatever way I can.  I am passionate about protecting, nurturing, and coaching the teams to find the best way to work together in order to be productive and deliver value for the organization.  I also champion agile and the scrum values (courage, focus, commitment, respect, and openness) throughout the company.  The career path for a Scrum Master is somewhat open, there is not a true advancement like many roles but more an opportunity to hone our craft by continuous learning and coaching. ”</a:t>
             </a:r>
           </a:p>
           <a:p>
@@ -4314,10 +4317,9 @@
           <a:lstStyle/>
           <a:p>
             <a:r>
-              <a:rPr lang="en-US" sz="2800" b="1" dirty="0" smtClean="0"/>
+              <a:rPr lang="en-US" sz="2800" b="1" dirty="0"/>
               <a:t>For those who aspire to become Software Engineers:</a:t>
             </a:r>
-            <a:endParaRPr lang="en-US" sz="2800" b="1" dirty="0"/>
           </a:p>
         </p:txBody>
       </p:sp>
@@ -4342,13 +4344,13 @@
           <a:lstStyle/>
           <a:p>
             <a:r>
-              <a:rPr lang="en-US" sz="2200" dirty="0" smtClean="0">
+              <a:rPr lang="en-US" sz="2200" dirty="0">
                 <a:hlinkClick r:id="rId2"/>
               </a:rPr>
               <a:t>http://www.w3schools.com/</a:t>
             </a:r>
             <a:r>
-              <a:rPr lang="en-US" sz="2200" dirty="0" smtClean="0"/>
+              <a:rPr lang="en-US" sz="2200" dirty="0"/>
               <a:t> has good tutorials on:</a:t>
             </a:r>
           </a:p>
@@ -4357,24 +4359,24 @@
               <a:buNone/>
             </a:pPr>
             <a:r>
-              <a:rPr lang="en-US" sz="2200" dirty="0" smtClean="0"/>
+              <a:rPr lang="en-US" sz="2200" dirty="0"/>
               <a:t>HTML, CSS (Stylesheet), </a:t>
             </a:r>
             <a:r>
-              <a:rPr lang="en-US" sz="2200" dirty="0" err="1" smtClean="0"/>
+              <a:rPr lang="en-US" sz="2200" dirty="0" err="1"/>
               <a:t>Javascript</a:t>
             </a:r>
-            <a:endParaRPr lang="en-US" sz="2200" dirty="0" smtClean="0"/>
-          </a:p>
-          <a:p>
-            <a:r>
-              <a:rPr lang="en-US" sz="2200" dirty="0" smtClean="0"/>
+            <a:endParaRPr lang="en-US" sz="2200" dirty="0"/>
+          </a:p>
+          <a:p>
+            <a:r>
+              <a:rPr lang="en-US" sz="2200" dirty="0"/>
               <a:t>Java is currently at version 12. I recommend to start with version 7</a:t>
             </a:r>
           </a:p>
           <a:p>
             <a:r>
-              <a:rPr lang="en-US" sz="2200" dirty="0" smtClean="0"/>
+              <a:rPr lang="en-US" sz="2200" dirty="0"/>
               <a:t>Java Docs</a:t>
             </a:r>
           </a:p>
@@ -4386,19 +4388,13 @@
               <a:rPr lang="en-US" sz="2200" dirty="0">
                 <a:hlinkClick r:id="rId3"/>
               </a:rPr>
-              <a:t>https://docs.oracle.com/javase/7/docs/api</a:t>
-            </a:r>
-            <a:r>
-              <a:rPr lang="en-US" sz="2200" dirty="0" smtClean="0">
-                <a:hlinkClick r:id="rId3"/>
-              </a:rPr>
-              <a:t>/</a:t>
-            </a:r>
-            <a:endParaRPr lang="en-US" sz="2200" dirty="0" smtClean="0"/>
-          </a:p>
-          <a:p>
-            <a:r>
-              <a:rPr lang="en-US" sz="2200" dirty="0" smtClean="0"/>
+              <a:t>https://docs.oracle.com/javase/7/docs/api/</a:t>
+            </a:r>
+            <a:endParaRPr lang="en-US" sz="2200" dirty="0"/>
+          </a:p>
+          <a:p>
+            <a:r>
+              <a:rPr lang="en-US" sz="2200" dirty="0"/>
               <a:t>Eclipse is a great tool to learn and write code in Java</a:t>
             </a:r>
           </a:p>
@@ -4407,13 +4403,13 @@
               <a:buNone/>
             </a:pPr>
             <a:r>
-              <a:rPr lang="en-US" sz="2200" dirty="0" smtClean="0"/>
+              <a:rPr lang="en-US" sz="2200" dirty="0"/>
               <a:t>You can install Eclipse for free. </a:t>
             </a:r>
           </a:p>
           <a:p>
             <a:r>
-              <a:rPr lang="en-US" sz="2200" b="1" dirty="0" smtClean="0"/>
+              <a:rPr lang="en-US" sz="2200" b="1" dirty="0"/>
               <a:t>Learning how to type without looking at the keyboard is a great idea !!</a:t>
             </a:r>
           </a:p>
@@ -4427,7 +4423,7 @@
               </a:rPr>
               <a:t>https://www.typingclub.com</a:t>
             </a:r>
-            <a:endParaRPr lang="en-US" b="1" dirty="0" smtClean="0"/>
+            <a:endParaRPr lang="en-US" b="1" dirty="0"/>
           </a:p>
           <a:p>
             <a:pPr marL="0" indent="0">
@@ -4490,10 +4486,9 @@
           <a:lstStyle/>
           <a:p>
             <a:r>
-              <a:rPr lang="en-US" dirty="0" smtClean="0"/>
+              <a:rPr lang="en-US" dirty="0"/>
               <a:t>Useful websites:</a:t>
             </a:r>
-            <a:endParaRPr lang="en-US" dirty="0"/>
           </a:p>
         </p:txBody>
       </p:sp>
@@ -4518,21 +4513,25 @@
           <a:lstStyle/>
           <a:p>
             <a:r>
-              <a:rPr lang="en-US" dirty="0" smtClean="0"/>
-              <a:t>LinkedIn and Indeed –search for jobs by job title </a:t>
-            </a:r>
-            <a:r>
-              <a:rPr lang="en-US" dirty="0" err="1" smtClean="0"/>
+              <a:rPr lang="en-US" b="1" dirty="0"/>
+              <a:t>LinkedIn and Indeed </a:t>
+            </a:r>
+            <a:r>
+              <a:rPr lang="en-US" dirty="0"/>
+              <a:t>–search for jobs by job title </a:t>
+            </a:r>
+            <a:r>
+              <a:rPr lang="en-US" dirty="0" err="1"/>
               <a:t>etc</a:t>
             </a:r>
-            <a:endParaRPr lang="en-US" dirty="0" smtClean="0"/>
+            <a:endParaRPr lang="en-US" dirty="0"/>
           </a:p>
           <a:p>
             <a:pPr marL="0" indent="0">
               <a:buNone/>
             </a:pPr>
             <a:r>
-              <a:rPr lang="en-US" dirty="0" smtClean="0"/>
+              <a:rPr lang="en-US" dirty="0"/>
               <a:t>Can be used to apply for jobs.</a:t>
             </a:r>
           </a:p>
@@ -4540,17 +4539,24 @@
             <a:pPr marL="0" indent="0">
               <a:buNone/>
             </a:pPr>
-            <a:endParaRPr lang="en-US" dirty="0" smtClean="0"/>
-          </a:p>
-          <a:p>
-            <a:r>
-              <a:rPr lang="en-US" dirty="0" smtClean="0"/>
-              <a:t>Glassdoor – search for jobs by job title to learn more on salaries, benefits </a:t>
-            </a:r>
-            <a:r>
-              <a:rPr lang="en-US" dirty="0" err="1" smtClean="0"/>
+            <a:endParaRPr lang="en-US" dirty="0"/>
+          </a:p>
+          <a:p>
+            <a:r>
+              <a:rPr lang="en-US" b="1" dirty="0"/>
+              <a:t>Glassdoor</a:t>
+            </a:r>
+            <a:r>
+              <a:rPr lang="en-US" dirty="0"/>
+              <a:t> – search for jobs by job title to learn more on salaries, benefits </a:t>
+            </a:r>
+            <a:r>
+              <a:rPr lang="en-US" dirty="0" err="1"/>
               <a:t>etc</a:t>
             </a:r>
+            <a:endParaRPr lang="en-US"/>
+          </a:p>
+          <a:p>
             <a:endParaRPr lang="en-US" dirty="0"/>
           </a:p>
         </p:txBody>
@@ -4608,10 +4614,9 @@
           <a:lstStyle/>
           <a:p>
             <a:r>
-              <a:rPr lang="en-US" dirty="0" smtClean="0"/>
+              <a:rPr lang="en-US" dirty="0"/>
               <a:t>My Career Path</a:t>
             </a:r>
-            <a:endParaRPr lang="en-US" dirty="0"/>
           </a:p>
         </p:txBody>
       </p:sp>
@@ -4636,22 +4641,21 @@
           <a:lstStyle/>
           <a:p>
             <a:r>
-              <a:rPr lang="en-US" dirty="0" smtClean="0"/>
+              <a:rPr lang="en-US" dirty="0"/>
               <a:t>I did my BS in Electronics and Communication Engineering at REC, Trichy, India.</a:t>
             </a:r>
           </a:p>
           <a:p>
             <a:r>
-              <a:rPr lang="en-US" dirty="0" smtClean="0"/>
+              <a:rPr lang="en-US" dirty="0"/>
               <a:t>While I did my Bachelors, I learnt Pascal and that’s when I realized that Programming is what I want to do.</a:t>
             </a:r>
           </a:p>
           <a:p>
             <a:r>
-              <a:rPr lang="en-US" dirty="0" smtClean="0"/>
+              <a:rPr lang="en-US" dirty="0"/>
               <a:t>Graduated in ‘99 July with Masters in Computer Science at RIT, Rochester, NY</a:t>
             </a:r>
-            <a:endParaRPr lang="en-US" dirty="0"/>
           </a:p>
         </p:txBody>
       </p:sp>
@@ -4708,10 +4712,9 @@
           <a:lstStyle/>
           <a:p>
             <a:r>
-              <a:rPr lang="en-US" dirty="0" smtClean="0"/>
+              <a:rPr lang="en-US" dirty="0"/>
               <a:t>My Previous Job</a:t>
             </a:r>
-            <a:endParaRPr lang="en-US" dirty="0"/>
           </a:p>
         </p:txBody>
       </p:sp>
@@ -4738,62 +4741,62 @@
           <a:lstStyle/>
           <a:p>
             <a:r>
-              <a:rPr lang="en-US" dirty="0" smtClean="0"/>
+              <a:rPr lang="en-US" dirty="0"/>
               <a:t>Thomson Reuters – I was hired as a Java mentor for the team and worked onsite for 6 months. Then moved to South Williamson, KY in 2000 and continued to work from home for 17 years.</a:t>
             </a:r>
           </a:p>
           <a:p>
             <a:r>
-              <a:rPr lang="en-US" dirty="0" smtClean="0"/>
+              <a:rPr lang="en-US" dirty="0"/>
               <a:t>I was the only remote employee at Thomson Reuters!</a:t>
             </a:r>
           </a:p>
           <a:p>
             <a:r>
-              <a:rPr lang="en-US" dirty="0" smtClean="0"/>
+              <a:rPr lang="en-US" dirty="0"/>
               <a:t>Thomson Reuters is a huge organization. ~ 8000 employees comprising of Management, Legal (Lawyers, </a:t>
             </a:r>
             <a:r>
-              <a:rPr lang="en-US" dirty="0" err="1" smtClean="0"/>
+              <a:rPr lang="en-US" dirty="0" err="1"/>
               <a:t>etc</a:t>
             </a:r>
             <a:r>
-              <a:rPr lang="en-US" dirty="0" smtClean="0"/>
+              <a:rPr lang="en-US" dirty="0"/>
               <a:t>), Tech (Software Engineers)</a:t>
             </a:r>
           </a:p>
           <a:p>
             <a:r>
-              <a:rPr lang="en-US" dirty="0" smtClean="0"/>
+              <a:rPr lang="en-US" dirty="0"/>
               <a:t>Many of the projects I worked on were used internally within the </a:t>
             </a:r>
             <a:r>
-              <a:rPr lang="en-US" dirty="0" err="1" smtClean="0"/>
+              <a:rPr lang="en-US" dirty="0" err="1"/>
               <a:t>companhy</a:t>
             </a:r>
-            <a:endParaRPr lang="en-US" dirty="0" smtClean="0"/>
-          </a:p>
-          <a:p>
-            <a:r>
-              <a:rPr lang="en-US" dirty="0" smtClean="0"/>
+            <a:endParaRPr lang="en-US" dirty="0"/>
+          </a:p>
+          <a:p>
+            <a:r>
+              <a:rPr lang="en-US" dirty="0"/>
               <a:t>The end-product of Thomson Reuters is </a:t>
             </a:r>
             <a:r>
-              <a:rPr lang="en-US" dirty="0" err="1" smtClean="0"/>
+              <a:rPr lang="en-US" dirty="0" err="1"/>
               <a:t>WestlawNext</a:t>
             </a:r>
             <a:r>
-              <a:rPr lang="en-US" dirty="0" smtClean="0"/>
+              <a:rPr lang="en-US" dirty="0"/>
               <a:t> used by Lawyers. It is an online system to search for cases, codes etc.</a:t>
             </a:r>
           </a:p>
           <a:p>
             <a:r>
-              <a:rPr lang="en-US" dirty="0" smtClean="0"/>
+              <a:rPr lang="en-US" dirty="0"/>
               <a:t>LexisNexis is a competitive product to </a:t>
             </a:r>
             <a:r>
-              <a:rPr lang="en-US" dirty="0" err="1" smtClean="0"/>
+              <a:rPr lang="en-US" dirty="0" err="1"/>
               <a:t>WestlawNext</a:t>
             </a:r>
             <a:endParaRPr lang="en-US" dirty="0"/>
@@ -4851,10 +4854,9 @@
           <a:lstStyle/>
           <a:p>
             <a:r>
-              <a:rPr lang="en-US" dirty="0" smtClean="0"/>
+              <a:rPr lang="en-US" dirty="0"/>
               <a:t>My Current Job</a:t>
             </a:r>
-            <a:endParaRPr lang="en-US" dirty="0"/>
           </a:p>
         </p:txBody>
       </p:sp>
@@ -4879,15 +4881,15 @@
           <a:lstStyle/>
           <a:p>
             <a:r>
-              <a:rPr lang="en-US" dirty="0" smtClean="0"/>
+              <a:rPr lang="en-US" dirty="0"/>
               <a:t>Software Developer at </a:t>
             </a:r>
             <a:r>
-              <a:rPr lang="en-US" dirty="0" err="1" smtClean="0"/>
+              <a:rPr lang="en-US" dirty="0" err="1"/>
               <a:t>Cofense</a:t>
             </a:r>
             <a:r>
-              <a:rPr lang="en-US" dirty="0" smtClean="0"/>
+              <a:rPr lang="en-US" dirty="0"/>
               <a:t> </a:t>
             </a:r>
           </a:p>
@@ -4895,38 +4897,38 @@
             <a:pPr marL="0" indent="0">
               <a:buNone/>
             </a:pPr>
-            <a:endParaRPr lang="en-US" dirty="0" smtClean="0"/>
-          </a:p>
-          <a:p>
-            <a:r>
-              <a:rPr lang="en-US" dirty="0" smtClean="0"/>
+            <a:endParaRPr lang="en-US" dirty="0"/>
+          </a:p>
+          <a:p>
+            <a:r>
+              <a:rPr lang="en-US" dirty="0"/>
               <a:t>Their product lets Companies create scenarios to inject Phishing emails to their employees’ Inbox and train them to identify and report Phishing emails.</a:t>
             </a:r>
           </a:p>
           <a:p>
             <a:r>
-              <a:rPr lang="en-US" dirty="0" smtClean="0"/>
+              <a:rPr lang="en-US" dirty="0"/>
               <a:t>Unlike Thomson Reuters, many of the employees including me work from home. So am no longer the odd man out </a:t>
             </a:r>
             <a:r>
-              <a:rPr lang="en-US" dirty="0" smtClean="0">
+              <a:rPr lang="en-US" dirty="0">
                 <a:sym typeface="Wingdings" panose="05000000000000000000" pitchFamily="2" charset="2"/>
               </a:rPr>
               <a:t></a:t>
             </a:r>
-            <a:endParaRPr lang="en-US" dirty="0" smtClean="0"/>
-          </a:p>
-          <a:p>
-            <a:r>
-              <a:rPr lang="en-US" dirty="0" smtClean="0"/>
+            <a:endParaRPr lang="en-US" dirty="0"/>
+          </a:p>
+          <a:p>
+            <a:r>
+              <a:rPr lang="en-US" dirty="0"/>
               <a:t>My </a:t>
             </a:r>
             <a:r>
-              <a:rPr lang="en-US" dirty="0" err="1" smtClean="0"/>
+              <a:rPr lang="en-US" dirty="0" err="1"/>
               <a:t>linkedIn</a:t>
             </a:r>
             <a:r>
-              <a:rPr lang="en-US" dirty="0" smtClean="0"/>
+              <a:rPr lang="en-US" dirty="0"/>
               <a:t> URL:</a:t>
             </a:r>
           </a:p>
@@ -5044,10 +5046,9 @@
           <a:lstStyle/>
           <a:p>
             <a:r>
-              <a:rPr lang="en-US" dirty="0" smtClean="0"/>
+              <a:rPr lang="en-US" dirty="0"/>
               <a:t>Why learn to code?</a:t>
             </a:r>
-            <a:endParaRPr lang="en-US" dirty="0"/>
           </a:p>
         </p:txBody>
       </p:sp>
@@ -5069,35 +5070,35 @@
           <a:lstStyle/>
           <a:p>
             <a:r>
-              <a:rPr lang="en-US" dirty="0" smtClean="0"/>
+              <a:rPr lang="en-US" dirty="0"/>
               <a:t>Coding enhances problem solving and logical reasoning skills</a:t>
             </a:r>
           </a:p>
           <a:p>
             <a:r>
-              <a:rPr lang="en-US" dirty="0" smtClean="0"/>
+              <a:rPr lang="en-US" dirty="0"/>
               <a:t>Many careers now require some basic knowledge in coding</a:t>
             </a:r>
           </a:p>
           <a:p>
             <a:r>
-              <a:rPr lang="en-US" dirty="0" smtClean="0"/>
+              <a:rPr lang="en-US" dirty="0"/>
               <a:t>Eashwar is currently learning how to code for his Research/Analysis and regrets not taking Software related classes in his Undergrad.</a:t>
             </a:r>
           </a:p>
           <a:p>
             <a:r>
-              <a:rPr lang="en-US" dirty="0" smtClean="0"/>
+              <a:rPr lang="en-US" dirty="0"/>
               <a:t>Coding is only one part of IT industry. Many after a few years of coding branch off to Management.</a:t>
             </a:r>
           </a:p>
           <a:p>
             <a:r>
-              <a:rPr lang="en-US" dirty="0" smtClean="0"/>
+              <a:rPr lang="en-US" dirty="0"/>
               <a:t>Some don’t even code and yet work in IT industry as Product Owners, Project Managers </a:t>
             </a:r>
             <a:r>
-              <a:rPr lang="en-US" dirty="0" err="1" smtClean="0"/>
+              <a:rPr lang="en-US" dirty="0" err="1"/>
               <a:t>etc</a:t>
             </a:r>
             <a:endParaRPr lang="en-US" dirty="0"/>
@@ -5157,10 +5158,9 @@
           <a:lstStyle/>
           <a:p>
             <a:r>
-              <a:rPr lang="en-US" sz="2800" b="1" dirty="0" smtClean="0"/>
+              <a:rPr lang="en-US" sz="2800" b="1" dirty="0"/>
               <a:t>Pros and Cons of being an IT Professional</a:t>
             </a:r>
-            <a:endParaRPr lang="en-US" sz="2800" b="1" dirty="0"/>
           </a:p>
         </p:txBody>
       </p:sp>
@@ -5190,8 +5190,20 @@
                 <a:tableStyleId>{5C22544A-7EE6-4342-B048-85BDC9FD1C3A}</a:tableStyleId>
               </a:tblPr>
               <a:tblGrid>
-                <a:gridCol w="4000500"/>
-                <a:gridCol w="4000500"/>
+                <a:gridCol w="4000500">
+                  <a:extLst>
+                    <a:ext uri="{9D8B030D-6E8A-4147-A177-3AD203B41FA5}">
+                      <a16:colId xmlns:a16="http://schemas.microsoft.com/office/drawing/2014/main" val="20000"/>
+                    </a:ext>
+                  </a:extLst>
+                </a:gridCol>
+                <a:gridCol w="4000500">
+                  <a:extLst>
+                    <a:ext uri="{9D8B030D-6E8A-4147-A177-3AD203B41FA5}">
+                      <a16:colId xmlns:a16="http://schemas.microsoft.com/office/drawing/2014/main" val="20001"/>
+                    </a:ext>
+                  </a:extLst>
+                </a:gridCol>
               </a:tblGrid>
               <a:tr h="348982">
                 <a:tc>
@@ -5200,10 +5212,9 @@
                     <a:lstStyle/>
                     <a:p>
                       <a:r>
-                        <a:rPr lang="en-US" dirty="0" smtClean="0"/>
+                        <a:rPr lang="en-US" dirty="0"/>
                         <a:t>Pros</a:t>
                       </a:r>
-                      <a:endParaRPr lang="en-US" dirty="0"/>
                     </a:p>
                   </a:txBody>
                   <a:tcPr/>
@@ -5214,14 +5225,18 @@
                     <a:lstStyle/>
                     <a:p>
                       <a:r>
-                        <a:rPr lang="en-US" dirty="0" smtClean="0"/>
+                        <a:rPr lang="en-US" dirty="0"/>
                         <a:t>Cons</a:t>
                       </a:r>
-                      <a:endParaRPr lang="en-US" dirty="0"/>
                     </a:p>
                   </a:txBody>
                   <a:tcPr/>
                 </a:tc>
+                <a:extLst>
+                  <a:ext uri="{0D108BD9-81ED-4DB2-BD59-A6C34878D82A}">
+                    <a16:rowId xmlns:a16="http://schemas.microsoft.com/office/drawing/2014/main" val="10000"/>
+                  </a:ext>
+                </a:extLst>
               </a:tr>
               <a:tr h="1017865">
                 <a:tc>
@@ -5230,7 +5245,7 @@
                     <a:lstStyle/>
                     <a:p>
                       <a:r>
-                        <a:rPr lang="en-US" sz="1600" dirty="0" smtClean="0"/>
+                        <a:rPr lang="en-US" sz="1600" dirty="0"/>
                         <a:t>Remote working is becoming more popular</a:t>
                       </a:r>
                     </a:p>
@@ -5243,11 +5258,11 @@
                     <a:lstStyle/>
                     <a:p>
                       <a:r>
-                        <a:rPr lang="en-US" sz="1600" dirty="0" smtClean="0"/>
+                        <a:rPr lang="en-US" sz="1600" dirty="0"/>
                         <a:t>Remote working may not be the best in all situations. Many companies like Amazon do not allow work from home</a:t>
                       </a:r>
                       <a:r>
-                        <a:rPr lang="en-US" sz="1600" baseline="0" dirty="0" smtClean="0"/>
+                        <a:rPr lang="en-US" sz="1600" baseline="0" dirty="0"/>
                         <a:t>. This may change in future.</a:t>
                       </a:r>
                       <a:endParaRPr lang="en-US" sz="1600" dirty="0"/>
@@ -5255,6 +5270,11 @@
                   </a:txBody>
                   <a:tcPr/>
                 </a:tc>
+                <a:extLst>
+                  <a:ext uri="{0D108BD9-81ED-4DB2-BD59-A6C34878D82A}">
+                    <a16:rowId xmlns:a16="http://schemas.microsoft.com/office/drawing/2014/main" val="10001"/>
+                  </a:ext>
+                </a:extLst>
               </a:tr>
               <a:tr h="1250520">
                 <a:tc>
@@ -5263,22 +5283,22 @@
                     <a:lstStyle/>
                     <a:p>
                       <a:r>
-                        <a:rPr lang="en-US" sz="1600" dirty="0" smtClean="0"/>
+                        <a:rPr lang="en-US" sz="1600" dirty="0"/>
                         <a:t>Many who live in suburbs work from home for a few days per week and a</a:t>
                       </a:r>
                       <a:r>
-                        <a:rPr lang="en-US" sz="1600" baseline="0" dirty="0" smtClean="0"/>
+                        <a:rPr lang="en-US" sz="1600" baseline="0" dirty="0"/>
                         <a:t> few days</a:t>
                       </a:r>
                       <a:r>
-                        <a:rPr lang="en-US" sz="1600" dirty="0" smtClean="0"/>
+                        <a:rPr lang="en-US" sz="1600" dirty="0"/>
                         <a:t> onsite. This is a good hybrid model that combines the benefits</a:t>
                       </a:r>
                       <a:r>
-                        <a:rPr lang="en-US" sz="1600" baseline="0" dirty="0" smtClean="0"/>
+                        <a:rPr lang="en-US" sz="1600" baseline="0" dirty="0"/>
                         <a:t> of work from home and onsite.</a:t>
                       </a:r>
-                      <a:endParaRPr lang="en-US" sz="1600" dirty="0" smtClean="0"/>
+                      <a:endParaRPr lang="en-US" sz="1600" dirty="0"/>
                     </a:p>
                   </a:txBody>
                   <a:tcPr/>
@@ -5289,14 +5309,18 @@
                     <a:lstStyle/>
                     <a:p>
                       <a:r>
-                        <a:rPr lang="en-US" sz="1600" dirty="0" smtClean="0"/>
+                        <a:rPr lang="en-US" sz="1600" dirty="0"/>
                         <a:t>If you are in Management that require a lot of meetings, then work at onsite may be the best. </a:t>
                       </a:r>
-                      <a:endParaRPr lang="en-US" sz="1600" dirty="0"/>
                     </a:p>
                   </a:txBody>
                   <a:tcPr/>
                 </a:tc>
+                <a:extLst>
+                  <a:ext uri="{0D108BD9-81ED-4DB2-BD59-A6C34878D82A}">
+                    <a16:rowId xmlns:a16="http://schemas.microsoft.com/office/drawing/2014/main" val="10002"/>
+                  </a:ext>
+                </a:extLst>
               </a:tr>
               <a:tr h="319901">
                 <a:tc>
@@ -5305,7 +5329,7 @@
                     <a:lstStyle/>
                     <a:p>
                       <a:r>
-                        <a:rPr lang="en-US" sz="1600" dirty="0" smtClean="0"/>
+                        <a:rPr lang="en-US" sz="1600" dirty="0"/>
                         <a:t>Helps balance work/life</a:t>
                       </a:r>
                     </a:p>
@@ -5318,14 +5342,18 @@
                     <a:lstStyle/>
                     <a:p>
                       <a:r>
-                        <a:rPr lang="en-US" sz="1600" dirty="0" smtClean="0"/>
+                        <a:rPr lang="en-US" sz="1600" dirty="0"/>
                         <a:t>Highly Competitive</a:t>
                       </a:r>
-                      <a:endParaRPr lang="en-US" sz="1600" dirty="0"/>
                     </a:p>
                   </a:txBody>
                   <a:tcPr/>
                 </a:tc>
+                <a:extLst>
+                  <a:ext uri="{0D108BD9-81ED-4DB2-BD59-A6C34878D82A}">
+                    <a16:rowId xmlns:a16="http://schemas.microsoft.com/office/drawing/2014/main" val="10003"/>
+                  </a:ext>
+                </a:extLst>
               </a:tr>
               <a:tr h="785211">
                 <a:tc>
@@ -5351,7 +5379,7 @@
                         <a:defRPr/>
                       </a:pPr>
                       <a:r>
-                        <a:rPr lang="en-US" sz="1600" dirty="0" smtClean="0"/>
+                        <a:rPr lang="en-US" sz="1600" dirty="0"/>
                         <a:t>Good pay and health benefits</a:t>
                       </a:r>
                     </a:p>
@@ -5384,18 +5412,23 @@
                         <a:defRPr/>
                       </a:pPr>
                       <a:r>
-                        <a:rPr lang="en-US" sz="1600" dirty="0" smtClean="0"/>
+                        <a:rPr lang="en-US" sz="1600" dirty="0"/>
                         <a:t>Technology</a:t>
                       </a:r>
                       <a:r>
-                        <a:rPr lang="en-US" sz="1600" baseline="0" dirty="0" smtClean="0"/>
+                        <a:rPr lang="en-US" sz="1600" baseline="0" dirty="0"/>
                         <a:t> changes so fast that learning and keeping up with the new trend is essential</a:t>
                       </a:r>
-                      <a:endParaRPr lang="en-US" sz="1600" dirty="0" smtClean="0"/>
+                      <a:endParaRPr lang="en-US" sz="1600" dirty="0"/>
                     </a:p>
                   </a:txBody>
                   <a:tcPr/>
                 </a:tc>
+                <a:extLst>
+                  <a:ext uri="{0D108BD9-81ED-4DB2-BD59-A6C34878D82A}">
+                    <a16:rowId xmlns:a16="http://schemas.microsoft.com/office/drawing/2014/main" val="10004"/>
+                  </a:ext>
+                </a:extLst>
               </a:tr>
               <a:tr h="708789">
                 <a:tc>
@@ -5404,10 +5437,9 @@
                     <a:lstStyle/>
                     <a:p>
                       <a:r>
-                        <a:rPr lang="en-US" sz="1600" dirty="0" smtClean="0"/>
+                        <a:rPr lang="en-US" sz="1600" dirty="0"/>
                         <a:t>Career Growth</a:t>
                       </a:r>
-                      <a:endParaRPr lang="en-US" sz="1600" dirty="0"/>
                     </a:p>
                   </a:txBody>
                   <a:tcPr/>
@@ -5435,18 +5467,23 @@
                         <a:defRPr/>
                       </a:pPr>
                       <a:r>
-                        <a:rPr lang="en-US" sz="1600" dirty="0" smtClean="0"/>
+                        <a:rPr lang="en-US" sz="1600" dirty="0"/>
                         <a:t>Outsourcing – Jobs are frequently</a:t>
                       </a:r>
                       <a:r>
-                        <a:rPr lang="en-US" sz="1600" baseline="0" dirty="0" smtClean="0"/>
+                        <a:rPr lang="en-US" sz="1600" baseline="0" dirty="0"/>
                         <a:t> sent overseas</a:t>
                       </a:r>
-                      <a:endParaRPr lang="en-US" sz="1600" dirty="0" smtClean="0"/>
+                      <a:endParaRPr lang="en-US" sz="1600" dirty="0"/>
                     </a:p>
                   </a:txBody>
                   <a:tcPr/>
                 </a:tc>
+                <a:extLst>
+                  <a:ext uri="{0D108BD9-81ED-4DB2-BD59-A6C34878D82A}">
+                    <a16:rowId xmlns:a16="http://schemas.microsoft.com/office/drawing/2014/main" val="10005"/>
+                  </a:ext>
+                </a:extLst>
               </a:tr>
             </a:tbl>
           </a:graphicData>
@@ -5488,10 +5525,9 @@
           <a:lstStyle/>
           <a:p>
             <a:r>
-              <a:rPr lang="en-US" dirty="0" smtClean="0"/>
+              <a:rPr lang="en-US" dirty="0"/>
               <a:t>Ultimately, it depends on what you like and what you want to be!</a:t>
             </a:r>
-            <a:endParaRPr lang="en-US" dirty="0"/>
           </a:p>
         </p:txBody>
       </p:sp>
@@ -5545,7 +5581,7 @@
           <a:bodyPr/>
           <a:lstStyle/>
           <a:p>
-            <a:endParaRPr lang="en-US" dirty="0" smtClean="0"/>
+            <a:endParaRPr lang="en-US" dirty="0"/>
           </a:p>
           <a:p>
             <a:endParaRPr lang="en-US" dirty="0"/>
@@ -5554,7 +5590,7 @@
             <a:pPr marL="0" indent="0">
               <a:buNone/>
             </a:pPr>
-            <a:endParaRPr lang="en-US" dirty="0" smtClean="0"/>
+            <a:endParaRPr lang="en-US" dirty="0"/>
           </a:p>
         </p:txBody>
       </p:sp>
@@ -5595,10 +5631,9 @@
           <a:p>
             <a:pPr algn="ctr"/>
             <a:r>
-              <a:rPr lang="en-US" dirty="0" smtClean="0"/>
+              <a:rPr lang="en-US" dirty="0"/>
               <a:t>Jobs at IT Industry</a:t>
             </a:r>
-            <a:endParaRPr lang="en-US" dirty="0"/>
           </a:p>
         </p:txBody>
       </p:sp>
@@ -5678,15 +5713,14 @@
           <a:lstStyle/>
           <a:p>
             <a:pPr algn="ctr"/>
-            <a:endParaRPr lang="en-US" dirty="0" smtClean="0"/>
+            <a:endParaRPr lang="en-US" dirty="0"/>
           </a:p>
           <a:p>
             <a:pPr algn="ctr"/>
             <a:r>
-              <a:rPr lang="en-US" dirty="0" smtClean="0"/>
+              <a:rPr lang="en-US" dirty="0"/>
               <a:t>Technology Related		</a:t>
             </a:r>
-            <a:endParaRPr lang="en-US" dirty="0"/>
           </a:p>
         </p:txBody>
       </p:sp>
@@ -5727,10 +5761,9 @@
           <a:p>
             <a:pPr algn="ctr"/>
             <a:r>
-              <a:rPr lang="en-US" dirty="0" smtClean="0"/>
+              <a:rPr lang="en-US" dirty="0"/>
               <a:t>Management Related</a:t>
             </a:r>
-            <a:endParaRPr lang="en-US" dirty="0"/>
           </a:p>
         </p:txBody>
       </p:sp>
@@ -5771,10 +5804,9 @@
           <a:p>
             <a:pPr algn="ctr"/>
             <a:r>
-              <a:rPr lang="en-US" dirty="0" smtClean="0"/>
+              <a:rPr lang="en-US" dirty="0"/>
               <a:t>Architects, Software Engineers, QA (Testing) Engineers, Business Analysts</a:t>
             </a:r>
-            <a:endParaRPr lang="en-US" dirty="0"/>
           </a:p>
         </p:txBody>
       </p:sp>
@@ -5855,10 +5887,9 @@
           <a:p>
             <a:pPr algn="ctr"/>
             <a:r>
-              <a:rPr lang="en-US" dirty="0" smtClean="0"/>
+              <a:rPr lang="en-US" dirty="0"/>
               <a:t>Scrum Masters, Product Owners, Project Managers, Managers, Directors, VP, President/CEO</a:t>
             </a:r>
-            <a:endParaRPr lang="en-US" dirty="0"/>
           </a:p>
         </p:txBody>
       </p:sp>
@@ -5955,10 +5986,9 @@
           <a:lstStyle/>
           <a:p>
             <a:r>
-              <a:rPr lang="en-US" dirty="0" smtClean="0"/>
+              <a:rPr lang="en-US" dirty="0"/>
               <a:t>Technology Related Jobs</a:t>
             </a:r>
-            <a:endParaRPr lang="en-US" dirty="0"/>
           </a:p>
         </p:txBody>
       </p:sp>
@@ -5988,8 +6018,20 @@
                 <a:tableStyleId>{5C22544A-7EE6-4342-B048-85BDC9FD1C3A}</a:tableStyleId>
               </a:tblPr>
               <a:tblGrid>
-                <a:gridCol w="4038600"/>
-                <a:gridCol w="4038600"/>
+                <a:gridCol w="4038600">
+                  <a:extLst>
+                    <a:ext uri="{9D8B030D-6E8A-4147-A177-3AD203B41FA5}">
+                      <a16:colId xmlns:a16="http://schemas.microsoft.com/office/drawing/2014/main" val="20000"/>
+                    </a:ext>
+                  </a:extLst>
+                </a:gridCol>
+                <a:gridCol w="4038600">
+                  <a:extLst>
+                    <a:ext uri="{9D8B030D-6E8A-4147-A177-3AD203B41FA5}">
+                      <a16:colId xmlns:a16="http://schemas.microsoft.com/office/drawing/2014/main" val="20001"/>
+                    </a:ext>
+                  </a:extLst>
+                </a:gridCol>
               </a:tblGrid>
               <a:tr h="282626">
                 <a:tc>
@@ -5998,10 +6040,9 @@
                     <a:lstStyle/>
                     <a:p>
                       <a:r>
-                        <a:rPr lang="en-US" dirty="0" smtClean="0"/>
+                        <a:rPr lang="en-US" dirty="0"/>
                         <a:t>Job Title</a:t>
                       </a:r>
-                      <a:endParaRPr lang="en-US" dirty="0"/>
                     </a:p>
                   </a:txBody>
                   <a:tcPr/>
@@ -6012,14 +6053,18 @@
                     <a:lstStyle/>
                     <a:p>
                       <a:r>
-                        <a:rPr lang="en-US" dirty="0" smtClean="0"/>
+                        <a:rPr lang="en-US" dirty="0"/>
                         <a:t>Job Description</a:t>
                       </a:r>
-                      <a:endParaRPr lang="en-US" dirty="0"/>
                     </a:p>
                   </a:txBody>
                   <a:tcPr/>
                 </a:tc>
+                <a:extLst>
+                  <a:ext uri="{0D108BD9-81ED-4DB2-BD59-A6C34878D82A}">
+                    <a16:rowId xmlns:a16="http://schemas.microsoft.com/office/drawing/2014/main" val="10000"/>
+                  </a:ext>
+                </a:extLst>
               </a:tr>
               <a:tr h="1920240">
                 <a:tc>
@@ -6028,11 +6073,11 @@
                     <a:lstStyle/>
                     <a:p>
                       <a:r>
-                        <a:rPr lang="en-US" sz="1400" b="1" dirty="0" smtClean="0"/>
+                        <a:rPr lang="en-US" sz="1400" b="1" dirty="0"/>
                         <a:t>Software</a:t>
                       </a:r>
                       <a:r>
-                        <a:rPr lang="en-US" sz="1400" b="1" baseline="0" dirty="0" smtClean="0"/>
+                        <a:rPr lang="en-US" sz="1400" b="1" baseline="0" dirty="0"/>
                         <a:t> Architects</a:t>
                       </a:r>
                       <a:endParaRPr lang="en-US" sz="1400" b="1" dirty="0"/>
@@ -6046,11 +6091,11 @@
                     <a:lstStyle/>
                     <a:p>
                       <a:r>
-                        <a:rPr lang="en-US" sz="1400" dirty="0" smtClean="0"/>
+                        <a:rPr lang="en-US" sz="1400" dirty="0"/>
                         <a:t>There are usually very few architects in a company. They work closely with Management and design very large systems</a:t>
                       </a:r>
                       <a:r>
-                        <a:rPr lang="en-US" sz="1400" baseline="0" dirty="0" smtClean="0"/>
+                        <a:rPr lang="en-US" sz="1400" baseline="0" dirty="0"/>
                         <a:t> especially with large-scale projects. Also work with Software Engineers in aiding them to implement the Software projects. They don’t code on a everyday basis, but should be very knowledge on the languages, tools used in Software Development.</a:t>
                       </a:r>
                       <a:endParaRPr lang="en-US" sz="1400" dirty="0"/>
@@ -6058,6 +6103,11 @@
                   </a:txBody>
                   <a:tcPr/>
                 </a:tc>
+                <a:extLst>
+                  <a:ext uri="{0D108BD9-81ED-4DB2-BD59-A6C34878D82A}">
+                    <a16:rowId xmlns:a16="http://schemas.microsoft.com/office/drawing/2014/main" val="10001"/>
+                  </a:ext>
+                </a:extLst>
               </a:tr>
               <a:tr h="1115019">
                 <a:tc>
@@ -6066,10 +6116,9 @@
                     <a:lstStyle/>
                     <a:p>
                       <a:r>
-                        <a:rPr lang="en-US" sz="1400" b="1" dirty="0" smtClean="0"/>
+                        <a:rPr lang="en-US" sz="1400" b="1" dirty="0"/>
                         <a:t>Software Engineers</a:t>
                       </a:r>
-                      <a:endParaRPr lang="en-US" sz="1400" b="1" dirty="0"/>
                     </a:p>
                   </a:txBody>
                   <a:tcPr/>
@@ -6080,19 +6129,19 @@
                     <a:lstStyle/>
                     <a:p>
                       <a:r>
-                        <a:rPr lang="en-US" sz="1400" dirty="0" smtClean="0"/>
+                        <a:rPr lang="en-US" sz="1400" dirty="0"/>
                         <a:t>“</a:t>
                       </a:r>
                       <a:r>
-                        <a:rPr lang="en-US" sz="1400" b="0" i="1" dirty="0" smtClean="0"/>
+                        <a:rPr lang="en-US" sz="1400" b="0" i="1" dirty="0"/>
                         <a:t>This is the</a:t>
                       </a:r>
                       <a:r>
-                        <a:rPr lang="en-US" sz="1400" b="0" i="1" baseline="0" dirty="0" smtClean="0"/>
+                        <a:rPr lang="en-US" sz="1400" b="0" i="1" baseline="0" dirty="0"/>
                         <a:t> job I have been doing for the past 18 years. On a smaller scale, we gather  requirements, design, develop and test. Develop here refers to writing code</a:t>
                       </a:r>
                       <a:r>
-                        <a:rPr lang="en-US" sz="1400" baseline="0" dirty="0" smtClean="0"/>
+                        <a:rPr lang="en-US" sz="1400" baseline="0" dirty="0"/>
                         <a:t>.”</a:t>
                       </a:r>
                       <a:endParaRPr lang="en-US" sz="1400" dirty="0"/>
@@ -6100,6 +6149,11 @@
                   </a:txBody>
                   <a:tcPr/>
                 </a:tc>
+                <a:extLst>
+                  <a:ext uri="{0D108BD9-81ED-4DB2-BD59-A6C34878D82A}">
+                    <a16:rowId xmlns:a16="http://schemas.microsoft.com/office/drawing/2014/main" val="10002"/>
+                  </a:ext>
+                </a:extLst>
               </a:tr>
               <a:tr h="905953">
                 <a:tc>
@@ -6108,10 +6162,9 @@
                     <a:lstStyle/>
                     <a:p>
                       <a:r>
-                        <a:rPr lang="en-US" sz="1400" b="1" dirty="0" smtClean="0"/>
+                        <a:rPr lang="en-US" sz="1400" b="1" dirty="0"/>
                         <a:t>Quality Assurance Engineers</a:t>
                       </a:r>
-                      <a:endParaRPr lang="en-US" sz="1400" b="1" dirty="0"/>
                     </a:p>
                   </a:txBody>
                   <a:tcPr/>
@@ -6122,11 +6175,11 @@
                     <a:lstStyle/>
                     <a:p>
                       <a:r>
-                        <a:rPr lang="en-US" sz="1400" dirty="0" smtClean="0"/>
+                        <a:rPr lang="en-US" sz="1400" dirty="0"/>
                         <a:t>They vigorously</a:t>
                       </a:r>
                       <a:r>
-                        <a:rPr lang="en-US" sz="1400" baseline="0" dirty="0" smtClean="0"/>
+                        <a:rPr lang="en-US" sz="1400" baseline="0" dirty="0"/>
                         <a:t> test the code we write. In doing so, they write code to test code. Many of the tests are automated with minimal manual intervention.</a:t>
                       </a:r>
                       <a:endParaRPr lang="en-US" sz="1400" dirty="0"/>
@@ -6134,6 +6187,11 @@
                   </a:txBody>
                   <a:tcPr/>
                 </a:tc>
+                <a:extLst>
+                  <a:ext uri="{0D108BD9-81ED-4DB2-BD59-A6C34878D82A}">
+                    <a16:rowId xmlns:a16="http://schemas.microsoft.com/office/drawing/2014/main" val="10003"/>
+                  </a:ext>
+                </a:extLst>
               </a:tr>
               <a:tr h="282626">
                 <a:tc>
@@ -6142,10 +6200,9 @@
                     <a:lstStyle/>
                     <a:p>
                       <a:r>
-                        <a:rPr lang="en-US" sz="1400" b="1" dirty="0" smtClean="0"/>
+                        <a:rPr lang="en-US" sz="1400" b="1" dirty="0"/>
                         <a:t>Business Analyst</a:t>
                       </a:r>
-                      <a:endParaRPr lang="en-US" sz="1400" b="1" dirty="0"/>
                     </a:p>
                   </a:txBody>
                   <a:tcPr/>
@@ -6156,11 +6213,11 @@
                     <a:lstStyle/>
                     <a:p>
                       <a:r>
-                        <a:rPr lang="en-US" sz="1400" dirty="0" smtClean="0"/>
+                        <a:rPr lang="en-US" sz="1400" dirty="0"/>
                         <a:t>They work closely with users and develop UI</a:t>
                       </a:r>
                       <a:r>
-                        <a:rPr lang="en-US" sz="1400" baseline="0" dirty="0" smtClean="0"/>
+                        <a:rPr lang="en-US" sz="1400" baseline="0" dirty="0"/>
                         <a:t> components. They write code to a lesser extent than Software Engineers and Quality Assurance Engineers.</a:t>
                       </a:r>
                       <a:endParaRPr lang="en-US" sz="1400" dirty="0"/>
@@ -6168,6 +6225,11 @@
                   </a:txBody>
                   <a:tcPr/>
                 </a:tc>
+                <a:extLst>
+                  <a:ext uri="{0D108BD9-81ED-4DB2-BD59-A6C34878D82A}">
+                    <a16:rowId xmlns:a16="http://schemas.microsoft.com/office/drawing/2014/main" val="10004"/>
+                  </a:ext>
+                </a:extLst>
               </a:tr>
             </a:tbl>
           </a:graphicData>
@@ -6230,11 +6292,11 @@
               <a:t>Steve Rice, </a:t>
             </a:r>
             <a:r>
-              <a:rPr lang="en-US" sz="1800" b="1" dirty="0" err="1" smtClean="0"/>
+              <a:rPr lang="en-US" sz="1800" b="1" dirty="0" err="1"/>
               <a:t>Sr.Director</a:t>
             </a:r>
             <a:r>
-              <a:rPr lang="en-US" sz="1800" b="1" dirty="0" smtClean="0"/>
+              <a:rPr lang="en-US" sz="1800" b="1" dirty="0"/>
               <a:t>, Software Engineering at </a:t>
             </a:r>
             <a:r>
@@ -6271,7 +6333,7 @@
               <a:buNone/>
             </a:pPr>
             <a:r>
-              <a:rPr lang="en-US" dirty="0" smtClean="0"/>
+              <a:rPr lang="en-US" dirty="0"/>
               <a:t>“</a:t>
             </a:r>
             <a:r>
@@ -6287,14 +6349,13 @@
               <a:t> like what your teacher does I'm sure</a:t>
             </a:r>
             <a:r>
-              <a:rPr lang="en-US" sz="1800" dirty="0" smtClean="0"/>
+              <a:rPr lang="en-US" sz="1800" dirty="0"/>
               <a:t>!</a:t>
             </a:r>
             <a:r>
-              <a:rPr lang="en-US" dirty="0" smtClean="0"/>
+              <a:rPr lang="en-US" dirty="0"/>
               <a:t>”</a:t>
             </a:r>
-            <a:endParaRPr lang="en-US" dirty="0"/>
           </a:p>
         </p:txBody>
       </p:sp>

--- a/IT Industry.pptx
+++ b/IT Industry.pptx
@@ -3927,12 +3927,8 @@
           </a:p>
           <a:p>
             <a:r>
-              <a:rPr lang="en-US"/>
-              <a:t>Uploaded </a:t>
-            </a:r>
-            <a:r>
               <a:rPr lang="en-US" dirty="0"/>
-              <a:t>this Presentation to </a:t>
+              <a:t>Uploaded this Presentation to </a:t>
             </a:r>
             <a:r>
               <a:rPr lang="en-US" dirty="0" err="1"/>
@@ -4514,7 +4510,7 @@
           <a:p>
             <a:r>
               <a:rPr lang="en-US" b="1" dirty="0"/>
-              <a:t>LinkedIn and Indeed </a:t>
+              <a:t>LinkedIn.com and Indeed.com </a:t>
             </a:r>
             <a:r>
               <a:rPr lang="en-US" dirty="0"/>
@@ -4544,7 +4540,7 @@
           <a:p>
             <a:r>
               <a:rPr lang="en-US" b="1" dirty="0"/>
-              <a:t>Glassdoor</a:t>
+              <a:t>Glassdoor.com</a:t>
             </a:r>
             <a:r>
               <a:rPr lang="en-US" dirty="0"/>
@@ -4554,9 +4550,48 @@
               <a:rPr lang="en-US" dirty="0" err="1"/>
               <a:t>etc</a:t>
             </a:r>
-            <a:endParaRPr lang="en-US"/>
-          </a:p>
-          <a:p>
+            <a:endParaRPr lang="en-US" dirty="0"/>
+          </a:p>
+          <a:p>
+            <a:r>
+              <a:rPr lang="en-US" b="1" dirty="0">
+                <a:hlinkClick r:id="rId2">
+                  <a:extLst>
+                    <a:ext uri="{A12FA001-AC4F-418D-AE19-62706E023703}">
+                      <ahyp:hlinkClr xmlns:ahyp="http://schemas.microsoft.com/office/drawing/2018/hyperlinkcolor" val="tx"/>
+                    </a:ext>
+                  </a:extLst>
+                </a:hlinkClick>
+              </a:rPr>
+              <a:t>Apache</a:t>
+            </a:r>
+            <a:r>
+              <a:rPr lang="en-US" dirty="0">
+                <a:hlinkClick r:id="rId2">
+                  <a:extLst>
+                    <a:ext uri="{A12FA001-AC4F-418D-AE19-62706E023703}">
+                      <ahyp:hlinkClr xmlns:ahyp="http://schemas.microsoft.com/office/drawing/2018/hyperlinkcolor" val="tx"/>
+                    </a:ext>
+                  </a:extLst>
+                </a:hlinkClick>
+              </a:rPr>
+              <a:t> - https://projects.apache.org/projects.html</a:t>
+            </a:r>
+            <a:endParaRPr lang="en-US" dirty="0"/>
+          </a:p>
+          <a:p>
+            <a:pPr marL="0" indent="0">
+              <a:buNone/>
+            </a:pPr>
+            <a:r>
+              <a:rPr lang="en-US" dirty="0"/>
+              <a:t>Repository for several open source projects.</a:t>
+            </a:r>
+          </a:p>
+          <a:p>
+            <a:pPr marL="0" indent="0">
+              <a:buNone/>
+            </a:pPr>
             <a:endParaRPr lang="en-US" dirty="0"/>
           </a:p>
         </p:txBody>

--- a/IT Industry.pptx
+++ b/IT Industry.pptx
@@ -18,6 +18,7 @@
     <p:sldId id="266" r:id="rId12"/>
     <p:sldId id="267" r:id="rId13"/>
     <p:sldId id="268" r:id="rId14"/>
+    <p:sldId id="269" r:id="rId15"/>
   </p:sldIdLst>
   <p:sldSz cx="9144000" cy="6858000" type="screen4x3"/>
   <p:notesSz cx="6858000" cy="9144000"/>
@@ -118,7 +119,7 @@
   </p:defaultTextStyle>
   <p:extLst>
     <p:ext uri="{EFAFB233-063F-42B5-8137-9DF3F51BA10A}">
-      <p15:sldGuideLst xmlns:p15="http://schemas.microsoft.com/office/powerpoint/2012/main">
+      <p15:sldGuideLst xmlns="" xmlns:p15="http://schemas.microsoft.com/office/powerpoint/2012/main">
         <p15:guide id="1" orient="horz" pos="2160">
           <p15:clr>
             <a:srgbClr val="A4A3A4"/>
@@ -306,7 +307,7 @@
           <a:p>
             <a:fld id="{07E6A0BB-66C9-477B-B5CF-7E8508D2C5A2}" type="datetimeFigureOut">
               <a:rPr lang="en-US" smtClean="0"/>
-              <a:t>9/21/2019</a:t>
+              <a:t>9/22/2019</a:t>
             </a:fld>
             <a:endParaRPr lang="en-US"/>
           </a:p>
@@ -470,7 +471,7 @@
           <a:p>
             <a:fld id="{07E6A0BB-66C9-477B-B5CF-7E8508D2C5A2}" type="datetimeFigureOut">
               <a:rPr lang="en-US" smtClean="0"/>
-              <a:t>9/21/2019</a:t>
+              <a:t>9/22/2019</a:t>
             </a:fld>
             <a:endParaRPr lang="en-US"/>
           </a:p>
@@ -644,7 +645,7 @@
           <a:p>
             <a:fld id="{07E6A0BB-66C9-477B-B5CF-7E8508D2C5A2}" type="datetimeFigureOut">
               <a:rPr lang="en-US" smtClean="0"/>
-              <a:t>9/21/2019</a:t>
+              <a:t>9/22/2019</a:t>
             </a:fld>
             <a:endParaRPr lang="en-US"/>
           </a:p>
@@ -808,7 +809,7 @@
           <a:p>
             <a:fld id="{07E6A0BB-66C9-477B-B5CF-7E8508D2C5A2}" type="datetimeFigureOut">
               <a:rPr lang="en-US" smtClean="0"/>
-              <a:t>9/21/2019</a:t>
+              <a:t>9/22/2019</a:t>
             </a:fld>
             <a:endParaRPr lang="en-US"/>
           </a:p>
@@ -1049,7 +1050,7 @@
           <a:p>
             <a:fld id="{07E6A0BB-66C9-477B-B5CF-7E8508D2C5A2}" type="datetimeFigureOut">
               <a:rPr lang="en-US" smtClean="0"/>
-              <a:t>9/21/2019</a:t>
+              <a:t>9/22/2019</a:t>
             </a:fld>
             <a:endParaRPr lang="en-US"/>
           </a:p>
@@ -1312,7 +1313,7 @@
           <a:p>
             <a:fld id="{07E6A0BB-66C9-477B-B5CF-7E8508D2C5A2}" type="datetimeFigureOut">
               <a:rPr lang="en-US" smtClean="0"/>
-              <a:t>9/21/2019</a:t>
+              <a:t>9/22/2019</a:t>
             </a:fld>
             <a:endParaRPr lang="en-US"/>
           </a:p>
@@ -1689,7 +1690,7 @@
           <a:p>
             <a:fld id="{07E6A0BB-66C9-477B-B5CF-7E8508D2C5A2}" type="datetimeFigureOut">
               <a:rPr lang="en-US" smtClean="0"/>
-              <a:t>9/21/2019</a:t>
+              <a:t>9/22/2019</a:t>
             </a:fld>
             <a:endParaRPr lang="en-US"/>
           </a:p>
@@ -1838,7 +1839,7 @@
           <a:p>
             <a:fld id="{07E6A0BB-66C9-477B-B5CF-7E8508D2C5A2}" type="datetimeFigureOut">
               <a:rPr lang="en-US" smtClean="0"/>
-              <a:t>9/21/2019</a:t>
+              <a:t>9/22/2019</a:t>
             </a:fld>
             <a:endParaRPr lang="en-US"/>
           </a:p>
@@ -1928,7 +1929,7 @@
           <a:p>
             <a:fld id="{07E6A0BB-66C9-477B-B5CF-7E8508D2C5A2}" type="datetimeFigureOut">
               <a:rPr lang="en-US" smtClean="0"/>
-              <a:t>9/21/2019</a:t>
+              <a:t>9/22/2019</a:t>
             </a:fld>
             <a:endParaRPr lang="en-US"/>
           </a:p>
@@ -2188,7 +2189,7 @@
           <a:p>
             <a:fld id="{07E6A0BB-66C9-477B-B5CF-7E8508D2C5A2}" type="datetimeFigureOut">
               <a:rPr lang="en-US" smtClean="0"/>
-              <a:t>9/21/2019</a:t>
+              <a:t>9/22/2019</a:t>
             </a:fld>
             <a:endParaRPr lang="en-US"/>
           </a:p>
@@ -2475,7 +2476,7 @@
           <a:p>
             <a:fld id="{07E6A0BB-66C9-477B-B5CF-7E8508D2C5A2}" type="datetimeFigureOut">
               <a:rPr lang="en-US" smtClean="0"/>
-              <a:t>9/21/2019</a:t>
+              <a:t>9/22/2019</a:t>
             </a:fld>
             <a:endParaRPr lang="en-US"/>
           </a:p>
@@ -3244,7 +3245,7 @@
           <a:p>
             <a:fld id="{07E6A0BB-66C9-477B-B5CF-7E8508D2C5A2}" type="datetimeFigureOut">
               <a:rPr lang="en-US" smtClean="0"/>
-              <a:t>9/21/2019</a:t>
+              <a:t>9/22/2019</a:t>
             </a:fld>
             <a:endParaRPr lang="en-US"/>
           </a:p>
@@ -3942,13 +3943,7 @@
                 <a:solidFill>
                   <a:srgbClr val="C00000"/>
                 </a:solidFill>
-                <a:hlinkClick r:id="rId2">
-                  <a:extLst>
-                    <a:ext uri="{A12FA001-AC4F-418D-AE19-62706E023703}">
-                      <ahyp:hlinkClr xmlns:ahyp="http://schemas.microsoft.com/office/drawing/2018/hyperlinkcolor" val="tx"/>
-                    </a:ext>
-                  </a:extLst>
-                </a:hlinkClick>
+                <a:hlinkClick r:id="rId2"/>
               </a:rPr>
               <a:t>https://github.com/rkavitha/PresentationOnITIndustry/blob/master/IT%20Industry.pptx</a:t>
             </a:r>
@@ -4023,8 +4018,12 @@
               <a:t>Ed </a:t>
             </a:r>
             <a:r>
-              <a:rPr lang="en-US" sz="1800" b="1" dirty="0" err="1"/>
-              <a:t>Illam</a:t>
+              <a:rPr lang="en-US" sz="1800" b="1" dirty="0" smtClean="0"/>
+              <a:t>Ha</a:t>
+            </a:r>
+            <a:r>
+              <a:rPr lang="en-US" sz="1800" b="1" dirty="0" smtClean="0"/>
+              <a:t>llam</a:t>
             </a:r>
             <a:r>
               <a:rPr lang="en-US" sz="1800" b="1" dirty="0"/>
@@ -4074,7 +4073,19 @@
             </a:pPr>
             <a:r>
               <a:rPr lang="en-US" sz="1400" i="1" dirty="0"/>
-              <a:t>I started working for a company in tech support. In tech support I was helping people who were having trouble using our application. I would show them how to fix any issues and work with the development in identifying any software bugs. After a few months I became manager of the tech support department and helped the tech support team learn about all the things our application does. This made the tech support team better at helping customers troubleshoot any issues our customers were having. </a:t>
+              <a:t>I started working for a company in tech support. In tech support I was helping people who were having trouble using our application. I would show them how to fix any issues and work with the development in identifying any software bugs. After a few months I became </a:t>
+            </a:r>
+            <a:r>
+              <a:rPr lang="en-US" sz="1400" i="1" u="sng" dirty="0">
+                <a:solidFill>
+                  <a:srgbClr val="FF0000"/>
+                </a:solidFill>
+              </a:rPr>
+              <a:t>manager of the tech support </a:t>
+            </a:r>
+            <a:r>
+              <a:rPr lang="en-US" sz="1400" i="1" dirty="0"/>
+              <a:t>department and helped the tech support team learn about all the things our application does. This made the tech support team better at helping customers troubleshoot any issues our customers were having. </a:t>
             </a:r>
           </a:p>
           <a:p>
@@ -4092,7 +4103,19 @@
             </a:pPr>
             <a:r>
               <a:rPr lang="en-US" sz="1400" i="1" dirty="0"/>
-              <a:t>I was promoted to senior QA engineer where I guided other junior QA engineers in ways we can be better at testing software. I also created automated tests that made sure new features wouldn’t cause old features to break.</a:t>
+              <a:t>I was promoted to </a:t>
+            </a:r>
+            <a:r>
+              <a:rPr lang="en-US" sz="1400" i="1" dirty="0">
+                <a:solidFill>
+                  <a:srgbClr val="FF0000"/>
+                </a:solidFill>
+              </a:rPr>
+              <a:t>senior QA engineer </a:t>
+            </a:r>
+            <a:r>
+              <a:rPr lang="en-US" sz="1400" i="1" dirty="0"/>
+              <a:t>where I guided other junior QA engineers in ways we can be better at testing software. I also created automated tests that made sure new features wouldn’t cause old features to break.</a:t>
             </a:r>
           </a:p>
           <a:p>
@@ -4101,7 +4124,19 @@
             </a:pPr>
             <a:r>
               <a:rPr lang="en-US" sz="1400" i="1" dirty="0"/>
-              <a:t>I then became a scrum master. As a scrum master, I helped make sure a development team has nothing stopping the team from creating new features. If the team had  questions that they needed answered before creating something new, I would get the team those answers. If they needed another team to create something, I would work with another team to get that created. I also led meetings and kept the team focused on trying to release software as fast as possible.</a:t>
+              <a:t>I then became a scrum master. As a </a:t>
+            </a:r>
+            <a:r>
+              <a:rPr lang="en-US" sz="1400" i="1" dirty="0">
+                <a:solidFill>
+                  <a:srgbClr val="FF0000"/>
+                </a:solidFill>
+              </a:rPr>
+              <a:t>scrum master</a:t>
+            </a:r>
+            <a:r>
+              <a:rPr lang="en-US" sz="1400" i="1" dirty="0"/>
+              <a:t>, I helped make sure a development team has nothing stopping the team from creating new features. If the team had  questions that they needed answered before creating something new, I would get the team those answers. If they needed another team to create something, I would work with another team to get that created. I also led meetings and kept the team focused on trying to release software as fast as possible.</a:t>
             </a:r>
           </a:p>
           <a:p>
@@ -4110,7 +4145,19 @@
             </a:pPr>
             <a:r>
               <a:rPr lang="en-US" sz="1400" i="1" dirty="0"/>
-              <a:t>I then became a product owner which led me to </a:t>
+              <a:t>I then became a </a:t>
+            </a:r>
+            <a:r>
+              <a:rPr lang="en-US" sz="1400" i="1" dirty="0">
+                <a:solidFill>
+                  <a:srgbClr val="FF0000"/>
+                </a:solidFill>
+              </a:rPr>
+              <a:t>product owner </a:t>
+            </a:r>
+            <a:r>
+              <a:rPr lang="en-US" sz="1400" i="1" dirty="0"/>
+              <a:t>which led me to </a:t>
             </a:r>
             <a:r>
               <a:rPr lang="en-US" sz="1400" i="1" dirty="0" err="1"/>
@@ -4237,7 +4284,19 @@
             </a:pPr>
             <a:r>
               <a:rPr lang="en-US" sz="1700" i="1" dirty="0"/>
-              <a:t>“My role is one of servant leadership which basically translates to helping the teams that I support be successful in whatever way I can.  I am passionate about protecting, nurturing, and coaching the teams to find the best way to work together in order to be productive and deliver value for the organization.  I also champion agile and the scrum values (courage, focus, commitment, respect, and openness) throughout the company.  The career path for a Scrum Master is somewhat open, there is not a true advancement like many roles but more an opportunity to hone our craft by continuous learning and coaching. ”</a:t>
+              <a:t>“My role is one of servant leadership which basically translates to helping the teams that I support be successful in whatever way I can.  I am passionate about protecting, nurturing, and coaching the teams to find the best way to work together in order to be productive and deliver value for the organization.  I also champion agile and the scrum values (courage, focus, commitment, respect, and openness) throughout the company.  The career path for a </a:t>
+            </a:r>
+            <a:r>
+              <a:rPr lang="en-US" sz="1700" i="1" dirty="0">
+                <a:solidFill>
+                  <a:srgbClr val="FF0000"/>
+                </a:solidFill>
+              </a:rPr>
+              <a:t>Scrum Master </a:t>
+            </a:r>
+            <a:r>
+              <a:rPr lang="en-US" sz="1700" i="1" dirty="0"/>
+              <a:t>is somewhat open, there is not a true advancement like many roles but more an opportunity to hone our craft by continuous learning and coaching. ”</a:t>
             </a:r>
           </a:p>
           <a:p>
@@ -4359,20 +4418,40 @@
               <a:t>HTML, CSS (Stylesheet), </a:t>
             </a:r>
             <a:r>
-              <a:rPr lang="en-US" sz="2200" dirty="0" err="1"/>
+              <a:rPr lang="en-US" sz="2200" dirty="0" err="1" smtClean="0"/>
               <a:t>Javascript</a:t>
             </a:r>
+            <a:r>
+              <a:rPr lang="en-US" sz="2200" dirty="0" smtClean="0"/>
+              <a:t> </a:t>
+            </a:r>
+            <a:r>
+              <a:rPr lang="en-US" sz="2200" dirty="0" err="1" smtClean="0"/>
+              <a:t>etc</a:t>
+            </a:r>
             <a:endParaRPr lang="en-US" sz="2200" dirty="0"/>
           </a:p>
           <a:p>
             <a:r>
+              <a:rPr lang="en-US" sz="2200" b="1" dirty="0"/>
+              <a:t>Java</a:t>
+            </a:r>
+            <a:r>
               <a:rPr lang="en-US" sz="2200" dirty="0"/>
-              <a:t>Java is currently at version 12. I recommend to start with version 7</a:t>
-            </a:r>
-          </a:p>
-          <a:p>
+              <a:t> is currently at version 12. </a:t>
+            </a:r>
+            <a:r>
+              <a:rPr lang="en-US" sz="2200" dirty="0" smtClean="0"/>
+              <a:t>It’s OK to start </a:t>
+            </a:r>
             <a:r>
               <a:rPr lang="en-US" sz="2200" dirty="0"/>
+              <a:t>with version 7</a:t>
+            </a:r>
+          </a:p>
+          <a:p>
+            <a:r>
+              <a:rPr lang="en-US" sz="2200" b="1" dirty="0"/>
               <a:t>Java Docs</a:t>
             </a:r>
           </a:p>
@@ -4390,8 +4469,12 @@
           </a:p>
           <a:p>
             <a:r>
+              <a:rPr lang="en-US" sz="2200" b="1" dirty="0"/>
+              <a:t>Eclipse</a:t>
+            </a:r>
+            <a:r>
               <a:rPr lang="en-US" sz="2200" dirty="0"/>
-              <a:t>Eclipse is a great tool to learn and write code in Java</a:t>
+              <a:t> is a great tool to learn and write code in Java</a:t>
             </a:r>
           </a:p>
           <a:p>
@@ -4505,7 +4588,9 @@
           </a:xfrm>
         </p:spPr>
         <p:txBody>
-          <a:bodyPr/>
+          <a:bodyPr>
+            <a:normAutofit/>
+          </a:bodyPr>
           <a:lstStyle/>
           <a:p>
             <a:r>
@@ -4528,13 +4613,36 @@
             </a:pPr>
             <a:r>
               <a:rPr lang="en-US" dirty="0"/>
-              <a:t>Can be used to apply for jobs.</a:t>
-            </a:r>
+              <a:t>Can be used to apply for jobs</a:t>
+            </a:r>
+            <a:r>
+              <a:rPr lang="en-US" dirty="0" smtClean="0"/>
+              <a:t>.</a:t>
+            </a:r>
+          </a:p>
+          <a:p>
+            <a:r>
+              <a:rPr lang="en-US" b="1" dirty="0" smtClean="0"/>
+              <a:t>Object Oriented Programming Principles</a:t>
+            </a:r>
+            <a:endParaRPr lang="en-US" b="1" dirty="0"/>
           </a:p>
           <a:p>
             <a:pPr marL="0" indent="0">
               <a:buNone/>
             </a:pPr>
+            <a:r>
+              <a:rPr lang="en-US" dirty="0" smtClean="0">
+                <a:hlinkClick r:id="rId2"/>
+              </a:rPr>
+              <a:t>https</a:t>
+            </a:r>
+            <a:r>
+              <a:rPr lang="en-US" dirty="0">
+                <a:hlinkClick r:id="rId2"/>
+              </a:rPr>
+              <a:t>://www.webopedia.com/TERM/O/object_oriented_programming_OOP.html</a:t>
+            </a:r>
             <a:endParaRPr lang="en-US" dirty="0"/>
           </a:p>
           <a:p>
@@ -4554,11 +4662,21 @@
           </a:p>
           <a:p>
             <a:r>
+              <a:rPr lang="en-US" b="1" dirty="0" smtClean="0"/>
+              <a:t>Open source projects</a:t>
+            </a:r>
+            <a:endParaRPr lang="en-US" dirty="0"/>
+          </a:p>
+          <a:p>
+            <a:pPr marL="0" indent="0">
+              <a:buNone/>
+            </a:pPr>
+            <a:r>
               <a:rPr lang="en-US" b="1" dirty="0">
-                <a:hlinkClick r:id="rId2">
+                <a:hlinkClick r:id="rId3">
                   <a:extLst>
                     <a:ext uri="{A12FA001-AC4F-418D-AE19-62706E023703}">
-                      <ahyp:hlinkClr xmlns:ahyp="http://schemas.microsoft.com/office/drawing/2018/hyperlinkcolor" val="tx"/>
+                      <ahyp:hlinkClr xmlns:ahyp="http://schemas.microsoft.com/office/drawing/2018/hyperlinkcolor" xmlns="" xmlns:lc="http://schemas.openxmlformats.org/drawingml/2006/lockedCanvas" val="tx"/>
                     </a:ext>
                   </a:extLst>
                 </a:hlinkClick>
@@ -4567,10 +4685,10 @@
             </a:r>
             <a:r>
               <a:rPr lang="en-US" dirty="0">
-                <a:hlinkClick r:id="rId2">
+                <a:hlinkClick r:id="rId3">
                   <a:extLst>
                     <a:ext uri="{A12FA001-AC4F-418D-AE19-62706E023703}">
-                      <ahyp:hlinkClr xmlns:ahyp="http://schemas.microsoft.com/office/drawing/2018/hyperlinkcolor" val="tx"/>
+                      <ahyp:hlinkClr xmlns:ahyp="http://schemas.microsoft.com/office/drawing/2018/hyperlinkcolor" xmlns="" xmlns:lc="http://schemas.openxmlformats.org/drawingml/2006/lockedCanvas" val="tx"/>
                     </a:ext>
                   </a:extLst>
                 </a:hlinkClick>
@@ -4583,15 +4701,6 @@
             <a:pPr marL="0" indent="0">
               <a:buNone/>
             </a:pPr>
-            <a:r>
-              <a:rPr lang="en-US" dirty="0"/>
-              <a:t>Repository for several open source projects.</a:t>
-            </a:r>
-          </a:p>
-          <a:p>
-            <a:pPr marL="0" indent="0">
-              <a:buNone/>
-            </a:pPr>
             <a:endParaRPr lang="en-US" dirty="0"/>
           </a:p>
         </p:txBody>
@@ -4600,6 +4709,59 @@
     <p:extLst>
       <p:ext uri="{BB962C8B-B14F-4D97-AF65-F5344CB8AC3E}">
         <p14:creationId xmlns:p14="http://schemas.microsoft.com/office/powerpoint/2010/main" val="3124158490"/>
+      </p:ext>
+    </p:extLst>
+  </p:cSld>
+  <p:clrMapOvr>
+    <a:masterClrMapping/>
+  </p:clrMapOvr>
+</p:sld>
+</file>
+
+<file path=ppt/slides/slide14.xml><?xml version="1.0" encoding="utf-8"?>
+<p:sld xmlns:a="http://schemas.openxmlformats.org/drawingml/2006/main" xmlns:r="http://schemas.openxmlformats.org/officeDocument/2006/relationships" xmlns:p="http://schemas.openxmlformats.org/presentationml/2006/main">
+  <p:cSld>
+    <p:spTree>
+      <p:nvGrpSpPr>
+        <p:cNvPr id="1" name=""/>
+        <p:cNvGrpSpPr/>
+        <p:nvPr/>
+      </p:nvGrpSpPr>
+      <p:grpSpPr>
+        <a:xfrm>
+          <a:off x="0" y="0"/>
+          <a:ext cx="0" cy="0"/>
+          <a:chOff x="0" y="0"/>
+          <a:chExt cx="0" cy="0"/>
+        </a:xfrm>
+      </p:grpSpPr>
+      <p:sp>
+        <p:nvSpPr>
+          <p:cNvPr id="2" name="Title 1"/>
+          <p:cNvSpPr>
+            <a:spLocks noGrp="1"/>
+          </p:cNvSpPr>
+          <p:nvPr>
+            <p:ph type="title"/>
+          </p:nvPr>
+        </p:nvSpPr>
+        <p:spPr/>
+        <p:txBody>
+          <a:bodyPr/>
+          <a:lstStyle/>
+          <a:p>
+            <a:r>
+              <a:rPr lang="en-US" dirty="0" smtClean="0"/>
+              <a:t>Questions?</a:t>
+            </a:r>
+            <a:endParaRPr lang="en-US" dirty="0"/>
+          </a:p>
+        </p:txBody>
+      </p:sp>
+    </p:spTree>
+    <p:extLst>
+      <p:ext uri="{BB962C8B-B14F-4D97-AF65-F5344CB8AC3E}">
+        <p14:creationId xmlns:p14="http://schemas.microsoft.com/office/powerpoint/2010/main" val="974273090"/>
       </p:ext>
     </p:extLst>
   </p:cSld>
@@ -4628,56 +4790,48 @@
       </p:grpSpPr>
       <p:sp>
         <p:nvSpPr>
-          <p:cNvPr id="2" name="Title 1"/>
-          <p:cNvSpPr>
-            <a:spLocks noGrp="1"/>
-          </p:cNvSpPr>
-          <p:nvPr>
-            <p:ph type="title"/>
+          <p:cNvPr id="3" name="Content Placeholder 2"/>
+          <p:cNvSpPr>
+            <a:spLocks noGrp="1"/>
+          </p:cNvSpPr>
+          <p:nvPr>
+            <p:ph idx="1"/>
           </p:nvPr>
         </p:nvSpPr>
         <p:spPr>
           <a:xfrm>
-            <a:off x="457200" y="704088"/>
-            <a:ext cx="8229600" cy="515112"/>
+            <a:off x="457200" y="609600"/>
+            <a:ext cx="8229600" cy="5715000"/>
           </a:xfrm>
         </p:spPr>
         <p:txBody>
           <a:bodyPr>
-            <a:normAutofit fontScale="90000"/>
+            <a:normAutofit/>
           </a:bodyPr>
           <a:lstStyle/>
           <a:p>
+            <a:pPr marL="0" indent="0">
+              <a:buNone/>
+            </a:pPr>
+            <a:r>
+              <a:rPr lang="en-US" b="1" dirty="0" smtClean="0">
+                <a:solidFill>
+                  <a:schemeClr val="accent1">
+                    <a:lumMod val="50000"/>
+                  </a:schemeClr>
+                </a:solidFill>
+              </a:rPr>
+              <a:t>My Education Background:</a:t>
+            </a:r>
+          </a:p>
+          <a:p>
+            <a:r>
+              <a:rPr lang="en-US" dirty="0" smtClean="0"/>
+              <a:t>I </a:t>
+            </a:r>
             <a:r>
               <a:rPr lang="en-US" dirty="0"/>
-              <a:t>My Career Path</a:t>
-            </a:r>
-          </a:p>
-        </p:txBody>
-      </p:sp>
-      <p:sp>
-        <p:nvSpPr>
-          <p:cNvPr id="3" name="Content Placeholder 2"/>
-          <p:cNvSpPr>
-            <a:spLocks noGrp="1"/>
-          </p:cNvSpPr>
-          <p:nvPr>
-            <p:ph idx="1"/>
-          </p:nvPr>
-        </p:nvSpPr>
-        <p:spPr>
-          <a:xfrm>
-            <a:off x="457200" y="1219200"/>
-            <a:ext cx="8229600" cy="5105400"/>
-          </a:xfrm>
-        </p:spPr>
-        <p:txBody>
-          <a:bodyPr/>
-          <a:lstStyle/>
-          <a:p>
-            <a:r>
-              <a:rPr lang="en-US" dirty="0"/>
-              <a:t>I did my BS in Electronics and Communication Engineering at REC, Trichy, India.</a:t>
+              <a:t>did my BS in Electronics and Communication Engineering at REC, Trichy, India.</a:t>
             </a:r>
           </a:p>
           <a:p>
@@ -4689,8 +4843,40 @@
           <a:p>
             <a:r>
               <a:rPr lang="en-US" dirty="0"/>
-              <a:t>Graduated in ‘99 July with Masters in Computer Science at RIT, Rochester, NY</a:t>
-            </a:r>
+              <a:t>Graduated in ‘99 July with Masters in Computer Science at RIT, Rochester, </a:t>
+            </a:r>
+            <a:r>
+              <a:rPr lang="en-US" dirty="0" smtClean="0"/>
+              <a:t>NY</a:t>
+            </a:r>
+          </a:p>
+          <a:p>
+            <a:pPr marL="0" indent="0">
+              <a:buNone/>
+            </a:pPr>
+            <a:r>
+              <a:rPr lang="en-US" b="1" dirty="0" smtClean="0">
+                <a:solidFill>
+                  <a:schemeClr val="accent1">
+                    <a:lumMod val="50000"/>
+                  </a:schemeClr>
+                </a:solidFill>
+              </a:rPr>
+              <a:t>Requirements for today’s IT Jobs:</a:t>
+            </a:r>
+          </a:p>
+          <a:p>
+            <a:r>
+              <a:rPr lang="en-US" dirty="0" smtClean="0"/>
+              <a:t>BS in Computer Science or Information Technology is sufficient for many Software related jobs.</a:t>
+            </a:r>
+          </a:p>
+          <a:p>
+            <a:r>
+              <a:rPr lang="en-US" dirty="0" smtClean="0"/>
+              <a:t>Many continue to do MBA to work in Management.</a:t>
+            </a:r>
+            <a:endParaRPr lang="en-US" dirty="0"/>
           </a:p>
         </p:txBody>
       </p:sp>
@@ -4783,8 +4969,13 @@
           <a:p>
             <a:r>
               <a:rPr lang="en-US" dirty="0"/>
-              <a:t>I was the only remote employee at Thomson Reuters!</a:t>
-            </a:r>
+              <a:t>I was the only remote employee at Thomson </a:t>
+            </a:r>
+            <a:r>
+              <a:rPr lang="en-US" dirty="0" smtClean="0"/>
+              <a:t>Reuters.</a:t>
+            </a:r>
+            <a:endParaRPr lang="en-US" dirty="0"/>
           </a:p>
           <a:p>
             <a:r>
@@ -4806,8 +4997,8 @@
               <a:t>Many of the projects I worked on were used internally within the </a:t>
             </a:r>
             <a:r>
-              <a:rPr lang="en-US" dirty="0" err="1"/>
-              <a:t>companhy</a:t>
+              <a:rPr lang="en-US" dirty="0" smtClean="0"/>
+              <a:t>company</a:t>
             </a:r>
             <a:endParaRPr lang="en-US" dirty="0"/>
           </a:p>
@@ -4817,18 +5008,52 @@
               <a:t>The end-product of Thomson Reuters is </a:t>
             </a:r>
             <a:r>
-              <a:rPr lang="en-US" dirty="0" err="1"/>
+              <a:rPr lang="en-US" b="1" dirty="0" err="1">
+                <a:solidFill>
+                  <a:srgbClr val="000099"/>
+                </a:solidFill>
+              </a:rPr>
               <a:t>WestlawNext</a:t>
             </a:r>
+            <a:endParaRPr lang="en-US" b="1" dirty="0">
+              <a:solidFill>
+                <a:srgbClr val="000099"/>
+              </a:solidFill>
+            </a:endParaRPr>
+          </a:p>
+          <a:p>
+            <a:pPr marL="0" indent="0">
+              <a:buNone/>
+            </a:pPr>
+            <a:r>
+              <a:rPr lang="en-US" dirty="0" smtClean="0"/>
+              <a:t>    </a:t>
+            </a:r>
             <a:r>
               <a:rPr lang="en-US" dirty="0"/>
-              <a:t> used by Lawyers. It is an online system to search for cases, codes etc.</a:t>
-            </a:r>
-          </a:p>
-          <a:p>
+              <a:t>used by Lawyers. It is an online system to search for cases, </a:t>
+            </a:r>
+            <a:r>
+              <a:rPr lang="en-US" dirty="0" smtClean="0"/>
+              <a:t>   codes </a:t>
+            </a:r>
             <a:r>
               <a:rPr lang="en-US" dirty="0"/>
-              <a:t>LexisNexis is a competitive product to </a:t>
+              <a:t>etc.</a:t>
+            </a:r>
+          </a:p>
+          <a:p>
+            <a:r>
+              <a:rPr lang="en-US" b="1" dirty="0">
+                <a:solidFill>
+                  <a:srgbClr val="FF0000"/>
+                </a:solidFill>
+              </a:rPr>
+              <a:t>LexisNexis</a:t>
+            </a:r>
+            <a:r>
+              <a:rPr lang="en-US" dirty="0"/>
+              <a:t> is a competitive product to </a:t>
             </a:r>
             <a:r>
               <a:rPr lang="en-US" dirty="0" err="1"/>
@@ -4936,22 +5161,51 @@
           </a:p>
           <a:p>
             <a:r>
+              <a:rPr lang="en-US" dirty="0" err="1" smtClean="0"/>
+              <a:t>Cofense</a:t>
+            </a:r>
+            <a:r>
+              <a:rPr lang="en-US" dirty="0" smtClean="0"/>
+              <a:t> products let </a:t>
+            </a:r>
+            <a:r>
               <a:rPr lang="en-US" dirty="0"/>
-              <a:t>Their product lets Companies create scenarios to inject Phishing emails to their employees’ Inbox and train them to identify and report Phishing emails.</a:t>
-            </a:r>
-          </a:p>
-          <a:p>
+              <a:t>Companies create scenarios to inject </a:t>
+            </a:r>
+            <a:r>
+              <a:rPr lang="en-US" dirty="0" smtClean="0">
+                <a:solidFill>
+                  <a:srgbClr val="FF0000"/>
+                </a:solidFill>
+              </a:rPr>
+              <a:t>fake Phishing </a:t>
+            </a:r>
+            <a:r>
+              <a:rPr lang="en-US" dirty="0">
+                <a:solidFill>
+                  <a:srgbClr val="FF0000"/>
+                </a:solidFill>
+              </a:rPr>
+              <a:t>emails </a:t>
+            </a:r>
             <a:r>
               <a:rPr lang="en-US" dirty="0"/>
-              <a:t>Unlike Thomson Reuters, many of the employees including me work from home. So am no longer the odd man out </a:t>
-            </a:r>
-            <a:r>
-              <a:rPr lang="en-US" dirty="0">
-                <a:sym typeface="Wingdings" panose="05000000000000000000" pitchFamily="2" charset="2"/>
-              </a:rPr>
-              <a:t></a:t>
-            </a:r>
-            <a:endParaRPr lang="en-US" dirty="0"/>
+              <a:t>to their employees’ Inbox and train them to identify and report Phishing emails.</a:t>
+            </a:r>
+          </a:p>
+          <a:p>
+            <a:r>
+              <a:rPr lang="en-US" dirty="0"/>
+              <a:t>Unlike Thomson Reuters, many of the employees </a:t>
+            </a:r>
+            <a:r>
+              <a:rPr lang="en-US" dirty="0" smtClean="0"/>
+              <a:t>work </a:t>
+            </a:r>
+            <a:r>
+              <a:rPr lang="en-US" dirty="0"/>
+              <a:t>from home. </a:t>
+            </a:r>
           </a:p>
           <a:p>
             <a:r>
@@ -4964,8 +5218,13 @@
             </a:r>
             <a:r>
               <a:rPr lang="en-US" dirty="0"/>
-              <a:t> URL:</a:t>
-            </a:r>
+              <a:t> </a:t>
+            </a:r>
+            <a:r>
+              <a:rPr lang="en-US" dirty="0" smtClean="0"/>
+              <a:t>Profile:</a:t>
+            </a:r>
+            <a:endParaRPr lang="en-US" dirty="0"/>
           </a:p>
           <a:p>
             <a:pPr marL="0" indent="0">
@@ -5228,14 +5487,14 @@
                 <a:gridCol w="4000500">
                   <a:extLst>
                     <a:ext uri="{9D8B030D-6E8A-4147-A177-3AD203B41FA5}">
-                      <a16:colId xmlns:a16="http://schemas.microsoft.com/office/drawing/2014/main" val="20000"/>
+                      <a16:colId xmlns="" xmlns:a16="http://schemas.microsoft.com/office/drawing/2014/main" val="20000"/>
                     </a:ext>
                   </a:extLst>
                 </a:gridCol>
                 <a:gridCol w="4000500">
                   <a:extLst>
                     <a:ext uri="{9D8B030D-6E8A-4147-A177-3AD203B41FA5}">
-                      <a16:colId xmlns:a16="http://schemas.microsoft.com/office/drawing/2014/main" val="20001"/>
+                      <a16:colId xmlns="" xmlns:a16="http://schemas.microsoft.com/office/drawing/2014/main" val="20001"/>
                     </a:ext>
                   </a:extLst>
                 </a:gridCol>
@@ -5269,7 +5528,7 @@
                 </a:tc>
                 <a:extLst>
                   <a:ext uri="{0D108BD9-81ED-4DB2-BD59-A6C34878D82A}">
-                    <a16:rowId xmlns:a16="http://schemas.microsoft.com/office/drawing/2014/main" val="10000"/>
+                    <a16:rowId xmlns="" xmlns:a16="http://schemas.microsoft.com/office/drawing/2014/main" val="10000"/>
                   </a:ext>
                 </a:extLst>
               </a:tr>
@@ -5307,7 +5566,7 @@
                 </a:tc>
                 <a:extLst>
                   <a:ext uri="{0D108BD9-81ED-4DB2-BD59-A6C34878D82A}">
-                    <a16:rowId xmlns:a16="http://schemas.microsoft.com/office/drawing/2014/main" val="10001"/>
+                    <a16:rowId xmlns="" xmlns:a16="http://schemas.microsoft.com/office/drawing/2014/main" val="10001"/>
                   </a:ext>
                 </a:extLst>
               </a:tr>
@@ -5353,7 +5612,7 @@
                 </a:tc>
                 <a:extLst>
                   <a:ext uri="{0D108BD9-81ED-4DB2-BD59-A6C34878D82A}">
-                    <a16:rowId xmlns:a16="http://schemas.microsoft.com/office/drawing/2014/main" val="10002"/>
+                    <a16:rowId xmlns="" xmlns:a16="http://schemas.microsoft.com/office/drawing/2014/main" val="10002"/>
                   </a:ext>
                 </a:extLst>
               </a:tr>
@@ -5386,7 +5645,7 @@
                 </a:tc>
                 <a:extLst>
                   <a:ext uri="{0D108BD9-81ED-4DB2-BD59-A6C34878D82A}">
-                    <a16:rowId xmlns:a16="http://schemas.microsoft.com/office/drawing/2014/main" val="10003"/>
+                    <a16:rowId xmlns="" xmlns:a16="http://schemas.microsoft.com/office/drawing/2014/main" val="10003"/>
                   </a:ext>
                 </a:extLst>
               </a:tr>
@@ -5461,7 +5720,7 @@
                 </a:tc>
                 <a:extLst>
                   <a:ext uri="{0D108BD9-81ED-4DB2-BD59-A6C34878D82A}">
-                    <a16:rowId xmlns:a16="http://schemas.microsoft.com/office/drawing/2014/main" val="10004"/>
+                    <a16:rowId xmlns="" xmlns:a16="http://schemas.microsoft.com/office/drawing/2014/main" val="10004"/>
                   </a:ext>
                 </a:extLst>
               </a:tr>
@@ -5516,7 +5775,7 @@
                 </a:tc>
                 <a:extLst>
                   <a:ext uri="{0D108BD9-81ED-4DB2-BD59-A6C34878D82A}">
-                    <a16:rowId xmlns:a16="http://schemas.microsoft.com/office/drawing/2014/main" val="10005"/>
+                    <a16:rowId xmlns="" xmlns:a16="http://schemas.microsoft.com/office/drawing/2014/main" val="10005"/>
                   </a:ext>
                 </a:extLst>
               </a:tr>
@@ -6056,14 +6315,14 @@
                 <a:gridCol w="4038600">
                   <a:extLst>
                     <a:ext uri="{9D8B030D-6E8A-4147-A177-3AD203B41FA5}">
-                      <a16:colId xmlns:a16="http://schemas.microsoft.com/office/drawing/2014/main" val="20000"/>
+                      <a16:colId xmlns="" xmlns:a16="http://schemas.microsoft.com/office/drawing/2014/main" val="20000"/>
                     </a:ext>
                   </a:extLst>
                 </a:gridCol>
                 <a:gridCol w="4038600">
                   <a:extLst>
                     <a:ext uri="{9D8B030D-6E8A-4147-A177-3AD203B41FA5}">
-                      <a16:colId xmlns:a16="http://schemas.microsoft.com/office/drawing/2014/main" val="20001"/>
+                      <a16:colId xmlns="" xmlns:a16="http://schemas.microsoft.com/office/drawing/2014/main" val="20001"/>
                     </a:ext>
                   </a:extLst>
                 </a:gridCol>
@@ -6097,7 +6356,7 @@
                 </a:tc>
                 <a:extLst>
                   <a:ext uri="{0D108BD9-81ED-4DB2-BD59-A6C34878D82A}">
-                    <a16:rowId xmlns:a16="http://schemas.microsoft.com/office/drawing/2014/main" val="10000"/>
+                    <a16:rowId xmlns="" xmlns:a16="http://schemas.microsoft.com/office/drawing/2014/main" val="10000"/>
                   </a:ext>
                 </a:extLst>
               </a:tr>
@@ -6140,7 +6399,7 @@
                 </a:tc>
                 <a:extLst>
                   <a:ext uri="{0D108BD9-81ED-4DB2-BD59-A6C34878D82A}">
-                    <a16:rowId xmlns:a16="http://schemas.microsoft.com/office/drawing/2014/main" val="10001"/>
+                    <a16:rowId xmlns="" xmlns:a16="http://schemas.microsoft.com/office/drawing/2014/main" val="10001"/>
                   </a:ext>
                 </a:extLst>
               </a:tr>
@@ -6186,7 +6445,7 @@
                 </a:tc>
                 <a:extLst>
                   <a:ext uri="{0D108BD9-81ED-4DB2-BD59-A6C34878D82A}">
-                    <a16:rowId xmlns:a16="http://schemas.microsoft.com/office/drawing/2014/main" val="10002"/>
+                    <a16:rowId xmlns="" xmlns:a16="http://schemas.microsoft.com/office/drawing/2014/main" val="10002"/>
                   </a:ext>
                 </a:extLst>
               </a:tr>
@@ -6224,7 +6483,7 @@
                 </a:tc>
                 <a:extLst>
                   <a:ext uri="{0D108BD9-81ED-4DB2-BD59-A6C34878D82A}">
-                    <a16:rowId xmlns:a16="http://schemas.microsoft.com/office/drawing/2014/main" val="10003"/>
+                    <a16:rowId xmlns="" xmlns:a16="http://schemas.microsoft.com/office/drawing/2014/main" val="10003"/>
                   </a:ext>
                 </a:extLst>
               </a:tr>
@@ -6262,7 +6521,7 @@
                 </a:tc>
                 <a:extLst>
                   <a:ext uri="{0D108BD9-81ED-4DB2-BD59-A6C34878D82A}">
-                    <a16:rowId xmlns:a16="http://schemas.microsoft.com/office/drawing/2014/main" val="10004"/>
+                    <a16:rowId xmlns="" xmlns:a16="http://schemas.microsoft.com/office/drawing/2014/main" val="10004"/>
                   </a:ext>
                 </a:extLst>
               </a:tr>
@@ -6373,7 +6632,43 @@
             </a:r>
             <a:r>
               <a:rPr lang="en-US" sz="1800" i="1" dirty="0"/>
-              <a:t>My job to help all of the engineers on my team be successful and get their jobs done.  Many software projects are very large, can take many months, and sometimes have over 40 people contributing to them.  This requires a lot of coordination and clear communication across all of the people working on these projects. My job is to make sure each person knows what they are supposed to be doing, has everything they need to get their work done, and also feels like they understand the importance of their work.  Does your class ever do big projects together?  I am sure they are challenging but fun. So I guess you would say my job is like being a teacher in a classroom: I help my 'students' learn new stuff so they can grow and help each other.  By the way, I also try to make things fun sometimes too - </a:t>
+              <a:t>My job to help all of the engineers on my team be successful and get their jobs done.  </a:t>
+            </a:r>
+            <a:r>
+              <a:rPr lang="en-US" sz="1800" i="1" dirty="0">
+                <a:solidFill>
+                  <a:srgbClr val="990000"/>
+                </a:solidFill>
+              </a:rPr>
+              <a:t>Many software projects are very large</a:t>
+            </a:r>
+            <a:r>
+              <a:rPr lang="en-US" sz="1800" i="1" dirty="0"/>
+              <a:t>, can take many months, and sometimes have over </a:t>
+            </a:r>
+            <a:r>
+              <a:rPr lang="en-US" sz="1800" i="1" dirty="0">
+                <a:solidFill>
+                  <a:srgbClr val="FF0000"/>
+                </a:solidFill>
+              </a:rPr>
+              <a:t>40 people </a:t>
+            </a:r>
+            <a:r>
+              <a:rPr lang="en-US" sz="1800" i="1" dirty="0"/>
+              <a:t>contributing to them.  This requires a lot of </a:t>
+            </a:r>
+            <a:r>
+              <a:rPr lang="en-US" sz="1800" i="1" dirty="0">
+                <a:solidFill>
+                  <a:srgbClr val="FF0000"/>
+                </a:solidFill>
+              </a:rPr>
+              <a:t>coordination and clear communication </a:t>
+            </a:r>
+            <a:r>
+              <a:rPr lang="en-US" sz="1800" i="1" dirty="0"/>
+              <a:t>across all of the people working on these projects. My job is to make sure each person knows what they are supposed to be doing, has everything they need to get their work done, and also feels like they understand the importance of their work.  Does your class ever do big projects together?  I am sure they are challenging but fun. So I guess you would say my job is like being a teacher in a classroom: I help my 'students' learn new stuff so they can grow and help each other.  By the way, I also try to make things fun sometimes too - </a:t>
             </a:r>
             <a:r>
               <a:rPr lang="en-US" sz="1800" i="1" dirty="0" err="1"/>

--- a/IT Industry.pptx
+++ b/IT Industry.pptx
@@ -119,7 +119,7 @@
   </p:defaultTextStyle>
   <p:extLst>
     <p:ext uri="{EFAFB233-063F-42B5-8137-9DF3F51BA10A}">
-      <p15:sldGuideLst xmlns="" xmlns:p15="http://schemas.microsoft.com/office/powerpoint/2012/main">
+      <p15:sldGuideLst xmlns:p15="http://schemas.microsoft.com/office/powerpoint/2012/main" xmlns="">
         <p15:guide id="1" orient="horz" pos="2160">
           <p15:clr>
             <a:srgbClr val="A4A3A4"/>
@@ -307,7 +307,7 @@
           <a:p>
             <a:fld id="{07E6A0BB-66C9-477B-B5CF-7E8508D2C5A2}" type="datetimeFigureOut">
               <a:rPr lang="en-US" smtClean="0"/>
-              <a:t>9/22/2019</a:t>
+              <a:t>9/23/2019</a:t>
             </a:fld>
             <a:endParaRPr lang="en-US"/>
           </a:p>
@@ -471,7 +471,7 @@
           <a:p>
             <a:fld id="{07E6A0BB-66C9-477B-B5CF-7E8508D2C5A2}" type="datetimeFigureOut">
               <a:rPr lang="en-US" smtClean="0"/>
-              <a:t>9/22/2019</a:t>
+              <a:t>9/23/2019</a:t>
             </a:fld>
             <a:endParaRPr lang="en-US"/>
           </a:p>
@@ -645,7 +645,7 @@
           <a:p>
             <a:fld id="{07E6A0BB-66C9-477B-B5CF-7E8508D2C5A2}" type="datetimeFigureOut">
               <a:rPr lang="en-US" smtClean="0"/>
-              <a:t>9/22/2019</a:t>
+              <a:t>9/23/2019</a:t>
             </a:fld>
             <a:endParaRPr lang="en-US"/>
           </a:p>
@@ -809,7 +809,7 @@
           <a:p>
             <a:fld id="{07E6A0BB-66C9-477B-B5CF-7E8508D2C5A2}" type="datetimeFigureOut">
               <a:rPr lang="en-US" smtClean="0"/>
-              <a:t>9/22/2019</a:t>
+              <a:t>9/23/2019</a:t>
             </a:fld>
             <a:endParaRPr lang="en-US"/>
           </a:p>
@@ -1050,7 +1050,7 @@
           <a:p>
             <a:fld id="{07E6A0BB-66C9-477B-B5CF-7E8508D2C5A2}" type="datetimeFigureOut">
               <a:rPr lang="en-US" smtClean="0"/>
-              <a:t>9/22/2019</a:t>
+              <a:t>9/23/2019</a:t>
             </a:fld>
             <a:endParaRPr lang="en-US"/>
           </a:p>
@@ -1313,7 +1313,7 @@
           <a:p>
             <a:fld id="{07E6A0BB-66C9-477B-B5CF-7E8508D2C5A2}" type="datetimeFigureOut">
               <a:rPr lang="en-US" smtClean="0"/>
-              <a:t>9/22/2019</a:t>
+              <a:t>9/23/2019</a:t>
             </a:fld>
             <a:endParaRPr lang="en-US"/>
           </a:p>
@@ -1690,7 +1690,7 @@
           <a:p>
             <a:fld id="{07E6A0BB-66C9-477B-B5CF-7E8508D2C5A2}" type="datetimeFigureOut">
               <a:rPr lang="en-US" smtClean="0"/>
-              <a:t>9/22/2019</a:t>
+              <a:t>9/23/2019</a:t>
             </a:fld>
             <a:endParaRPr lang="en-US"/>
           </a:p>
@@ -1839,7 +1839,7 @@
           <a:p>
             <a:fld id="{07E6A0BB-66C9-477B-B5CF-7E8508D2C5A2}" type="datetimeFigureOut">
               <a:rPr lang="en-US" smtClean="0"/>
-              <a:t>9/22/2019</a:t>
+              <a:t>9/23/2019</a:t>
             </a:fld>
             <a:endParaRPr lang="en-US"/>
           </a:p>
@@ -1929,7 +1929,7 @@
           <a:p>
             <a:fld id="{07E6A0BB-66C9-477B-B5CF-7E8508D2C5A2}" type="datetimeFigureOut">
               <a:rPr lang="en-US" smtClean="0"/>
-              <a:t>9/22/2019</a:t>
+              <a:t>9/23/2019</a:t>
             </a:fld>
             <a:endParaRPr lang="en-US"/>
           </a:p>
@@ -2189,7 +2189,7 @@
           <a:p>
             <a:fld id="{07E6A0BB-66C9-477B-B5CF-7E8508D2C5A2}" type="datetimeFigureOut">
               <a:rPr lang="en-US" smtClean="0"/>
-              <a:t>9/22/2019</a:t>
+              <a:t>9/23/2019</a:t>
             </a:fld>
             <a:endParaRPr lang="en-US"/>
           </a:p>
@@ -2476,7 +2476,7 @@
           <a:p>
             <a:fld id="{07E6A0BB-66C9-477B-B5CF-7E8508D2C5A2}" type="datetimeFigureOut">
               <a:rPr lang="en-US" smtClean="0"/>
-              <a:t>9/22/2019</a:t>
+              <a:t>9/23/2019</a:t>
             </a:fld>
             <a:endParaRPr lang="en-US"/>
           </a:p>
@@ -3245,7 +3245,7 @@
           <a:p>
             <a:fld id="{07E6A0BB-66C9-477B-B5CF-7E8508D2C5A2}" type="datetimeFigureOut">
               <a:rPr lang="en-US" smtClean="0"/>
-              <a:t>9/22/2019</a:t>
+              <a:t>9/23/2019</a:t>
             </a:fld>
             <a:endParaRPr lang="en-US"/>
           </a:p>
@@ -4019,11 +4019,7 @@
             </a:r>
             <a:r>
               <a:rPr lang="en-US" sz="1800" b="1" dirty="0" smtClean="0"/>
-              <a:t>Ha</a:t>
-            </a:r>
-            <a:r>
-              <a:rPr lang="en-US" sz="1800" b="1" dirty="0" smtClean="0"/>
-              <a:t>llam</a:t>
+              <a:t>Hallam</a:t>
             </a:r>
             <a:r>
               <a:rPr lang="en-US" sz="1800" b="1" dirty="0"/>
@@ -4589,94 +4585,94 @@
         </p:spPr>
         <p:txBody>
           <a:bodyPr>
-            <a:normAutofit/>
+            <a:normAutofit lnSpcReduction="10000"/>
           </a:bodyPr>
           <a:lstStyle/>
           <a:p>
             <a:r>
-              <a:rPr lang="en-US" b="1" dirty="0"/>
+              <a:rPr lang="en-US" sz="2000" b="1" dirty="0"/>
               <a:t>LinkedIn.com and Indeed.com </a:t>
             </a:r>
             <a:r>
-              <a:rPr lang="en-US" dirty="0"/>
+              <a:rPr lang="en-US" sz="2000" dirty="0"/>
               <a:t>–search for jobs by job title </a:t>
             </a:r>
             <a:r>
-              <a:rPr lang="en-US" dirty="0" err="1"/>
+              <a:rPr lang="en-US" sz="2000" dirty="0" err="1"/>
               <a:t>etc</a:t>
             </a:r>
-            <a:endParaRPr lang="en-US" dirty="0"/>
+            <a:endParaRPr lang="en-US" sz="2000" dirty="0"/>
           </a:p>
           <a:p>
             <a:pPr marL="0" indent="0">
               <a:buNone/>
             </a:pPr>
             <a:r>
-              <a:rPr lang="en-US" dirty="0"/>
+              <a:rPr lang="en-US" sz="2000" dirty="0"/>
               <a:t>Can be used to apply for jobs</a:t>
             </a:r>
             <a:r>
-              <a:rPr lang="en-US" dirty="0" smtClean="0"/>
+              <a:rPr lang="en-US" sz="2000" dirty="0" smtClean="0"/>
               <a:t>.</a:t>
             </a:r>
           </a:p>
           <a:p>
             <a:r>
-              <a:rPr lang="en-US" b="1" dirty="0" smtClean="0"/>
+              <a:rPr lang="en-US" sz="2000" b="1" dirty="0" smtClean="0"/>
               <a:t>Object Oriented Programming Principles</a:t>
             </a:r>
-            <a:endParaRPr lang="en-US" b="1" dirty="0"/>
+            <a:endParaRPr lang="en-US" sz="2000" b="1" dirty="0"/>
           </a:p>
           <a:p>
             <a:pPr marL="0" indent="0">
               <a:buNone/>
             </a:pPr>
             <a:r>
-              <a:rPr lang="en-US" dirty="0" smtClean="0">
+              <a:rPr lang="en-US" sz="2000" dirty="0" smtClean="0">
                 <a:hlinkClick r:id="rId2"/>
               </a:rPr>
               <a:t>https</a:t>
             </a:r>
             <a:r>
-              <a:rPr lang="en-US" dirty="0">
+              <a:rPr lang="en-US" sz="2000" dirty="0">
                 <a:hlinkClick r:id="rId2"/>
               </a:rPr>
               <a:t>://www.webopedia.com/TERM/O/object_oriented_programming_OOP.html</a:t>
             </a:r>
-            <a:endParaRPr lang="en-US" dirty="0"/>
-          </a:p>
-          <a:p>
-            <a:r>
-              <a:rPr lang="en-US" b="1" dirty="0"/>
+            <a:endParaRPr lang="en-US" sz="2000" dirty="0"/>
+          </a:p>
+          <a:p>
+            <a:r>
+              <a:rPr lang="en-US" sz="2000" b="1" dirty="0"/>
               <a:t>Glassdoor.com</a:t>
             </a:r>
             <a:r>
-              <a:rPr lang="en-US" dirty="0"/>
+              <a:rPr lang="en-US" sz="2000" dirty="0"/>
               <a:t> – search for jobs by job title to learn more on salaries, benefits </a:t>
             </a:r>
             <a:r>
-              <a:rPr lang="en-US" dirty="0" err="1"/>
+              <a:rPr lang="en-US" sz="2000" dirty="0" err="1"/>
               <a:t>etc</a:t>
             </a:r>
-            <a:endParaRPr lang="en-US" dirty="0"/>
-          </a:p>
-          <a:p>
-            <a:r>
-              <a:rPr lang="en-US" b="1" dirty="0" smtClean="0"/>
+            <a:endParaRPr lang="en-US" sz="2000" dirty="0"/>
+          </a:p>
+          <a:p>
+            <a:r>
+              <a:rPr lang="en-US" sz="2000" b="1" dirty="0" smtClean="0"/>
               <a:t>Open source projects</a:t>
             </a:r>
-            <a:endParaRPr lang="en-US" dirty="0"/>
+            <a:endParaRPr lang="en-US" sz="2000" dirty="0"/>
           </a:p>
           <a:p>
             <a:pPr marL="0" indent="0">
               <a:buNone/>
             </a:pPr>
             <a:r>
-              <a:rPr lang="en-US" b="1" dirty="0">
+              <a:rPr lang="en-US" sz="2000" b="1" dirty="0">
                 <a:hlinkClick r:id="rId3">
                   <a:extLst>
                     <a:ext uri="{A12FA001-AC4F-418D-AE19-62706E023703}">
-                      <ahyp:hlinkClr xmlns:ahyp="http://schemas.microsoft.com/office/drawing/2018/hyperlinkcolor" xmlns="" xmlns:lc="http://schemas.openxmlformats.org/drawingml/2006/lockedCanvas" val="tx"/>
+                      <ahyp:hlinkClr xmlns:lc="http://schemas.openxmlformats.org/drawingml/2006/lockedCanvas" xmlns="" xmlns:ahyp="http://schemas.microsoft.com/office/drawing/2018/hyperlinkcolor" val="tx"/>
                     </a:ext>
                   </a:extLst>
                 </a:hlinkClick>
@@ -4684,24 +4680,53 @@
               <a:t>Apache</a:t>
             </a:r>
             <a:r>
-              <a:rPr lang="en-US" dirty="0">
+              <a:rPr lang="en-US" sz="2000" dirty="0">
                 <a:hlinkClick r:id="rId3">
                   <a:extLst>
                     <a:ext uri="{A12FA001-AC4F-418D-AE19-62706E023703}">
-                      <ahyp:hlinkClr xmlns:ahyp="http://schemas.microsoft.com/office/drawing/2018/hyperlinkcolor" xmlns="" xmlns:lc="http://schemas.openxmlformats.org/drawingml/2006/lockedCanvas" val="tx"/>
+                      <ahyp:hlinkClr xmlns:lc="http://schemas.openxmlformats.org/drawingml/2006/lockedCanvas" xmlns="" xmlns:ahyp="http://schemas.microsoft.com/office/drawing/2018/hyperlinkcolor" val="tx"/>
                     </a:ext>
                   </a:extLst>
                 </a:hlinkClick>
               </a:rPr>
               <a:t> - https://projects.apache.org/projects.html</a:t>
             </a:r>
-            <a:endParaRPr lang="en-US" dirty="0"/>
-          </a:p>
-          <a:p>
-            <a:pPr marL="0" indent="0">
-              <a:buNone/>
-            </a:pPr>
-            <a:endParaRPr lang="en-US" dirty="0"/>
+            <a:endParaRPr lang="en-US" sz="2000" dirty="0"/>
+          </a:p>
+          <a:p>
+            <a:r>
+              <a:rPr lang="en-US" sz="2000" b="1" dirty="0" smtClean="0"/>
+              <a:t>Github.com</a:t>
+            </a:r>
+            <a:r>
+              <a:rPr lang="en-US" sz="2000" dirty="0" smtClean="0"/>
+              <a:t> – It lets you save your code, provides version control and collaborate with others. It provides a graphical user interface and you use </a:t>
+            </a:r>
+            <a:r>
+              <a:rPr lang="en-US" sz="2000" dirty="0" err="1" smtClean="0"/>
+              <a:t>git</a:t>
+            </a:r>
+            <a:r>
+              <a:rPr lang="en-US" sz="2000" dirty="0" smtClean="0"/>
+              <a:t> command line tool in your local computer to pull projects created by others from </a:t>
+            </a:r>
+            <a:r>
+              <a:rPr lang="en-US" sz="2000" dirty="0" err="1" smtClean="0"/>
+              <a:t>github</a:t>
+            </a:r>
+            <a:r>
+              <a:rPr lang="en-US" sz="2000" dirty="0" smtClean="0"/>
+              <a:t> to your local (OR) to push the projects you have created from your local to </a:t>
+            </a:r>
+            <a:r>
+              <a:rPr lang="en-US" sz="2000" dirty="0" err="1" smtClean="0"/>
+              <a:t>github</a:t>
+            </a:r>
+            <a:r>
+              <a:rPr lang="en-US" sz="2000" dirty="0" smtClean="0"/>
+              <a:t>.</a:t>
+            </a:r>
+            <a:endParaRPr lang="en-US" sz="2000" dirty="0"/>
           </a:p>
         </p:txBody>
       </p:sp>
@@ -5035,7 +5060,11 @@
             </a:r>
             <a:r>
               <a:rPr lang="en-US" dirty="0" smtClean="0"/>
-              <a:t>   codes </a:t>
+              <a:t>   </a:t>
+            </a:r>
+            <a:r>
+              <a:rPr lang="en-US" dirty="0" smtClean="0"/>
+              <a:t>code of law </a:t>
             </a:r>
             <a:r>
               <a:rPr lang="en-US" dirty="0"/>
@@ -5487,14 +5516,14 @@
                 <a:gridCol w="4000500">
                   <a:extLst>
                     <a:ext uri="{9D8B030D-6E8A-4147-A177-3AD203B41FA5}">
-                      <a16:colId xmlns="" xmlns:a16="http://schemas.microsoft.com/office/drawing/2014/main" val="20000"/>
+                      <a16:colId xmlns:a16="http://schemas.microsoft.com/office/drawing/2014/main" xmlns="" val="20000"/>
                     </a:ext>
                   </a:extLst>
                 </a:gridCol>
                 <a:gridCol w="4000500">
                   <a:extLst>
                     <a:ext uri="{9D8B030D-6E8A-4147-A177-3AD203B41FA5}">
-                      <a16:colId xmlns="" xmlns:a16="http://schemas.microsoft.com/office/drawing/2014/main" val="20001"/>
+                      <a16:colId xmlns:a16="http://schemas.microsoft.com/office/drawing/2014/main" xmlns="" val="20001"/>
                     </a:ext>
                   </a:extLst>
                 </a:gridCol>
@@ -5528,7 +5557,7 @@
                 </a:tc>
                 <a:extLst>
                   <a:ext uri="{0D108BD9-81ED-4DB2-BD59-A6C34878D82A}">
-                    <a16:rowId xmlns="" xmlns:a16="http://schemas.microsoft.com/office/drawing/2014/main" val="10000"/>
+                    <a16:rowId xmlns:a16="http://schemas.microsoft.com/office/drawing/2014/main" xmlns="" val="10000"/>
                   </a:ext>
                 </a:extLst>
               </a:tr>
@@ -5566,7 +5595,7 @@
                 </a:tc>
                 <a:extLst>
                   <a:ext uri="{0D108BD9-81ED-4DB2-BD59-A6C34878D82A}">
-                    <a16:rowId xmlns="" xmlns:a16="http://schemas.microsoft.com/office/drawing/2014/main" val="10001"/>
+                    <a16:rowId xmlns:a16="http://schemas.microsoft.com/office/drawing/2014/main" xmlns="" val="10001"/>
                   </a:ext>
                 </a:extLst>
               </a:tr>
@@ -5612,7 +5641,7 @@
                 </a:tc>
                 <a:extLst>
                   <a:ext uri="{0D108BD9-81ED-4DB2-BD59-A6C34878D82A}">
-                    <a16:rowId xmlns="" xmlns:a16="http://schemas.microsoft.com/office/drawing/2014/main" val="10002"/>
+                    <a16:rowId xmlns:a16="http://schemas.microsoft.com/office/drawing/2014/main" xmlns="" val="10002"/>
                   </a:ext>
                 </a:extLst>
               </a:tr>
@@ -5645,7 +5674,7 @@
                 </a:tc>
                 <a:extLst>
                   <a:ext uri="{0D108BD9-81ED-4DB2-BD59-A6C34878D82A}">
-                    <a16:rowId xmlns="" xmlns:a16="http://schemas.microsoft.com/office/drawing/2014/main" val="10003"/>
+                    <a16:rowId xmlns:a16="http://schemas.microsoft.com/office/drawing/2014/main" xmlns="" val="10003"/>
                   </a:ext>
                 </a:extLst>
               </a:tr>
@@ -5720,7 +5749,7 @@
                 </a:tc>
                 <a:extLst>
                   <a:ext uri="{0D108BD9-81ED-4DB2-BD59-A6C34878D82A}">
-                    <a16:rowId xmlns="" xmlns:a16="http://schemas.microsoft.com/office/drawing/2014/main" val="10004"/>
+                    <a16:rowId xmlns:a16="http://schemas.microsoft.com/office/drawing/2014/main" xmlns="" val="10004"/>
                   </a:ext>
                 </a:extLst>
               </a:tr>
@@ -5775,7 +5804,7 @@
                 </a:tc>
                 <a:extLst>
                   <a:ext uri="{0D108BD9-81ED-4DB2-BD59-A6C34878D82A}">
-                    <a16:rowId xmlns="" xmlns:a16="http://schemas.microsoft.com/office/drawing/2014/main" val="10005"/>
+                    <a16:rowId xmlns:a16="http://schemas.microsoft.com/office/drawing/2014/main" xmlns="" val="10005"/>
                   </a:ext>
                 </a:extLst>
               </a:tr>
@@ -6315,14 +6344,14 @@
                 <a:gridCol w="4038600">
                   <a:extLst>
                     <a:ext uri="{9D8B030D-6E8A-4147-A177-3AD203B41FA5}">
-                      <a16:colId xmlns="" xmlns:a16="http://schemas.microsoft.com/office/drawing/2014/main" val="20000"/>
+                      <a16:colId xmlns:a16="http://schemas.microsoft.com/office/drawing/2014/main" xmlns="" val="20000"/>
                     </a:ext>
                   </a:extLst>
                 </a:gridCol>
                 <a:gridCol w="4038600">
                   <a:extLst>
                     <a:ext uri="{9D8B030D-6E8A-4147-A177-3AD203B41FA5}">
-                      <a16:colId xmlns="" xmlns:a16="http://schemas.microsoft.com/office/drawing/2014/main" val="20001"/>
+                      <a16:colId xmlns:a16="http://schemas.microsoft.com/office/drawing/2014/main" xmlns="" val="20001"/>
                     </a:ext>
                   </a:extLst>
                 </a:gridCol>
@@ -6356,7 +6385,7 @@
                 </a:tc>
                 <a:extLst>
                   <a:ext uri="{0D108BD9-81ED-4DB2-BD59-A6C34878D82A}">
-                    <a16:rowId xmlns="" xmlns:a16="http://schemas.microsoft.com/office/drawing/2014/main" val="10000"/>
+                    <a16:rowId xmlns:a16="http://schemas.microsoft.com/office/drawing/2014/main" xmlns="" val="10000"/>
                   </a:ext>
                 </a:extLst>
               </a:tr>
@@ -6399,7 +6428,7 @@
                 </a:tc>
                 <a:extLst>
                   <a:ext uri="{0D108BD9-81ED-4DB2-BD59-A6C34878D82A}">
-                    <a16:rowId xmlns="" xmlns:a16="http://schemas.microsoft.com/office/drawing/2014/main" val="10001"/>
+                    <a16:rowId xmlns:a16="http://schemas.microsoft.com/office/drawing/2014/main" xmlns="" val="10001"/>
                   </a:ext>
                 </a:extLst>
               </a:tr>
@@ -6445,7 +6474,7 @@
                 </a:tc>
                 <a:extLst>
                   <a:ext uri="{0D108BD9-81ED-4DB2-BD59-A6C34878D82A}">
-                    <a16:rowId xmlns="" xmlns:a16="http://schemas.microsoft.com/office/drawing/2014/main" val="10002"/>
+                    <a16:rowId xmlns:a16="http://schemas.microsoft.com/office/drawing/2014/main" xmlns="" val="10002"/>
                   </a:ext>
                 </a:extLst>
               </a:tr>
@@ -6483,7 +6512,7 @@
                 </a:tc>
                 <a:extLst>
                   <a:ext uri="{0D108BD9-81ED-4DB2-BD59-A6C34878D82A}">
-                    <a16:rowId xmlns="" xmlns:a16="http://schemas.microsoft.com/office/drawing/2014/main" val="10003"/>
+                    <a16:rowId xmlns:a16="http://schemas.microsoft.com/office/drawing/2014/main" xmlns="" val="10003"/>
                   </a:ext>
                 </a:extLst>
               </a:tr>
@@ -6521,7 +6550,7 @@
                 </a:tc>
                 <a:extLst>
                   <a:ext uri="{0D108BD9-81ED-4DB2-BD59-A6C34878D82A}">
-                    <a16:rowId xmlns="" xmlns:a16="http://schemas.microsoft.com/office/drawing/2014/main" val="10004"/>
+                    <a16:rowId xmlns:a16="http://schemas.microsoft.com/office/drawing/2014/main" xmlns="" val="10004"/>
                   </a:ext>
                 </a:extLst>
               </a:tr>

--- a/IT Industry.pptx
+++ b/IT Industry.pptx
@@ -307,7 +307,7 @@
           <a:p>
             <a:fld id="{07E6A0BB-66C9-477B-B5CF-7E8508D2C5A2}" type="datetimeFigureOut">
               <a:rPr lang="en-US" smtClean="0"/>
-              <a:t>9/23/2019</a:t>
+              <a:t>9/24/2019</a:t>
             </a:fld>
             <a:endParaRPr lang="en-US"/>
           </a:p>
@@ -471,7 +471,7 @@
           <a:p>
             <a:fld id="{07E6A0BB-66C9-477B-B5CF-7E8508D2C5A2}" type="datetimeFigureOut">
               <a:rPr lang="en-US" smtClean="0"/>
-              <a:t>9/23/2019</a:t>
+              <a:t>9/24/2019</a:t>
             </a:fld>
             <a:endParaRPr lang="en-US"/>
           </a:p>
@@ -645,7 +645,7 @@
           <a:p>
             <a:fld id="{07E6A0BB-66C9-477B-B5CF-7E8508D2C5A2}" type="datetimeFigureOut">
               <a:rPr lang="en-US" smtClean="0"/>
-              <a:t>9/23/2019</a:t>
+              <a:t>9/24/2019</a:t>
             </a:fld>
             <a:endParaRPr lang="en-US"/>
           </a:p>
@@ -809,7 +809,7 @@
           <a:p>
             <a:fld id="{07E6A0BB-66C9-477B-B5CF-7E8508D2C5A2}" type="datetimeFigureOut">
               <a:rPr lang="en-US" smtClean="0"/>
-              <a:t>9/23/2019</a:t>
+              <a:t>9/24/2019</a:t>
             </a:fld>
             <a:endParaRPr lang="en-US"/>
           </a:p>
@@ -1050,7 +1050,7 @@
           <a:p>
             <a:fld id="{07E6A0BB-66C9-477B-B5CF-7E8508D2C5A2}" type="datetimeFigureOut">
               <a:rPr lang="en-US" smtClean="0"/>
-              <a:t>9/23/2019</a:t>
+              <a:t>9/24/2019</a:t>
             </a:fld>
             <a:endParaRPr lang="en-US"/>
           </a:p>
@@ -1313,7 +1313,7 @@
           <a:p>
             <a:fld id="{07E6A0BB-66C9-477B-B5CF-7E8508D2C5A2}" type="datetimeFigureOut">
               <a:rPr lang="en-US" smtClean="0"/>
-              <a:t>9/23/2019</a:t>
+              <a:t>9/24/2019</a:t>
             </a:fld>
             <a:endParaRPr lang="en-US"/>
           </a:p>
@@ -1690,7 +1690,7 @@
           <a:p>
             <a:fld id="{07E6A0BB-66C9-477B-B5CF-7E8508D2C5A2}" type="datetimeFigureOut">
               <a:rPr lang="en-US" smtClean="0"/>
-              <a:t>9/23/2019</a:t>
+              <a:t>9/24/2019</a:t>
             </a:fld>
             <a:endParaRPr lang="en-US"/>
           </a:p>
@@ -1839,7 +1839,7 @@
           <a:p>
             <a:fld id="{07E6A0BB-66C9-477B-B5CF-7E8508D2C5A2}" type="datetimeFigureOut">
               <a:rPr lang="en-US" smtClean="0"/>
-              <a:t>9/23/2019</a:t>
+              <a:t>9/24/2019</a:t>
             </a:fld>
             <a:endParaRPr lang="en-US"/>
           </a:p>
@@ -1929,7 +1929,7 @@
           <a:p>
             <a:fld id="{07E6A0BB-66C9-477B-B5CF-7E8508D2C5A2}" type="datetimeFigureOut">
               <a:rPr lang="en-US" smtClean="0"/>
-              <a:t>9/23/2019</a:t>
+              <a:t>9/24/2019</a:t>
             </a:fld>
             <a:endParaRPr lang="en-US"/>
           </a:p>
@@ -2189,7 +2189,7 @@
           <a:p>
             <a:fld id="{07E6A0BB-66C9-477B-B5CF-7E8508D2C5A2}" type="datetimeFigureOut">
               <a:rPr lang="en-US" smtClean="0"/>
-              <a:t>9/23/2019</a:t>
+              <a:t>9/24/2019</a:t>
             </a:fld>
             <a:endParaRPr lang="en-US"/>
           </a:p>
@@ -2476,7 +2476,7 @@
           <a:p>
             <a:fld id="{07E6A0BB-66C9-477B-B5CF-7E8508D2C5A2}" type="datetimeFigureOut">
               <a:rPr lang="en-US" smtClean="0"/>
-              <a:t>9/23/2019</a:t>
+              <a:t>9/24/2019</a:t>
             </a:fld>
             <a:endParaRPr lang="en-US"/>
           </a:p>
@@ -3245,7 +3245,7 @@
           <a:p>
             <a:fld id="{07E6A0BB-66C9-477B-B5CF-7E8508D2C5A2}" type="datetimeFigureOut">
               <a:rPr lang="en-US" smtClean="0"/>
-              <a:t>9/23/2019</a:t>
+              <a:t>9/24/2019</a:t>
             </a:fld>
             <a:endParaRPr lang="en-US"/>
           </a:p>
@@ -4831,7 +4831,7 @@
         </p:spPr>
         <p:txBody>
           <a:bodyPr>
-            <a:normAutofit/>
+            <a:normAutofit lnSpcReduction="10000"/>
           </a:bodyPr>
           <a:lstStyle/>
           <a:p>
@@ -4861,14 +4861,12 @@
           </a:p>
           <a:p>
             <a:r>
+              <a:rPr lang="en-US" dirty="0" smtClean="0"/>
+              <a:t>Graduated </a:t>
+            </a:r>
+            <a:r>
               <a:rPr lang="en-US" dirty="0"/>
-              <a:t>While I did my Bachelors, I learnt Pascal and that’s when I realized that Programming is what I want to do.</a:t>
-            </a:r>
-          </a:p>
-          <a:p>
-            <a:r>
-              <a:rPr lang="en-US" dirty="0"/>
-              <a:t>Graduated in ‘99 July with Masters in Computer Science at RIT, Rochester, </a:t>
+              <a:t>in ‘99 July with Masters in Computer Science at RIT, Rochester, </a:t>
             </a:r>
             <a:r>
               <a:rPr lang="en-US" dirty="0" smtClean="0"/>
@@ -4899,7 +4897,34 @@
           <a:p>
             <a:r>
               <a:rPr lang="en-US" dirty="0" smtClean="0"/>
-              <a:t>Many continue to do MBA to work in Management.</a:t>
+              <a:t>Many continue to do MBA to work in Management</a:t>
+            </a:r>
+            <a:r>
+              <a:rPr lang="en-US" dirty="0" smtClean="0"/>
+              <a:t>.</a:t>
+            </a:r>
+          </a:p>
+          <a:p>
+            <a:r>
+              <a:rPr lang="en-US" dirty="0">
+                <a:hlinkClick r:id="rId2"/>
+              </a:rPr>
+              <a:t>https://</a:t>
+            </a:r>
+            <a:r>
+              <a:rPr lang="en-US" dirty="0" smtClean="0">
+                <a:hlinkClick r:id="rId2"/>
+              </a:rPr>
+              <a:t>www.engr.uky.edu/research-faculty/departments/computer-science/students/courses</a:t>
+            </a:r>
+            <a:endParaRPr lang="en-US" dirty="0" smtClean="0"/>
+          </a:p>
+          <a:p>
+            <a:r>
+              <a:rPr lang="en-US">
+                <a:hlinkClick r:id="rId3"/>
+              </a:rPr>
+              <a:t>http://www.transy.edu/academics/programs/sequences/computer-science</a:t>
             </a:r>
             <a:endParaRPr lang="en-US" dirty="0"/>
           </a:p>
@@ -4987,8 +5012,12 @@
           <a:lstStyle/>
           <a:p>
             <a:r>
+              <a:rPr lang="en-US" b="1" dirty="0"/>
+              <a:t>Thomson Reuters </a:t>
+            </a:r>
+            <a:r>
               <a:rPr lang="en-US" dirty="0"/>
-              <a:t>Thomson Reuters – I was hired as a Java mentor for the team and worked onsite for 6 months. Then moved to South Williamson, KY in 2000 and continued to work from home for 17 years.</a:t>
+              <a:t>– I was hired as a Java mentor for the team and worked onsite for 6 months. Then moved to South Williamson, KY in 2000 and continued to work from home for 17 years.</a:t>
             </a:r>
           </a:p>
           <a:p>
@@ -5005,7 +5034,23 @@
           <a:p>
             <a:r>
               <a:rPr lang="en-US" dirty="0"/>
-              <a:t>Thomson Reuters is a huge organization. ~ 8000 employees comprising of Management, Legal (Lawyers, </a:t>
+              <a:t>Thomson Reuters is a </a:t>
+            </a:r>
+            <a:r>
+              <a:rPr lang="en-US" dirty="0" smtClean="0"/>
+              <a:t>large </a:t>
+            </a:r>
+            <a:r>
+              <a:rPr lang="en-US" dirty="0"/>
+              <a:t>organization. ~ 8000 employees </a:t>
+            </a:r>
+            <a:r>
+              <a:rPr lang="en-US" dirty="0" smtClean="0"/>
+              <a:t>in Eagan office comprising </a:t>
+            </a:r>
+            <a:r>
+              <a:rPr lang="en-US" dirty="0"/>
+              <a:t>of Management, Legal (Lawyers, </a:t>
             </a:r>
             <a:r>
               <a:rPr lang="en-US" dirty="0" err="1"/>
@@ -5060,11 +5105,7 @@
             </a:r>
             <a:r>
               <a:rPr lang="en-US" dirty="0" smtClean="0"/>
-              <a:t>   </a:t>
-            </a:r>
-            <a:r>
-              <a:rPr lang="en-US" dirty="0" smtClean="0"/>
-              <a:t>code of law </a:t>
+              <a:t>   code of law </a:t>
             </a:r>
             <a:r>
               <a:rPr lang="en-US" dirty="0"/>

--- a/IT Industry.pptx
+++ b/IT Industry.pptx
@@ -119,7 +119,7 @@
   </p:defaultTextStyle>
   <p:extLst>
     <p:ext uri="{EFAFB233-063F-42B5-8137-9DF3F51BA10A}">
-      <p15:sldGuideLst xmlns:p15="http://schemas.microsoft.com/office/powerpoint/2012/main" xmlns="">
+      <p15:sldGuideLst xmlns:p15="http://schemas.microsoft.com/office/powerpoint/2012/main">
         <p15:guide id="1" orient="horz" pos="2160">
           <p15:clr>
             <a:srgbClr val="A4A3A4"/>
@@ -307,7 +307,7 @@
           <a:p>
             <a:fld id="{07E6A0BB-66C9-477B-B5CF-7E8508D2C5A2}" type="datetimeFigureOut">
               <a:rPr lang="en-US" smtClean="0"/>
-              <a:t>9/24/2019</a:t>
+              <a:t>9/24/19</a:t>
             </a:fld>
             <a:endParaRPr lang="en-US"/>
           </a:p>
@@ -471,7 +471,7 @@
           <a:p>
             <a:fld id="{07E6A0BB-66C9-477B-B5CF-7E8508D2C5A2}" type="datetimeFigureOut">
               <a:rPr lang="en-US" smtClean="0"/>
-              <a:t>9/24/2019</a:t>
+              <a:t>9/24/19</a:t>
             </a:fld>
             <a:endParaRPr lang="en-US"/>
           </a:p>
@@ -645,7 +645,7 @@
           <a:p>
             <a:fld id="{07E6A0BB-66C9-477B-B5CF-7E8508D2C5A2}" type="datetimeFigureOut">
               <a:rPr lang="en-US" smtClean="0"/>
-              <a:t>9/24/2019</a:t>
+              <a:t>9/24/19</a:t>
             </a:fld>
             <a:endParaRPr lang="en-US"/>
           </a:p>
@@ -809,7 +809,7 @@
           <a:p>
             <a:fld id="{07E6A0BB-66C9-477B-B5CF-7E8508D2C5A2}" type="datetimeFigureOut">
               <a:rPr lang="en-US" smtClean="0"/>
-              <a:t>9/24/2019</a:t>
+              <a:t>9/24/19</a:t>
             </a:fld>
             <a:endParaRPr lang="en-US"/>
           </a:p>
@@ -1050,7 +1050,7 @@
           <a:p>
             <a:fld id="{07E6A0BB-66C9-477B-B5CF-7E8508D2C5A2}" type="datetimeFigureOut">
               <a:rPr lang="en-US" smtClean="0"/>
-              <a:t>9/24/2019</a:t>
+              <a:t>9/24/19</a:t>
             </a:fld>
             <a:endParaRPr lang="en-US"/>
           </a:p>
@@ -1313,7 +1313,7 @@
           <a:p>
             <a:fld id="{07E6A0BB-66C9-477B-B5CF-7E8508D2C5A2}" type="datetimeFigureOut">
               <a:rPr lang="en-US" smtClean="0"/>
-              <a:t>9/24/2019</a:t>
+              <a:t>9/24/19</a:t>
             </a:fld>
             <a:endParaRPr lang="en-US"/>
           </a:p>
@@ -1690,7 +1690,7 @@
           <a:p>
             <a:fld id="{07E6A0BB-66C9-477B-B5CF-7E8508D2C5A2}" type="datetimeFigureOut">
               <a:rPr lang="en-US" smtClean="0"/>
-              <a:t>9/24/2019</a:t>
+              <a:t>9/24/19</a:t>
             </a:fld>
             <a:endParaRPr lang="en-US"/>
           </a:p>
@@ -1839,7 +1839,7 @@
           <a:p>
             <a:fld id="{07E6A0BB-66C9-477B-B5CF-7E8508D2C5A2}" type="datetimeFigureOut">
               <a:rPr lang="en-US" smtClean="0"/>
-              <a:t>9/24/2019</a:t>
+              <a:t>9/24/19</a:t>
             </a:fld>
             <a:endParaRPr lang="en-US"/>
           </a:p>
@@ -1929,7 +1929,7 @@
           <a:p>
             <a:fld id="{07E6A0BB-66C9-477B-B5CF-7E8508D2C5A2}" type="datetimeFigureOut">
               <a:rPr lang="en-US" smtClean="0"/>
-              <a:t>9/24/2019</a:t>
+              <a:t>9/24/19</a:t>
             </a:fld>
             <a:endParaRPr lang="en-US"/>
           </a:p>
@@ -2189,7 +2189,7 @@
           <a:p>
             <a:fld id="{07E6A0BB-66C9-477B-B5CF-7E8508D2C5A2}" type="datetimeFigureOut">
               <a:rPr lang="en-US" smtClean="0"/>
-              <a:t>9/24/2019</a:t>
+              <a:t>9/24/19</a:t>
             </a:fld>
             <a:endParaRPr lang="en-US"/>
           </a:p>
@@ -2476,7 +2476,7 @@
           <a:p>
             <a:fld id="{07E6A0BB-66C9-477B-B5CF-7E8508D2C5A2}" type="datetimeFigureOut">
               <a:rPr lang="en-US" smtClean="0"/>
-              <a:t>9/24/2019</a:t>
+              <a:t>9/24/19</a:t>
             </a:fld>
             <a:endParaRPr lang="en-US"/>
           </a:p>
@@ -3245,7 +3245,7 @@
           <a:p>
             <a:fld id="{07E6A0BB-66C9-477B-B5CF-7E8508D2C5A2}" type="datetimeFigureOut">
               <a:rPr lang="en-US" smtClean="0"/>
-              <a:t>9/24/2019</a:t>
+              <a:t>9/24/19</a:t>
             </a:fld>
             <a:endParaRPr lang="en-US"/>
           </a:p>
@@ -3873,7 +3873,12 @@
             <p:ph type="ctrTitle"/>
           </p:nvPr>
         </p:nvSpPr>
-        <p:spPr/>
+        <p:spPr>
+          <a:xfrm>
+            <a:off x="533400" y="1371600"/>
+            <a:ext cx="7315200" cy="1219200"/>
+          </a:xfrm>
+        </p:spPr>
         <p:txBody>
           <a:bodyPr/>
           <a:lstStyle/>
@@ -3881,6 +3886,13 @@
             <a:r>
               <a:rPr lang="en-US" dirty="0"/>
               <a:t>IT Industry</a:t>
+            </a:r>
+            <a:br>
+              <a:rPr lang="en-US" dirty="0"/>
+            </a:br>
+            <a:r>
+              <a:rPr lang="en-US" sz="2400" i="1" dirty="0"/>
+              <a:t>from my perspective</a:t>
             </a:r>
           </a:p>
         </p:txBody>
@@ -4015,15 +4027,7 @@
           <a:p>
             <a:r>
               <a:rPr lang="en-US" sz="1800" b="1" dirty="0"/>
-              <a:t>Ed </a:t>
-            </a:r>
-            <a:r>
-              <a:rPr lang="en-US" sz="1800" b="1" dirty="0" smtClean="0"/>
-              <a:t>Hallam</a:t>
-            </a:r>
-            <a:r>
-              <a:rPr lang="en-US" sz="1800" b="1" dirty="0"/>
-              <a:t>, Product Owner at </a:t>
+              <a:t>Ed Hallam, Product Owner at </a:t>
             </a:r>
             <a:r>
               <a:rPr lang="en-US" sz="1800" b="1" dirty="0" err="1"/>
@@ -4059,8 +4063,12 @@
               <a:buNone/>
             </a:pPr>
             <a:r>
+              <a:rPr lang="en-US" sz="1400" b="1" i="1" dirty="0"/>
+              <a:t>“</a:t>
+            </a:r>
+            <a:r>
               <a:rPr lang="en-US" sz="1400" i="1" dirty="0"/>
-              <a:t>“I never studied anything to become a product owner. I had attended several colleges but never majored in anything related software engineering. It was more or less just something I fell into.</a:t>
+              <a:t>I never studied anything to become a product owner. I had attended several colleges but never majored in anything related software engineering. It was more or less just something I fell into.</a:t>
             </a:r>
           </a:p>
           <a:p>
@@ -4161,7 +4169,11 @@
             </a:r>
             <a:r>
               <a:rPr lang="en-US" sz="1400" i="1" dirty="0"/>
-              <a:t> as a product owner. As a product owner, I worked with customers to find out what our customers like and do not like about our software. I was worked with customers to find out what items our customers want to see as new features of our application. From there I put together an ordered list of new features that we want to build. I then work with the software team who builds those new features.”</a:t>
+              <a:t> as a product owner. As a product owner, I worked with customers to find out what our customers like and do not like about our software. I was worked with customers to find out what items our customers want to see as new features of our application. From there I put together an ordered list of new features that we want to build. I then work with the software team who builds those new features</a:t>
+            </a:r>
+            <a:r>
+              <a:rPr lang="en-US" sz="1400" b="1" i="1" dirty="0"/>
+              <a:t>.”</a:t>
             </a:r>
           </a:p>
           <a:p>
@@ -4391,7 +4403,9 @@
           </a:xfrm>
         </p:spPr>
         <p:txBody>
-          <a:bodyPr/>
+          <a:bodyPr>
+            <a:normAutofit fontScale="92500" lnSpcReduction="10000"/>
+          </a:bodyPr>
           <a:lstStyle/>
           <a:p>
             <a:r>
@@ -4410,45 +4424,27 @@
               <a:buNone/>
             </a:pPr>
             <a:r>
-              <a:rPr lang="en-US" sz="2200" dirty="0"/>
+              <a:rPr lang="en-US" sz="2200" b="1" dirty="0"/>
               <a:t>HTML, CSS (Stylesheet), </a:t>
             </a:r>
             <a:r>
-              <a:rPr lang="en-US" sz="2200" dirty="0" err="1" smtClean="0"/>
+              <a:rPr lang="en-US" sz="2200" b="1" dirty="0" err="1"/>
               <a:t>Javascript</a:t>
             </a:r>
             <a:r>
-              <a:rPr lang="en-US" sz="2200" dirty="0" smtClean="0"/>
+              <a:rPr lang="en-US" sz="2200" b="1" dirty="0"/>
               <a:t> </a:t>
             </a:r>
             <a:r>
-              <a:rPr lang="en-US" sz="2200" dirty="0" err="1" smtClean="0"/>
+              <a:rPr lang="en-US" sz="2200" dirty="0" err="1"/>
               <a:t>etc</a:t>
             </a:r>
             <a:endParaRPr lang="en-US" sz="2200" dirty="0"/>
           </a:p>
           <a:p>
             <a:r>
-              <a:rPr lang="en-US" sz="2200" b="1" dirty="0"/>
-              <a:t>Java</a:t>
-            </a:r>
-            <a:r>
-              <a:rPr lang="en-US" sz="2200" dirty="0"/>
-              <a:t> is currently at version 12. </a:t>
-            </a:r>
-            <a:r>
-              <a:rPr lang="en-US" sz="2200" dirty="0" smtClean="0"/>
-              <a:t>It’s OK to start </a:t>
-            </a:r>
-            <a:r>
-              <a:rPr lang="en-US" sz="2200" dirty="0"/>
-              <a:t>with version 7</a:t>
-            </a:r>
-          </a:p>
-          <a:p>
-            <a:r>
-              <a:rPr lang="en-US" sz="2200" b="1" dirty="0"/>
-              <a:t>Java Docs</a:t>
+              <a:rPr lang="en-US" sz="2400" b="1" dirty="0"/>
+              <a:t>Object Oriented Programming Principles</a:t>
             </a:r>
           </a:p>
           <a:p>
@@ -4456,21 +4452,27 @@
               <a:buNone/>
             </a:pPr>
             <a:r>
-              <a:rPr lang="en-US" sz="2200" dirty="0">
+              <a:rPr lang="en-US" sz="2400" dirty="0">
                 <a:hlinkClick r:id="rId3"/>
               </a:rPr>
-              <a:t>https://docs.oracle.com/javase/7/docs/api/</a:t>
+              <a:t>https://www.webopedia.com/TERM/O/object_oriented_programming_OOP.html</a:t>
             </a:r>
             <a:endParaRPr lang="en-US" sz="2200" dirty="0"/>
           </a:p>
           <a:p>
             <a:r>
               <a:rPr lang="en-US" sz="2200" b="1" dirty="0"/>
-              <a:t>Eclipse</a:t>
+              <a:t>Java</a:t>
             </a:r>
             <a:r>
               <a:rPr lang="en-US" sz="2200" dirty="0"/>
-              <a:t> is a great tool to learn and write code in Java</a:t>
+              <a:t> is currently at version 12. It’s OK to start with version 7</a:t>
+            </a:r>
+          </a:p>
+          <a:p>
+            <a:r>
+              <a:rPr lang="en-US" sz="2200" b="1" dirty="0"/>
+              <a:t>Java Docs</a:t>
             </a:r>
           </a:p>
           <a:p>
@@ -4478,14 +4480,21 @@
               <a:buNone/>
             </a:pPr>
             <a:r>
+              <a:rPr lang="en-US" sz="2200" dirty="0">
+                <a:hlinkClick r:id="rId4"/>
+              </a:rPr>
+              <a:t>https://docs.oracle.com/javase/7/docs/api/</a:t>
+            </a:r>
+            <a:endParaRPr lang="en-US" sz="2200" dirty="0"/>
+          </a:p>
+          <a:p>
+            <a:r>
+              <a:rPr lang="en-US" sz="2200" b="1" dirty="0"/>
+              <a:t>Eclipse</a:t>
+            </a:r>
+            <a:r>
               <a:rPr lang="en-US" sz="2200" dirty="0"/>
-              <a:t>You can install Eclipse for free. </a:t>
-            </a:r>
-          </a:p>
-          <a:p>
-            <a:r>
-              <a:rPr lang="en-US" sz="2200" b="1" dirty="0"/>
-              <a:t>Learning how to type without looking at the keyboard is a great idea !!</a:t>
+              <a:t> is a great tool to learn and write code in Java</a:t>
             </a:r>
           </a:p>
           <a:p>
@@ -4493,8 +4502,23 @@
               <a:buNone/>
             </a:pPr>
             <a:r>
+              <a:rPr lang="en-US" sz="2200" dirty="0"/>
+              <a:t>You can install Eclipse for free. </a:t>
+            </a:r>
+          </a:p>
+          <a:p>
+            <a:r>
+              <a:rPr lang="en-US" sz="2200" b="1" dirty="0"/>
+              <a:t>Learning how to type without looking at the keyboard is a great idea !!</a:t>
+            </a:r>
+          </a:p>
+          <a:p>
+            <a:pPr marL="0" indent="0">
+              <a:buNone/>
+            </a:pPr>
+            <a:r>
               <a:rPr lang="en-US" dirty="0">
-                <a:hlinkClick r:id="rId4"/>
+                <a:hlinkClick r:id="rId5"/>
               </a:rPr>
               <a:t>https://www.typingclub.com</a:t>
             </a:r>
@@ -4585,94 +4609,77 @@
         </p:spPr>
         <p:txBody>
           <a:bodyPr>
-            <a:normAutofit lnSpcReduction="10000"/>
+            <a:normAutofit/>
           </a:bodyPr>
           <a:lstStyle/>
           <a:p>
             <a:r>
-              <a:rPr lang="en-US" sz="2000" b="1" dirty="0"/>
+              <a:rPr lang="en-US" b="1" dirty="0"/>
               <a:t>LinkedIn.com and Indeed.com </a:t>
             </a:r>
             <a:r>
-              <a:rPr lang="en-US" sz="2000" dirty="0"/>
+              <a:rPr lang="en-US" dirty="0"/>
               <a:t>–search for jobs by job title </a:t>
             </a:r>
             <a:r>
-              <a:rPr lang="en-US" sz="2000" dirty="0" err="1"/>
+              <a:rPr lang="en-US" dirty="0" err="1"/>
               <a:t>etc</a:t>
             </a:r>
-            <a:endParaRPr lang="en-US" sz="2000" dirty="0"/>
+            <a:r>
+              <a:rPr lang="en-US" dirty="0"/>
+              <a:t>; Can be used to apply for jobs.</a:t>
+            </a:r>
+          </a:p>
+          <a:p>
+            <a:r>
+              <a:rPr lang="en-US" b="1" dirty="0"/>
+              <a:t>Job titles</a:t>
+            </a:r>
+            <a:r>
+              <a:rPr lang="en-US" dirty="0"/>
+              <a:t>: Business Analyst, Software Engineer, </a:t>
+            </a:r>
+            <a:r>
+              <a:rPr lang="en-US" dirty="0" err="1"/>
+              <a:t>Sr.Software</a:t>
+            </a:r>
+            <a:r>
+              <a:rPr lang="en-US" dirty="0"/>
+              <a:t> Engineer, Lead Software Engineer, Manager, Team Lead, Tech Lead, Director, Senior Director, Network Engineer, Computer Engineer.</a:t>
+            </a:r>
+          </a:p>
+          <a:p>
+            <a:r>
+              <a:rPr lang="en-US" b="1" dirty="0" err="1"/>
+              <a:t>Glassdoor.com</a:t>
+            </a:r>
+            <a:r>
+              <a:rPr lang="en-US" dirty="0"/>
+              <a:t> – search for jobs by job title to learn more on salaries, benefits </a:t>
+            </a:r>
+            <a:r>
+              <a:rPr lang="en-US" dirty="0" err="1"/>
+              <a:t>etc</a:t>
+            </a:r>
+            <a:endParaRPr lang="en-US" dirty="0"/>
+          </a:p>
+          <a:p>
+            <a:r>
+              <a:rPr lang="en-US" b="1" dirty="0"/>
+              <a:t>Open source projects</a:t>
+            </a:r>
+            <a:endParaRPr lang="en-US" dirty="0"/>
           </a:p>
           <a:p>
             <a:pPr marL="0" indent="0">
               <a:buNone/>
             </a:pPr>
             <a:r>
-              <a:rPr lang="en-US" sz="2000" dirty="0"/>
-              <a:t>Can be used to apply for jobs</a:t>
-            </a:r>
-            <a:r>
-              <a:rPr lang="en-US" sz="2000" dirty="0" smtClean="0"/>
-              <a:t>.</a:t>
-            </a:r>
-          </a:p>
-          <a:p>
-            <a:r>
-              <a:rPr lang="en-US" sz="2000" b="1" dirty="0" smtClean="0"/>
-              <a:t>Object Oriented Programming Principles</a:t>
-            </a:r>
-            <a:endParaRPr lang="en-US" sz="2000" b="1" dirty="0"/>
-          </a:p>
-          <a:p>
-            <a:pPr marL="0" indent="0">
-              <a:buNone/>
-            </a:pPr>
-            <a:r>
-              <a:rPr lang="en-US" sz="2000" dirty="0" smtClean="0">
-                <a:hlinkClick r:id="rId2"/>
-              </a:rPr>
-              <a:t>https</a:t>
-            </a:r>
-            <a:r>
-              <a:rPr lang="en-US" sz="2000" dirty="0">
-                <a:hlinkClick r:id="rId2"/>
-              </a:rPr>
-              <a:t>://www.webopedia.com/TERM/O/object_oriented_programming_OOP.html</a:t>
-            </a:r>
-            <a:endParaRPr lang="en-US" sz="2000" dirty="0"/>
-          </a:p>
-          <a:p>
-            <a:r>
-              <a:rPr lang="en-US" sz="2000" b="1" dirty="0"/>
-              <a:t>Glassdoor.com</a:t>
-            </a:r>
-            <a:r>
-              <a:rPr lang="en-US" sz="2000" dirty="0"/>
-              <a:t> – search for jobs by job title to learn more on salaries, benefits </a:t>
-            </a:r>
-            <a:r>
-              <a:rPr lang="en-US" sz="2000" dirty="0" err="1"/>
-              <a:t>etc</a:t>
-            </a:r>
-            <a:endParaRPr lang="en-US" sz="2000" dirty="0"/>
-          </a:p>
-          <a:p>
-            <a:r>
-              <a:rPr lang="en-US" sz="2000" b="1" dirty="0" smtClean="0"/>
-              <a:t>Open source projects</a:t>
-            </a:r>
-            <a:endParaRPr lang="en-US" sz="2000" dirty="0"/>
-          </a:p>
-          <a:p>
-            <a:pPr marL="0" indent="0">
-              <a:buNone/>
-            </a:pPr>
-            <a:r>
-              <a:rPr lang="en-US" sz="2000" b="1" dirty="0">
-                <a:hlinkClick r:id="rId3">
+              <a:rPr lang="en-US" b="1" dirty="0">
+                <a:hlinkClick r:id="rId2">
                   <a:extLst>
                     <a:ext uri="{A12FA001-AC4F-418D-AE19-62706E023703}">
-                      <ahyp:hlinkClr xmlns:lc="http://schemas.openxmlformats.org/drawingml/2006/lockedCanvas" xmlns="" xmlns:ahyp="http://schemas.microsoft.com/office/drawing/2018/hyperlinkcolor" val="tx"/>
+                      <ahyp:hlinkClr xmlns:ahyp="http://schemas.microsoft.com/office/drawing/2018/hyperlinkcolor" val="tx"/>
                     </a:ext>
                   </a:extLst>
                 </a:hlinkClick>
@@ -4680,53 +4687,24 @@
               <a:t>Apache</a:t>
             </a:r>
             <a:r>
-              <a:rPr lang="en-US" sz="2000" dirty="0">
-                <a:hlinkClick r:id="rId3">
+              <a:rPr lang="en-US" dirty="0">
+                <a:hlinkClick r:id="rId2">
                   <a:extLst>
                     <a:ext uri="{A12FA001-AC4F-418D-AE19-62706E023703}">
-                      <ahyp:hlinkClr xmlns:lc="http://schemas.openxmlformats.org/drawingml/2006/lockedCanvas" xmlns="" xmlns:ahyp="http://schemas.microsoft.com/office/drawing/2018/hyperlinkcolor" val="tx"/>
+                      <ahyp:hlinkClr xmlns:ahyp="http://schemas.microsoft.com/office/drawing/2018/hyperlinkcolor" val="tx"/>
                     </a:ext>
                   </a:extLst>
                 </a:hlinkClick>
               </a:rPr>
               <a:t> - https://projects.apache.org/projects.html</a:t>
             </a:r>
-            <a:endParaRPr lang="en-US" sz="2000" dirty="0"/>
-          </a:p>
-          <a:p>
-            <a:r>
-              <a:rPr lang="en-US" sz="2000" b="1" dirty="0" smtClean="0"/>
-              <a:t>Github.com</a:t>
-            </a:r>
-            <a:r>
-              <a:rPr lang="en-US" sz="2000" dirty="0" smtClean="0"/>
-              <a:t> – It lets you save your code, provides version control and collaborate with others. It provides a graphical user interface and you use </a:t>
-            </a:r>
-            <a:r>
-              <a:rPr lang="en-US" sz="2000" dirty="0" err="1" smtClean="0"/>
-              <a:t>git</a:t>
-            </a:r>
-            <a:r>
-              <a:rPr lang="en-US" sz="2000" dirty="0" smtClean="0"/>
-              <a:t> command line tool in your local computer to pull projects created by others from </a:t>
-            </a:r>
-            <a:r>
-              <a:rPr lang="en-US" sz="2000" dirty="0" err="1" smtClean="0"/>
-              <a:t>github</a:t>
-            </a:r>
-            <a:r>
-              <a:rPr lang="en-US" sz="2000" dirty="0" smtClean="0"/>
-              <a:t> to your local (OR) to push the projects you have created from your local to </a:t>
-            </a:r>
-            <a:r>
-              <a:rPr lang="en-US" sz="2000" dirty="0" err="1" smtClean="0"/>
-              <a:t>github</a:t>
-            </a:r>
-            <a:r>
-              <a:rPr lang="en-US" sz="2000" dirty="0" smtClean="0"/>
-              <a:t>.</a:t>
-            </a:r>
-            <a:endParaRPr lang="en-US" sz="2000" dirty="0"/>
+            <a:endParaRPr lang="en-US" dirty="0"/>
+          </a:p>
+          <a:p>
+            <a:pPr marL="0" indent="0">
+              <a:buNone/>
+            </a:pPr>
+            <a:endParaRPr lang="en-US" dirty="0"/>
           </a:p>
         </p:txBody>
       </p:sp>
@@ -4776,10 +4754,9 @@
           <a:lstStyle/>
           <a:p>
             <a:r>
-              <a:rPr lang="en-US" dirty="0" smtClean="0"/>
+              <a:rPr lang="en-US" dirty="0"/>
               <a:t>Questions?</a:t>
             </a:r>
-            <a:endParaRPr lang="en-US" dirty="0"/>
           </a:p>
         </p:txBody>
       </p:sp>
@@ -4831,7 +4808,7 @@
         </p:spPr>
         <p:txBody>
           <a:bodyPr>
-            <a:normAutofit lnSpcReduction="10000"/>
+            <a:normAutofit fontScale="85000" lnSpcReduction="20000"/>
           </a:bodyPr>
           <a:lstStyle/>
           <a:p>
@@ -4839,7 +4816,7 @@
               <a:buNone/>
             </a:pPr>
             <a:r>
-              <a:rPr lang="en-US" b="1" dirty="0" smtClean="0">
+              <a:rPr lang="en-US" b="1" dirty="0">
                 <a:solidFill>
                   <a:schemeClr val="accent1">
                     <a:lumMod val="50000"/>
@@ -4851,26 +4828,14 @@
           </a:p>
           <a:p>
             <a:r>
-              <a:rPr lang="en-US" dirty="0" smtClean="0"/>
-              <a:t>I </a:t>
-            </a:r>
-            <a:r>
               <a:rPr lang="en-US" dirty="0"/>
-              <a:t>did my BS in Electronics and Communication Engineering at REC, Trichy, India.</a:t>
-            </a:r>
-          </a:p>
-          <a:p>
-            <a:r>
-              <a:rPr lang="en-US" dirty="0" smtClean="0"/>
-              <a:t>Graduated </a:t>
-            </a:r>
+              <a:t>I did my BS in Electronics and Communication Engineering at REC, Trichy, India.</a:t>
+            </a:r>
+          </a:p>
+          <a:p>
             <a:r>
               <a:rPr lang="en-US" dirty="0"/>
-              <a:t>in ‘99 July with Masters in Computer Science at RIT, Rochester, </a:t>
-            </a:r>
-            <a:r>
-              <a:rPr lang="en-US" dirty="0" smtClean="0"/>
-              <a:t>NY</a:t>
+              <a:t>Graduated in ‘99 July with Masters in Computer Science at RIT, Rochester, NY</a:t>
             </a:r>
           </a:p>
           <a:p>
@@ -4878,7 +4843,7 @@
               <a:buNone/>
             </a:pPr>
             <a:r>
-              <a:rPr lang="en-US" b="1" dirty="0" smtClean="0">
+              <a:rPr lang="en-US" b="1" dirty="0">
                 <a:solidFill>
                   <a:schemeClr val="accent1">
                     <a:lumMod val="50000"/>
@@ -4890,43 +4855,82 @@
           </a:p>
           <a:p>
             <a:r>
-              <a:rPr lang="en-US" dirty="0" smtClean="0"/>
+              <a:rPr lang="en-US" dirty="0"/>
               <a:t>BS in Computer Science or Information Technology is sufficient for many Software related jobs.</a:t>
             </a:r>
           </a:p>
           <a:p>
             <a:r>
-              <a:rPr lang="en-US" dirty="0" smtClean="0"/>
-              <a:t>Many continue to do MBA to work in Management</a:t>
-            </a:r>
-            <a:r>
-              <a:rPr lang="en-US" dirty="0" smtClean="0"/>
-              <a:t>.</a:t>
-            </a:r>
-          </a:p>
-          <a:p>
+              <a:rPr lang="en-US" dirty="0"/>
+              <a:t>Many continue to do MBA to work in Management.</a:t>
+            </a:r>
+          </a:p>
+          <a:p>
+            <a:pPr marL="0" indent="0">
+              <a:buNone/>
+            </a:pPr>
+            <a:r>
+              <a:rPr lang="en-US" b="1" dirty="0">
+                <a:solidFill>
+                  <a:srgbClr val="002060"/>
+                </a:solidFill>
+              </a:rPr>
+              <a:t>Other Branches of Study that are still part of IT</a:t>
+            </a:r>
             <a:r>
               <a:rPr lang="en-US" dirty="0">
-                <a:hlinkClick r:id="rId2"/>
+                <a:solidFill>
+                  <a:srgbClr val="002060"/>
+                </a:solidFill>
               </a:rPr>
-              <a:t>https://</a:t>
-            </a:r>
-            <a:r>
-              <a:rPr lang="en-US" dirty="0" smtClean="0">
-                <a:hlinkClick r:id="rId2"/>
+              <a:t>:</a:t>
+            </a:r>
+          </a:p>
+          <a:p>
+            <a:r>
+              <a:rPr lang="en-US" dirty="0">
+                <a:highlight>
+                  <a:srgbClr val="FFFF00"/>
+                </a:highlight>
               </a:rPr>
-              <a:t>www.engr.uky.edu/research-faculty/departments/computer-science/students/courses</a:t>
-            </a:r>
-            <a:endParaRPr lang="en-US" dirty="0" smtClean="0"/>
-          </a:p>
-          <a:p>
-            <a:r>
-              <a:rPr lang="en-US">
-                <a:hlinkClick r:id="rId3"/>
+              <a:t>Computer Engineering </a:t>
+            </a:r>
+            <a:r>
+              <a:rPr lang="en-US" dirty="0"/>
+              <a:t>– A combination of Computer Science and Electrical Engineering required to develop Computer hardware and related software. [Intel]</a:t>
+            </a:r>
+          </a:p>
+          <a:p>
+            <a:r>
+              <a:rPr lang="en-US" dirty="0">
+                <a:highlight>
+                  <a:srgbClr val="FFFF00"/>
+                </a:highlight>
               </a:rPr>
-              <a:t>http://www.transy.edu/academics/programs/sequences/computer-science</a:t>
-            </a:r>
-            <a:endParaRPr lang="en-US" dirty="0"/>
+              <a:t>Computer Networking </a:t>
+            </a:r>
+            <a:r>
+              <a:rPr lang="en-US" dirty="0"/>
+              <a:t>– Digital Telecommunications network to exchange data. [Cisco]</a:t>
+            </a:r>
+          </a:p>
+          <a:p>
+            <a:r>
+              <a:rPr lang="en-US" dirty="0"/>
+              <a:t>Both these branches involve in the development and maintenance of the </a:t>
+            </a:r>
+            <a:r>
+              <a:rPr lang="en-US" dirty="0">
+                <a:highlight>
+                  <a:srgbClr val="FFFF00"/>
+                </a:highlight>
+              </a:rPr>
+              <a:t>infrastructure</a:t>
+            </a:r>
+            <a:r>
+              <a:rPr lang="en-US" dirty="0"/>
+              <a:t> required for software programs to run. </a:t>
+            </a:r>
           </a:p>
         </p:txBody>
       </p:sp>
@@ -5007,50 +5011,25 @@
         </p:spPr>
         <p:txBody>
           <a:bodyPr>
-            <a:normAutofit fontScale="92500" lnSpcReduction="20000"/>
+            <a:normAutofit/>
           </a:bodyPr>
           <a:lstStyle/>
           <a:p>
             <a:r>
-              <a:rPr lang="en-US" b="1" dirty="0"/>
-              <a:t>Thomson Reuters </a:t>
-            </a:r>
-            <a:r>
               <a:rPr lang="en-US" dirty="0"/>
-              <a:t>– I was hired as a Java mentor for the team and worked onsite for 6 months. Then moved to South Williamson, KY in 2000 and continued to work from home for 17 years.</a:t>
+              <a:t>Since year 2000, I worked on Java related software development projects at Thomson Reuters.</a:t>
             </a:r>
           </a:p>
           <a:p>
             <a:r>
               <a:rPr lang="en-US" dirty="0"/>
-              <a:t>I was the only remote employee at Thomson </a:t>
-            </a:r>
-            <a:r>
-              <a:rPr lang="en-US" dirty="0" smtClean="0"/>
-              <a:t>Reuters.</a:t>
-            </a:r>
-            <a:endParaRPr lang="en-US" dirty="0"/>
+              <a:t>I was the only remote employee.</a:t>
+            </a:r>
           </a:p>
           <a:p>
             <a:r>
               <a:rPr lang="en-US" dirty="0"/>
-              <a:t>Thomson Reuters is a </a:t>
-            </a:r>
-            <a:r>
-              <a:rPr lang="en-US" dirty="0" smtClean="0"/>
-              <a:t>large </a:t>
-            </a:r>
-            <a:r>
-              <a:rPr lang="en-US" dirty="0"/>
-              <a:t>organization. ~ 8000 employees </a:t>
-            </a:r>
-            <a:r>
-              <a:rPr lang="en-US" dirty="0" smtClean="0"/>
-              <a:t>in Eagan office comprising </a:t>
-            </a:r>
-            <a:r>
-              <a:rPr lang="en-US" dirty="0"/>
-              <a:t>of Management, Legal (Lawyers, </a:t>
+              <a:t>Located in Eagan, MN, TR is a very large organization. ~ 8000 employees comprising of Management, Legal (Lawyers, </a:t>
             </a:r>
             <a:r>
               <a:rPr lang="en-US" dirty="0" err="1"/>
@@ -5064,31 +5043,26 @@
           <a:p>
             <a:r>
               <a:rPr lang="en-US" dirty="0"/>
-              <a:t>Many of the projects I worked on were used internally within the </a:t>
-            </a:r>
-            <a:r>
-              <a:rPr lang="en-US" dirty="0" smtClean="0"/>
-              <a:t>company</a:t>
-            </a:r>
-            <a:endParaRPr lang="en-US" dirty="0"/>
-          </a:p>
-          <a:p>
-            <a:r>
-              <a:rPr lang="en-US" dirty="0"/>
               <a:t>The end-product of Thomson Reuters is </a:t>
             </a:r>
             <a:r>
-              <a:rPr lang="en-US" b="1" dirty="0" err="1">
+              <a:rPr lang="en-US" dirty="0" err="1">
                 <a:solidFill>
-                  <a:srgbClr val="000099"/>
+                  <a:srgbClr val="002060"/>
                 </a:solidFill>
+                <a:highlight>
+                  <a:srgbClr val="FFFF00"/>
+                </a:highlight>
               </a:rPr>
               <a:t>WestlawNext</a:t>
             </a:r>
-            <a:endParaRPr lang="en-US" b="1" dirty="0">
+            <a:endParaRPr lang="en-US" dirty="0">
               <a:solidFill>
-                <a:srgbClr val="000099"/>
+                <a:srgbClr val="002060"/>
               </a:solidFill>
+              <a:highlight>
+                <a:srgbClr val="FFFF00"/>
+              </a:highlight>
             </a:endParaRPr>
           </a:p>
           <a:p>
@@ -5096,28 +5070,19 @@
               <a:buNone/>
             </a:pPr>
             <a:r>
-              <a:rPr lang="en-US" dirty="0" smtClean="0"/>
-              <a:t>    </a:t>
-            </a:r>
-            <a:r>
               <a:rPr lang="en-US" dirty="0"/>
-              <a:t>used by Lawyers. It is an online system to search for cases, </a:t>
-            </a:r>
-            <a:r>
-              <a:rPr lang="en-US" dirty="0" smtClean="0"/>
-              <a:t>   code of law </a:t>
-            </a:r>
-            <a:r>
-              <a:rPr lang="en-US" dirty="0"/>
-              <a:t>etc.</a:t>
-            </a:r>
-          </a:p>
-          <a:p>
-            <a:r>
-              <a:rPr lang="en-US" b="1" dirty="0">
+              <a:t>    used by Lawyers. It is an online system to search for cases, code of law etc.</a:t>
+            </a:r>
+          </a:p>
+          <a:p>
+            <a:r>
+              <a:rPr lang="en-US" dirty="0">
                 <a:solidFill>
-                  <a:srgbClr val="FF0000"/>
+                  <a:srgbClr val="002060"/>
                 </a:solidFill>
+                <a:highlight>
+                  <a:srgbClr val="FFFF00"/>
+                </a:highlight>
               </a:rPr>
               <a:t>LexisNexis</a:t>
             </a:r>
@@ -5207,12 +5172,14 @@
           </a:xfrm>
         </p:spPr>
         <p:txBody>
-          <a:bodyPr/>
+          <a:bodyPr>
+            <a:normAutofit lnSpcReduction="10000"/>
+          </a:bodyPr>
           <a:lstStyle/>
           <a:p>
             <a:r>
               <a:rPr lang="en-US" dirty="0"/>
-              <a:t>Software Developer at </a:t>
+              <a:t>I started a new job at </a:t>
             </a:r>
             <a:r>
               <a:rPr lang="en-US" dirty="0" err="1"/>
@@ -5220,43 +5187,28 @@
             </a:r>
             <a:r>
               <a:rPr lang="en-US" dirty="0"/>
-              <a:t> </a:t>
-            </a:r>
-          </a:p>
-          <a:p>
-            <a:pPr marL="0" indent="0">
-              <a:buNone/>
-            </a:pPr>
-            <a:endParaRPr lang="en-US" dirty="0"/>
-          </a:p>
-          <a:p>
-            <a:r>
-              <a:rPr lang="en-US" dirty="0" err="1" smtClean="0"/>
+              <a:t> in June 2019.</a:t>
+            </a:r>
+          </a:p>
+          <a:p>
+            <a:r>
+              <a:rPr lang="en-US" dirty="0" err="1"/>
               <a:t>Cofense</a:t>
             </a:r>
             <a:r>
-              <a:rPr lang="en-US" dirty="0" smtClean="0"/>
-              <a:t> products let </a:t>
-            </a:r>
-            <a:r>
               <a:rPr lang="en-US" dirty="0"/>
-              <a:t>Companies create scenarios to inject </a:t>
-            </a:r>
-            <a:r>
-              <a:rPr lang="en-US" dirty="0" smtClean="0">
-                <a:solidFill>
-                  <a:srgbClr val="FF0000"/>
-                </a:solidFill>
-              </a:rPr>
-              <a:t>fake Phishing </a:t>
+              <a:t> products let Companies create scenarios to inject </a:t>
             </a:r>
             <a:r>
               <a:rPr lang="en-US" dirty="0">
                 <a:solidFill>
-                  <a:srgbClr val="FF0000"/>
+                  <a:srgbClr val="002060"/>
                 </a:solidFill>
+                <a:highlight>
+                  <a:srgbClr val="FFFF00"/>
+                </a:highlight>
               </a:rPr>
-              <a:t>emails </a:t>
+              <a:t>fake Phishing emails </a:t>
             </a:r>
             <a:r>
               <a:rPr lang="en-US" dirty="0"/>
@@ -5266,15 +5218,16 @@
           <a:p>
             <a:r>
               <a:rPr lang="en-US" dirty="0"/>
-              <a:t>Unlike Thomson Reuters, many of the employees </a:t>
-            </a:r>
-            <a:r>
-              <a:rPr lang="en-US" dirty="0" smtClean="0"/>
-              <a:t>work </a:t>
-            </a:r>
+              <a:t>Users have to push this button to report a Phishing email.</a:t>
+            </a:r>
+          </a:p>
+          <a:p>
+            <a:endParaRPr lang="en-US" dirty="0"/>
+          </a:p>
+          <a:p>
             <a:r>
               <a:rPr lang="en-US" dirty="0"/>
-              <a:t>from home. </a:t>
+              <a:t>Unlike Thomson Reuters, many of the employees work from home. </a:t>
             </a:r>
           </a:p>
           <a:p>
@@ -5288,13 +5241,8 @@
             </a:r>
             <a:r>
               <a:rPr lang="en-US" dirty="0"/>
-              <a:t> </a:t>
-            </a:r>
-            <a:r>
-              <a:rPr lang="en-US" dirty="0" smtClean="0"/>
-              <a:t>Profile:</a:t>
-            </a:r>
-            <a:endParaRPr lang="en-US" dirty="0"/>
+              <a:t> Profile:</a:t>
+            </a:r>
           </a:p>
           <a:p>
             <a:pPr marL="0" indent="0">
@@ -5333,8 +5281,8 @@
         </p:blipFill>
         <p:spPr bwMode="auto">
           <a:xfrm>
-            <a:off x="5257800" y="1447800"/>
-            <a:ext cx="1429207" cy="1075334"/>
+            <a:off x="4953001" y="697992"/>
+            <a:ext cx="1219200" cy="917325"/>
           </a:xfrm>
           <a:prstGeom prst="rect">
             <a:avLst/>
@@ -5362,6 +5310,36 @@
               </a14:hiddenLine>
             </a:ext>
           </a:extLst>
+        </p:spPr>
+      </p:pic>
+      <p:pic>
+        <p:nvPicPr>
+          <p:cNvPr id="4" name="Picture 3">
+            <a:extLst>
+              <a:ext uri="{FF2B5EF4-FFF2-40B4-BE49-F238E27FC236}">
+                <a16:creationId xmlns:a16="http://schemas.microsoft.com/office/drawing/2014/main" id="{9815E237-1D46-F04F-AC91-EE5B9990887C}"/>
+              </a:ext>
+            </a:extLst>
+          </p:cNvPr>
+          <p:cNvPicPr>
+            <a:picLocks noChangeAspect="1"/>
+          </p:cNvPicPr>
+          <p:nvPr/>
+        </p:nvPicPr>
+        <p:blipFill>
+          <a:blip r:embed="rId4"/>
+          <a:stretch>
+            <a:fillRect/>
+          </a:stretch>
+        </p:blipFill>
+        <p:spPr>
+          <a:xfrm>
+            <a:off x="2895600" y="4114800"/>
+            <a:ext cx="609600" cy="406400"/>
+          </a:xfrm>
+          <a:prstGeom prst="rect">
+            <a:avLst/>
+          </a:prstGeom>
         </p:spPr>
       </p:pic>
     </p:spTree>
@@ -5404,9 +5382,16 @@
             <p:ph type="title"/>
           </p:nvPr>
         </p:nvSpPr>
-        <p:spPr/>
-        <p:txBody>
-          <a:bodyPr/>
+        <p:spPr>
+          <a:xfrm>
+            <a:off x="457200" y="704088"/>
+            <a:ext cx="8229600" cy="743712"/>
+          </a:xfrm>
+        </p:spPr>
+        <p:txBody>
+          <a:bodyPr>
+            <a:normAutofit fontScale="90000"/>
+          </a:bodyPr>
           <a:lstStyle/>
           <a:p>
             <a:r>
@@ -5426,40 +5411,71 @@
             <p:ph idx="1"/>
           </p:nvPr>
         </p:nvSpPr>
-        <p:spPr/>
+        <p:spPr>
+          <a:xfrm>
+            <a:off x="457200" y="1524000"/>
+            <a:ext cx="8229600" cy="4800600"/>
+          </a:xfrm>
+        </p:spPr>
         <p:txBody>
           <a:bodyPr>
-            <a:normAutofit lnSpcReduction="10000"/>
+            <a:normAutofit/>
           </a:bodyPr>
           <a:lstStyle/>
           <a:p>
             <a:r>
               <a:rPr lang="en-US" dirty="0"/>
-              <a:t>Coding enhances problem solving and logical reasoning skills</a:t>
+              <a:t>Coding is all about problem solving, sequencing and logical reasoning skills</a:t>
             </a:r>
           </a:p>
           <a:p>
             <a:r>
               <a:rPr lang="en-US" dirty="0"/>
-              <a:t>Many careers now require some basic knowledge in coding</a:t>
-            </a:r>
-          </a:p>
-          <a:p>
+              <a:t>Many careers now </a:t>
+            </a:r>
+            <a:r>
+              <a:rPr lang="en-US" dirty="0">
+                <a:highlight>
+                  <a:srgbClr val="FFFF00"/>
+                </a:highlight>
+              </a:rPr>
+              <a:t>require</a:t>
+            </a:r>
             <a:r>
               <a:rPr lang="en-US" dirty="0"/>
-              <a:t>Eashwar is currently learning how to code for his Research/Analysis and regrets not taking Software related classes in his Undergrad.</a:t>
-            </a:r>
-          </a:p>
-          <a:p>
+              <a:t> some basic knowledge in coding</a:t>
+            </a:r>
+          </a:p>
+          <a:p>
+            <a:r>
+              <a:rPr lang="en-US" dirty="0">
+                <a:highlight>
+                  <a:srgbClr val="FFFF00"/>
+                </a:highlight>
+              </a:rPr>
+              <a:t>Coding is only one part</a:t>
+            </a:r>
             <a:r>
               <a:rPr lang="en-US" dirty="0"/>
-              <a:t>Coding is only one part of IT industry. Many after a few years of coding branch off to Management.</a:t>
+              <a:t> of IT industry. Many after a few years of coding branch off to Management.</a:t>
             </a:r>
           </a:p>
           <a:p>
             <a:r>
               <a:rPr lang="en-US" dirty="0"/>
-              <a:t>Some don’t even code and yet work in IT industry as Product Owners, Project Managers </a:t>
+              <a:t>Some </a:t>
+            </a:r>
+            <a:r>
+              <a:rPr lang="en-US" dirty="0">
+                <a:highlight>
+                  <a:srgbClr val="FFFF00"/>
+                </a:highlight>
+              </a:rPr>
+              <a:t>don’t even code </a:t>
+            </a:r>
+            <a:r>
+              <a:rPr lang="en-US" dirty="0"/>
+              <a:t>and yet work in IT industry as Product Owners, Project Managers </a:t>
             </a:r>
             <a:r>
               <a:rPr lang="en-US" dirty="0" err="1"/>
@@ -5538,14 +5554,14 @@
             <p:ph idx="1"/>
             <p:extLst>
               <p:ext uri="{D42A27DB-BD31-4B8C-83A1-F6EECF244321}">
-                <p14:modId xmlns:p14="http://schemas.microsoft.com/office/powerpoint/2010/main" val="1591527979"/>
+                <p14:modId xmlns:p14="http://schemas.microsoft.com/office/powerpoint/2010/main" val="2367635439"/>
               </p:ext>
             </p:extLst>
           </p:nvPr>
         </p:nvGraphicFramePr>
         <p:xfrm>
-          <a:off x="457200" y="1359932"/>
-          <a:ext cx="8001000" cy="4610229"/>
+          <a:off x="496824" y="1007759"/>
+          <a:ext cx="8001000" cy="5246737"/>
         </p:xfrm>
         <a:graphic>
           <a:graphicData uri="http://schemas.openxmlformats.org/drawingml/2006/table">
@@ -5557,14 +5573,14 @@
                 <a:gridCol w="4000500">
                   <a:extLst>
                     <a:ext uri="{9D8B030D-6E8A-4147-A177-3AD203B41FA5}">
-                      <a16:colId xmlns:a16="http://schemas.microsoft.com/office/drawing/2014/main" xmlns="" val="20000"/>
+                      <a16:colId xmlns:a16="http://schemas.microsoft.com/office/drawing/2014/main" val="20000"/>
                     </a:ext>
                   </a:extLst>
                 </a:gridCol>
                 <a:gridCol w="4000500">
                   <a:extLst>
                     <a:ext uri="{9D8B030D-6E8A-4147-A177-3AD203B41FA5}">
-                      <a16:colId xmlns:a16="http://schemas.microsoft.com/office/drawing/2014/main" xmlns="" val="20001"/>
+                      <a16:colId xmlns:a16="http://schemas.microsoft.com/office/drawing/2014/main" val="20001"/>
                     </a:ext>
                   </a:extLst>
                 </a:gridCol>
@@ -5598,7 +5614,40 @@
                 </a:tc>
                 <a:extLst>
                   <a:ext uri="{0D108BD9-81ED-4DB2-BD59-A6C34878D82A}">
-                    <a16:rowId xmlns:a16="http://schemas.microsoft.com/office/drawing/2014/main" xmlns="" val="10000"/>
+                    <a16:rowId xmlns:a16="http://schemas.microsoft.com/office/drawing/2014/main" val="10000"/>
+                  </a:ext>
+                </a:extLst>
+              </a:tr>
+              <a:tr h="636508">
+                <a:tc>
+                  <a:txBody>
+                    <a:bodyPr/>
+                    <a:lstStyle/>
+                    <a:p>
+                      <a:r>
+                        <a:rPr lang="en-US" sz="1600" dirty="0"/>
+                        <a:t>Plenty of job opportunities</a:t>
+                      </a:r>
+                    </a:p>
+                  </a:txBody>
+                  <a:tcPr/>
+                </a:tc>
+                <a:tc>
+                  <a:txBody>
+                    <a:bodyPr/>
+                    <a:lstStyle/>
+                    <a:p>
+                      <a:r>
+                        <a:rPr lang="en-US" sz="1600" dirty="0"/>
+                        <a:t>Vacation days are lesser when compared with jobs in other industries.</a:t>
+                      </a:r>
+                    </a:p>
+                  </a:txBody>
+                  <a:tcPr/>
+                </a:tc>
+                <a:extLst>
+                  <a:ext uri="{0D108BD9-81ED-4DB2-BD59-A6C34878D82A}">
+                    <a16:rowId xmlns:a16="http://schemas.microsoft.com/office/drawing/2014/main" val="2667325830"/>
                   </a:ext>
                 </a:extLst>
               </a:tr>
@@ -5636,7 +5685,7 @@
                 </a:tc>
                 <a:extLst>
                   <a:ext uri="{0D108BD9-81ED-4DB2-BD59-A6C34878D82A}">
-                    <a16:rowId xmlns:a16="http://schemas.microsoft.com/office/drawing/2014/main" xmlns="" val="10001"/>
+                    <a16:rowId xmlns:a16="http://schemas.microsoft.com/office/drawing/2014/main" val="10001"/>
                   </a:ext>
                 </a:extLst>
               </a:tr>
@@ -5682,7 +5731,7 @@
                 </a:tc>
                 <a:extLst>
                   <a:ext uri="{0D108BD9-81ED-4DB2-BD59-A6C34878D82A}">
-                    <a16:rowId xmlns:a16="http://schemas.microsoft.com/office/drawing/2014/main" xmlns="" val="10002"/>
+                    <a16:rowId xmlns:a16="http://schemas.microsoft.com/office/drawing/2014/main" val="10002"/>
                   </a:ext>
                 </a:extLst>
               </a:tr>
@@ -5715,7 +5764,7 @@
                 </a:tc>
                 <a:extLst>
                   <a:ext uri="{0D108BD9-81ED-4DB2-BD59-A6C34878D82A}">
-                    <a16:rowId xmlns:a16="http://schemas.microsoft.com/office/drawing/2014/main" xmlns="" val="10003"/>
+                    <a16:rowId xmlns:a16="http://schemas.microsoft.com/office/drawing/2014/main" val="10003"/>
                   </a:ext>
                 </a:extLst>
               </a:tr>
@@ -5790,7 +5839,7 @@
                 </a:tc>
                 <a:extLst>
                   <a:ext uri="{0D108BD9-81ED-4DB2-BD59-A6C34878D82A}">
-                    <a16:rowId xmlns:a16="http://schemas.microsoft.com/office/drawing/2014/main" xmlns="" val="10004"/>
+                    <a16:rowId xmlns:a16="http://schemas.microsoft.com/office/drawing/2014/main" val="10004"/>
                   </a:ext>
                 </a:extLst>
               </a:tr>
@@ -5845,7 +5894,7 @@
                 </a:tc>
                 <a:extLst>
                   <a:ext uri="{0D108BD9-81ED-4DB2-BD59-A6C34878D82A}">
-                    <a16:rowId xmlns:a16="http://schemas.microsoft.com/office/drawing/2014/main" xmlns="" val="10005"/>
+                    <a16:rowId xmlns:a16="http://schemas.microsoft.com/office/drawing/2014/main" val="10005"/>
                   </a:ext>
                 </a:extLst>
               </a:tr>
@@ -5966,8 +6015,8 @@
         </p:nvSpPr>
         <p:spPr>
           <a:xfrm>
-            <a:off x="3276600" y="609600"/>
-            <a:ext cx="2362200" cy="609600"/>
+            <a:off x="3390900" y="442073"/>
+            <a:ext cx="2362200" cy="990600"/>
           </a:xfrm>
           <a:prstGeom prst="roundRect">
             <a:avLst/>
@@ -5996,7 +6045,7 @@
             <a:pPr algn="ctr"/>
             <a:r>
               <a:rPr lang="en-US" dirty="0"/>
-              <a:t>Jobs at IT Industry</a:t>
+              <a:t>Software Development Jobs at IT Industry</a:t>
             </a:r>
           </a:p>
         </p:txBody>
@@ -6009,7 +6058,7 @@
         </p:nvSpPr>
         <p:spPr>
           <a:xfrm>
-            <a:off x="3886200" y="1259563"/>
+            <a:off x="4038600" y="1525279"/>
             <a:ext cx="1066800" cy="533400"/>
           </a:xfrm>
           <a:prstGeom prst="downArrow">
@@ -6049,7 +6098,7 @@
         </p:nvSpPr>
         <p:spPr>
           <a:xfrm>
-            <a:off x="2324100" y="1905000"/>
+            <a:off x="1981200" y="2260340"/>
             <a:ext cx="1905000" cy="533400"/>
           </a:xfrm>
           <a:prstGeom prst="roundRect">
@@ -6096,7 +6145,7 @@
         </p:nvSpPr>
         <p:spPr>
           <a:xfrm>
-            <a:off x="4648200" y="1905000"/>
+            <a:off x="5334002" y="2247902"/>
             <a:ext cx="1828800" cy="533400"/>
           </a:xfrm>
           <a:prstGeom prst="roundRect">
@@ -6139,7 +6188,7 @@
         </p:nvSpPr>
         <p:spPr>
           <a:xfrm>
-            <a:off x="1371600" y="3200400"/>
+            <a:off x="1333498" y="3689138"/>
             <a:ext cx="3086100" cy="1371600"/>
           </a:xfrm>
           <a:prstGeom prst="roundRect">
@@ -6182,7 +6231,7 @@
         </p:nvSpPr>
         <p:spPr>
           <a:xfrm>
-            <a:off x="2971800" y="2498598"/>
+            <a:off x="2634232" y="2928638"/>
             <a:ext cx="484632" cy="625602"/>
           </a:xfrm>
           <a:prstGeom prst="downArrow">
@@ -6222,7 +6271,7 @@
         </p:nvSpPr>
         <p:spPr>
           <a:xfrm>
-            <a:off x="4648200" y="3222278"/>
+            <a:off x="4686302" y="3706640"/>
             <a:ext cx="3124200" cy="1425922"/>
           </a:xfrm>
           <a:prstGeom prst="roundRect">
@@ -6265,7 +6314,7 @@
         </p:nvSpPr>
         <p:spPr>
           <a:xfrm>
-            <a:off x="5396484" y="2498598"/>
+            <a:off x="5949696" y="2897864"/>
             <a:ext cx="484632" cy="656376"/>
           </a:xfrm>
           <a:prstGeom prst="downArrow">
@@ -6366,7 +6415,7 @@
             <p:ph idx="1"/>
             <p:extLst>
               <p:ext uri="{D42A27DB-BD31-4B8C-83A1-F6EECF244321}">
-                <p14:modId xmlns:p14="http://schemas.microsoft.com/office/powerpoint/2010/main" val="1605246356"/>
+                <p14:modId xmlns:p14="http://schemas.microsoft.com/office/powerpoint/2010/main" val="3843562110"/>
               </p:ext>
             </p:extLst>
           </p:nvPr>
@@ -6385,14 +6434,14 @@
                 <a:gridCol w="4038600">
                   <a:extLst>
                     <a:ext uri="{9D8B030D-6E8A-4147-A177-3AD203B41FA5}">
-                      <a16:colId xmlns:a16="http://schemas.microsoft.com/office/drawing/2014/main" xmlns="" val="20000"/>
+                      <a16:colId xmlns:a16="http://schemas.microsoft.com/office/drawing/2014/main" val="20000"/>
                     </a:ext>
                   </a:extLst>
                 </a:gridCol>
                 <a:gridCol w="4038600">
                   <a:extLst>
                     <a:ext uri="{9D8B030D-6E8A-4147-A177-3AD203B41FA5}">
-                      <a16:colId xmlns:a16="http://schemas.microsoft.com/office/drawing/2014/main" xmlns="" val="20001"/>
+                      <a16:colId xmlns:a16="http://schemas.microsoft.com/office/drawing/2014/main" val="20001"/>
                     </a:ext>
                   </a:extLst>
                 </a:gridCol>
@@ -6426,7 +6475,7 @@
                 </a:tc>
                 <a:extLst>
                   <a:ext uri="{0D108BD9-81ED-4DB2-BD59-A6C34878D82A}">
-                    <a16:rowId xmlns:a16="http://schemas.microsoft.com/office/drawing/2014/main" xmlns="" val="10000"/>
+                    <a16:rowId xmlns:a16="http://schemas.microsoft.com/office/drawing/2014/main" val="10000"/>
                   </a:ext>
                 </a:extLst>
               </a:tr>
@@ -6456,11 +6505,27 @@
                     <a:p>
                       <a:r>
                         <a:rPr lang="en-US" sz="1400" dirty="0"/>
-                        <a:t>There are usually very few architects in a company. They work closely with Management and design very large systems</a:t>
+                        <a:t>There are usually few architects in a company. They work closely with Management and </a:t>
+                      </a:r>
+                      <a:r>
+                        <a:rPr lang="en-US" sz="1400" dirty="0">
+                          <a:highlight>
+                            <a:srgbClr val="FFFF00"/>
+                          </a:highlight>
+                        </a:rPr>
+                        <a:t>design very large systems</a:t>
+                      </a:r>
+                      <a:r>
+                        <a:rPr lang="en-US" sz="1400" baseline="0" dirty="0">
+                          <a:highlight>
+                            <a:srgbClr val="FFFF00"/>
+                          </a:highlight>
+                        </a:rPr>
+                        <a:t> for large-scale projects</a:t>
                       </a:r>
                       <a:r>
                         <a:rPr lang="en-US" sz="1400" baseline="0" dirty="0"/>
-                        <a:t> especially with large-scale projects. Also work with Software Engineers in aiding them to implement the Software projects. They don’t code on a everyday basis, but should be very knowledge on the languages, tools used in Software Development.</a:t>
+                        <a:t>. Also work with Software Engineers in aiding them to implement the Software projects. They don’t code on a everyday basis, but should be very knowledge on the languages, tools used in Software Development.</a:t>
                       </a:r>
                       <a:endParaRPr lang="en-US" sz="1400" dirty="0"/>
                     </a:p>
@@ -6469,7 +6534,7 @@
                 </a:tc>
                 <a:extLst>
                   <a:ext uri="{0D108BD9-81ED-4DB2-BD59-A6C34878D82A}">
-                    <a16:rowId xmlns:a16="http://schemas.microsoft.com/office/drawing/2014/main" xmlns="" val="10001"/>
+                    <a16:rowId xmlns:a16="http://schemas.microsoft.com/office/drawing/2014/main" val="10001"/>
                   </a:ext>
                 </a:extLst>
               </a:tr>
@@ -6502,7 +6567,19 @@
                       </a:r>
                       <a:r>
                         <a:rPr lang="en-US" sz="1400" b="0" i="1" baseline="0" dirty="0"/>
-                        <a:t> job I have been doing for the past 18 years. On a smaller scale, we gather  requirements, design, develop and test. Develop here refers to writing code</a:t>
+                        <a:t> job I have been doing for the past 18 years. On a smaller scale, we gather  </a:t>
+                      </a:r>
+                      <a:r>
+                        <a:rPr lang="en-US" sz="1400" b="0" i="1" baseline="0" dirty="0">
+                          <a:highlight>
+                            <a:srgbClr val="FFFF00"/>
+                          </a:highlight>
+                        </a:rPr>
+                        <a:t>requirements, design, develop and test</a:t>
+                      </a:r>
+                      <a:r>
+                        <a:rPr lang="en-US" sz="1400" b="0" i="1" baseline="0" dirty="0"/>
+                        <a:t>. Develop here refers to writing code</a:t>
                       </a:r>
                       <a:r>
                         <a:rPr lang="en-US" sz="1400" baseline="0" dirty="0"/>
@@ -6515,7 +6592,7 @@
                 </a:tc>
                 <a:extLst>
                   <a:ext uri="{0D108BD9-81ED-4DB2-BD59-A6C34878D82A}">
-                    <a16:rowId xmlns:a16="http://schemas.microsoft.com/office/drawing/2014/main" xmlns="" val="10002"/>
+                    <a16:rowId xmlns:a16="http://schemas.microsoft.com/office/drawing/2014/main" val="10002"/>
                   </a:ext>
                 </a:extLst>
               </a:tr>
@@ -6544,7 +6621,19 @@
                       </a:r>
                       <a:r>
                         <a:rPr lang="en-US" sz="1400" baseline="0" dirty="0"/>
-                        <a:t> test the code we write. In doing so, they write code to test code. Many of the tests are automated with minimal manual intervention.</a:t>
+                        <a:t> </a:t>
+                      </a:r>
+                      <a:r>
+                        <a:rPr lang="en-US" sz="1400" baseline="0" dirty="0">
+                          <a:highlight>
+                            <a:srgbClr val="FFFF00"/>
+                          </a:highlight>
+                        </a:rPr>
+                        <a:t>test the code </a:t>
+                      </a:r>
+                      <a:r>
+                        <a:rPr lang="en-US" sz="1400" baseline="0" dirty="0"/>
+                        <a:t>we write. In doing so, they write code to test code. Many of the tests are automated with minimal manual intervention.</a:t>
                       </a:r>
                       <a:endParaRPr lang="en-US" sz="1400" dirty="0"/>
                     </a:p>
@@ -6553,7 +6642,7 @@
                 </a:tc>
                 <a:extLst>
                   <a:ext uri="{0D108BD9-81ED-4DB2-BD59-A6C34878D82A}">
-                    <a16:rowId xmlns:a16="http://schemas.microsoft.com/office/drawing/2014/main" xmlns="" val="10003"/>
+                    <a16:rowId xmlns:a16="http://schemas.microsoft.com/office/drawing/2014/main" val="10003"/>
                   </a:ext>
                 </a:extLst>
               </a:tr>
@@ -6591,7 +6680,7 @@
                 </a:tc>
                 <a:extLst>
                   <a:ext uri="{0D108BD9-81ED-4DB2-BD59-A6C34878D82A}">
-                    <a16:rowId xmlns:a16="http://schemas.microsoft.com/office/drawing/2014/main" xmlns="" val="10004"/>
+                    <a16:rowId xmlns:a16="http://schemas.microsoft.com/office/drawing/2014/main" val="10004"/>
                   </a:ext>
                 </a:extLst>
               </a:tr>
@@ -6719,7 +6808,7 @@
             <a:r>
               <a:rPr lang="en-US" sz="1800" i="1" dirty="0">
                 <a:solidFill>
-                  <a:srgbClr val="FF0000"/>
+                  <a:srgbClr val="C00000"/>
                 </a:solidFill>
               </a:rPr>
               <a:t>40 people </a:t>
@@ -6731,7 +6820,7 @@
             <a:r>
               <a:rPr lang="en-US" sz="1800" i="1" dirty="0">
                 <a:solidFill>
-                  <a:srgbClr val="FF0000"/>
+                  <a:srgbClr val="C00000"/>
                 </a:solidFill>
               </a:rPr>
               <a:t>coordination and clear communication </a:t>

--- a/IT Industry.pptx
+++ b/IT Industry.pptx
@@ -307,7 +307,7 @@
           <a:p>
             <a:fld id="{07E6A0BB-66C9-477B-B5CF-7E8508D2C5A2}" type="datetimeFigureOut">
               <a:rPr lang="en-US" smtClean="0"/>
-              <a:t>9/24/19</a:t>
+              <a:t>9/26/19</a:t>
             </a:fld>
             <a:endParaRPr lang="en-US"/>
           </a:p>
@@ -471,7 +471,7 @@
           <a:p>
             <a:fld id="{07E6A0BB-66C9-477B-B5CF-7E8508D2C5A2}" type="datetimeFigureOut">
               <a:rPr lang="en-US" smtClean="0"/>
-              <a:t>9/24/19</a:t>
+              <a:t>9/26/19</a:t>
             </a:fld>
             <a:endParaRPr lang="en-US"/>
           </a:p>
@@ -645,7 +645,7 @@
           <a:p>
             <a:fld id="{07E6A0BB-66C9-477B-B5CF-7E8508D2C5A2}" type="datetimeFigureOut">
               <a:rPr lang="en-US" smtClean="0"/>
-              <a:t>9/24/19</a:t>
+              <a:t>9/26/19</a:t>
             </a:fld>
             <a:endParaRPr lang="en-US"/>
           </a:p>
@@ -809,7 +809,7 @@
           <a:p>
             <a:fld id="{07E6A0BB-66C9-477B-B5CF-7E8508D2C5A2}" type="datetimeFigureOut">
               <a:rPr lang="en-US" smtClean="0"/>
-              <a:t>9/24/19</a:t>
+              <a:t>9/26/19</a:t>
             </a:fld>
             <a:endParaRPr lang="en-US"/>
           </a:p>
@@ -1050,7 +1050,7 @@
           <a:p>
             <a:fld id="{07E6A0BB-66C9-477B-B5CF-7E8508D2C5A2}" type="datetimeFigureOut">
               <a:rPr lang="en-US" smtClean="0"/>
-              <a:t>9/24/19</a:t>
+              <a:t>9/26/19</a:t>
             </a:fld>
             <a:endParaRPr lang="en-US"/>
           </a:p>
@@ -1313,7 +1313,7 @@
           <a:p>
             <a:fld id="{07E6A0BB-66C9-477B-B5CF-7E8508D2C5A2}" type="datetimeFigureOut">
               <a:rPr lang="en-US" smtClean="0"/>
-              <a:t>9/24/19</a:t>
+              <a:t>9/26/19</a:t>
             </a:fld>
             <a:endParaRPr lang="en-US"/>
           </a:p>
@@ -1690,7 +1690,7 @@
           <a:p>
             <a:fld id="{07E6A0BB-66C9-477B-B5CF-7E8508D2C5A2}" type="datetimeFigureOut">
               <a:rPr lang="en-US" smtClean="0"/>
-              <a:t>9/24/19</a:t>
+              <a:t>9/26/19</a:t>
             </a:fld>
             <a:endParaRPr lang="en-US"/>
           </a:p>
@@ -1839,7 +1839,7 @@
           <a:p>
             <a:fld id="{07E6A0BB-66C9-477B-B5CF-7E8508D2C5A2}" type="datetimeFigureOut">
               <a:rPr lang="en-US" smtClean="0"/>
-              <a:t>9/24/19</a:t>
+              <a:t>9/26/19</a:t>
             </a:fld>
             <a:endParaRPr lang="en-US"/>
           </a:p>
@@ -1929,7 +1929,7 @@
           <a:p>
             <a:fld id="{07E6A0BB-66C9-477B-B5CF-7E8508D2C5A2}" type="datetimeFigureOut">
               <a:rPr lang="en-US" smtClean="0"/>
-              <a:t>9/24/19</a:t>
+              <a:t>9/26/19</a:t>
             </a:fld>
             <a:endParaRPr lang="en-US"/>
           </a:p>
@@ -2189,7 +2189,7 @@
           <a:p>
             <a:fld id="{07E6A0BB-66C9-477B-B5CF-7E8508D2C5A2}" type="datetimeFigureOut">
               <a:rPr lang="en-US" smtClean="0"/>
-              <a:t>9/24/19</a:t>
+              <a:t>9/26/19</a:t>
             </a:fld>
             <a:endParaRPr lang="en-US"/>
           </a:p>
@@ -2476,7 +2476,7 @@
           <a:p>
             <a:fld id="{07E6A0BB-66C9-477B-B5CF-7E8508D2C5A2}" type="datetimeFigureOut">
               <a:rPr lang="en-US" smtClean="0"/>
-              <a:t>9/24/19</a:t>
+              <a:t>9/26/19</a:t>
             </a:fld>
             <a:endParaRPr lang="en-US"/>
           </a:p>
@@ -3245,7 +3245,7 @@
           <a:p>
             <a:fld id="{07E6A0BB-66C9-477B-B5CF-7E8508D2C5A2}" type="datetimeFigureOut">
               <a:rPr lang="en-US" smtClean="0"/>
-              <a:t>9/24/19</a:t>
+              <a:t>9/26/19</a:t>
             </a:fld>
             <a:endParaRPr lang="en-US"/>
           </a:p>
@@ -3875,12 +3875,14 @@
         </p:nvSpPr>
         <p:spPr>
           <a:xfrm>
-            <a:off x="533400" y="1371600"/>
-            <a:ext cx="7315200" cy="1219200"/>
+            <a:off x="533400" y="1143000"/>
+            <a:ext cx="7620000" cy="1447800"/>
           </a:xfrm>
         </p:spPr>
         <p:txBody>
-          <a:bodyPr/>
+          <a:bodyPr>
+            <a:normAutofit fontScale="90000"/>
+          </a:bodyPr>
           <a:lstStyle/>
           <a:p>
             <a:r>
@@ -3889,6 +3891,13 @@
             </a:r>
             <a:br>
               <a:rPr lang="en-US" dirty="0"/>
+            </a:br>
+            <a:r>
+              <a:rPr lang="en-US" sz="2200" i="1" dirty="0"/>
+              <a:t>(software, hardware, networking)</a:t>
+            </a:r>
+            <a:br>
+              <a:rPr lang="en-US" sz="2200" i="1" dirty="0"/>
             </a:br>
             <a:r>
               <a:rPr lang="en-US" sz="2400" i="1" dirty="0"/>
@@ -4609,7 +4618,7 @@
         </p:spPr>
         <p:txBody>
           <a:bodyPr>
-            <a:normAutofit/>
+            <a:normAutofit lnSpcReduction="10000"/>
           </a:bodyPr>
           <a:lstStyle/>
           <a:p>
@@ -4645,7 +4654,7 @@
             </a:r>
             <a:r>
               <a:rPr lang="en-US" dirty="0"/>
-              <a:t> Engineer, Lead Software Engineer, Manager, Team Lead, Tech Lead, Director, Senior Director, Network Engineer, Computer Engineer.</a:t>
+              <a:t> Engineer, Lead Software Engineer, Database Administrator, Data Analyst, Manager, Team Lead, Tech Lead, Director, Senior Director, Network Engineer, Computer Engineer.</a:t>
             </a:r>
           </a:p>
           <a:p>
@@ -5986,8 +5995,8 @@
         </p:nvSpPr>
         <p:spPr>
           <a:xfrm>
-            <a:off x="457200" y="533400"/>
-            <a:ext cx="8229600" cy="5791200"/>
+            <a:off x="152400" y="-1"/>
+            <a:ext cx="8839200" cy="6711127"/>
           </a:xfrm>
         </p:spPr>
         <p:txBody>
@@ -6015,8 +6024,8 @@
         </p:nvSpPr>
         <p:spPr>
           <a:xfrm>
-            <a:off x="3390900" y="442073"/>
-            <a:ext cx="2362200" cy="990600"/>
+            <a:off x="5082159" y="1326420"/>
+            <a:ext cx="2362200" cy="752572"/>
           </a:xfrm>
           <a:prstGeom prst="roundRect">
             <a:avLst/>
@@ -6044,8 +6053,8 @@
           <a:p>
             <a:pPr algn="ctr"/>
             <a:r>
-              <a:rPr lang="en-US" dirty="0"/>
-              <a:t>Software Development Jobs at IT Industry</a:t>
+              <a:rPr lang="en-US" sz="1600" dirty="0"/>
+              <a:t>Software Development</a:t>
             </a:r>
           </a:p>
         </p:txBody>
@@ -6058,8 +6067,8 @@
         </p:nvSpPr>
         <p:spPr>
           <a:xfrm>
-            <a:off x="4038600" y="1525279"/>
-            <a:ext cx="1066800" cy="533400"/>
+            <a:off x="5975223" y="2133600"/>
+            <a:ext cx="401955" cy="743592"/>
           </a:xfrm>
           <a:prstGeom prst="downArrow">
             <a:avLst/>
@@ -6098,7 +6107,7 @@
         </p:nvSpPr>
         <p:spPr>
           <a:xfrm>
-            <a:off x="1981200" y="2260340"/>
+            <a:off x="4070223" y="2768083"/>
             <a:ext cx="1905000" cy="533400"/>
           </a:xfrm>
           <a:prstGeom prst="roundRect">
@@ -6131,8 +6140,12 @@
           <a:p>
             <a:pPr algn="ctr"/>
             <a:r>
+              <a:rPr lang="en-US" sz="1600" dirty="0"/>
+              <a:t>Technology Related</a:t>
+            </a:r>
+            <a:r>
               <a:rPr lang="en-US" dirty="0"/>
-              <a:t>Technology Related		</a:t>
+              <a:t>		</a:t>
             </a:r>
           </a:p>
         </p:txBody>
@@ -6145,7 +6158,7 @@
         </p:nvSpPr>
         <p:spPr>
           <a:xfrm>
-            <a:off x="5334002" y="2247902"/>
+            <a:off x="6664452" y="2753776"/>
             <a:ext cx="1828800" cy="533400"/>
           </a:xfrm>
           <a:prstGeom prst="roundRect">
@@ -6174,7 +6187,7 @@
           <a:p>
             <a:pPr algn="ctr"/>
             <a:r>
-              <a:rPr lang="en-US" dirty="0"/>
+              <a:rPr lang="en-US" sz="1600" dirty="0"/>
               <a:t>Management Related</a:t>
             </a:r>
           </a:p>
@@ -6188,7 +6201,7 @@
         </p:nvSpPr>
         <p:spPr>
           <a:xfrm>
-            <a:off x="1333498" y="3689138"/>
+            <a:off x="2456688" y="4132819"/>
             <a:ext cx="3086100" cy="1371600"/>
           </a:xfrm>
           <a:prstGeom prst="roundRect">
@@ -6217,8 +6230,8 @@
           <a:p>
             <a:pPr algn="ctr"/>
             <a:r>
-              <a:rPr lang="en-US" dirty="0"/>
-              <a:t>Architects, Software Engineers, QA (Testing) Engineers, Business Analysts</a:t>
+              <a:rPr lang="en-US" sz="1600" dirty="0"/>
+              <a:t>Architects, Software Engineers, QA (Testing) Engineers, Business Analysts, Data Analyst</a:t>
             </a:r>
           </a:p>
         </p:txBody>
@@ -6231,7 +6244,7 @@
         </p:nvSpPr>
         <p:spPr>
           <a:xfrm>
-            <a:off x="2634232" y="2928638"/>
+            <a:off x="4780407" y="3340733"/>
             <a:ext cx="484632" cy="625602"/>
           </a:xfrm>
           <a:prstGeom prst="downArrow">
@@ -6271,7 +6284,7 @@
         </p:nvSpPr>
         <p:spPr>
           <a:xfrm>
-            <a:off x="4686302" y="3706640"/>
+            <a:off x="5774436" y="4105658"/>
             <a:ext cx="3124200" cy="1425922"/>
           </a:xfrm>
           <a:prstGeom prst="roundRect">
@@ -6300,7 +6313,7 @@
           <a:p>
             <a:pPr algn="ctr"/>
             <a:r>
-              <a:rPr lang="en-US" dirty="0"/>
+              <a:rPr lang="en-US" sz="1600" dirty="0"/>
               <a:t>Scrum Masters, Product Owners, Project Managers, Managers, Directors, VP, President/CEO</a:t>
             </a:r>
           </a:p>
@@ -6314,7 +6327,7 @@
         </p:nvSpPr>
         <p:spPr>
           <a:xfrm>
-            <a:off x="5949696" y="2897864"/>
+            <a:off x="7336536" y="3391785"/>
             <a:ext cx="484632" cy="656376"/>
           </a:xfrm>
           <a:prstGeom prst="downArrow">
@@ -6343,6 +6356,235 @@
           <a:p>
             <a:pPr algn="ctr"/>
             <a:endParaRPr lang="en-US"/>
+          </a:p>
+        </p:txBody>
+      </p:sp>
+      <p:sp>
+        <p:nvSpPr>
+          <p:cNvPr id="2" name="Rounded Rectangle 1">
+            <a:extLst>
+              <a:ext uri="{FF2B5EF4-FFF2-40B4-BE49-F238E27FC236}">
+                <a16:creationId xmlns:a16="http://schemas.microsoft.com/office/drawing/2014/main" id="{650EFA8C-E50B-4648-BBB0-6E1973431727}"/>
+              </a:ext>
+            </a:extLst>
+          </p:cNvPr>
+          <p:cNvSpPr/>
+          <p:nvPr/>
+        </p:nvSpPr>
+        <p:spPr>
+          <a:xfrm>
+            <a:off x="3543300" y="249949"/>
+            <a:ext cx="2057400" cy="533401"/>
+          </a:xfrm>
+          <a:prstGeom prst="roundRect">
+            <a:avLst/>
+          </a:prstGeom>
+        </p:spPr>
+        <p:style>
+          <a:lnRef idx="2">
+            <a:schemeClr val="accent1">
+              <a:shade val="50000"/>
+            </a:schemeClr>
+          </a:lnRef>
+          <a:fillRef idx="1">
+            <a:schemeClr val="accent1"/>
+          </a:fillRef>
+          <a:effectRef idx="0">
+            <a:schemeClr val="accent1"/>
+          </a:effectRef>
+          <a:fontRef idx="minor">
+            <a:schemeClr val="lt1"/>
+          </a:fontRef>
+        </p:style>
+        <p:txBody>
+          <a:bodyPr rot="0" spcFirstLastPara="0" vertOverflow="overflow" horzOverflow="overflow" vert="horz" wrap="square" lIns="91440" tIns="45720" rIns="91440" bIns="45720" numCol="1" spcCol="0" rtlCol="0" fromWordArt="0" anchor="ctr" anchorCtr="0" forceAA="0" compatLnSpc="1">
+            <a:prstTxWarp prst="textNoShape">
+              <a:avLst/>
+            </a:prstTxWarp>
+            <a:noAutofit/>
+          </a:bodyPr>
+          <a:lstStyle/>
+          <a:p>
+            <a:pPr algn="ctr"/>
+            <a:r>
+              <a:rPr lang="en-US" b="1" dirty="0">
+                <a:ln w="10160">
+                  <a:solidFill>
+                    <a:schemeClr val="accent5"/>
+                  </a:solidFill>
+                  <a:prstDash val="solid"/>
+                </a:ln>
+                <a:solidFill>
+                  <a:srgbClr val="FFFFFF"/>
+                </a:solidFill>
+                <a:effectLst>
+                  <a:outerShdw blurRad="38100" dist="22860" dir="5400000" algn="tl" rotWithShape="0">
+                    <a:srgbClr val="000000">
+                      <a:alpha val="30000"/>
+                    </a:srgbClr>
+                  </a:outerShdw>
+                </a:effectLst>
+              </a:rPr>
+              <a:t>IT Industry</a:t>
+            </a:r>
+            <a:endParaRPr lang="en-US" b="1" dirty="0">
+              <a:ln w="22225">
+                <a:solidFill>
+                  <a:schemeClr val="accent2"/>
+                </a:solidFill>
+                <a:prstDash val="solid"/>
+              </a:ln>
+              <a:solidFill>
+                <a:schemeClr val="accent2">
+                  <a:lumMod val="40000"/>
+                  <a:lumOff val="60000"/>
+                </a:schemeClr>
+              </a:solidFill>
+            </a:endParaRPr>
+          </a:p>
+        </p:txBody>
+      </p:sp>
+      <p:sp>
+        <p:nvSpPr>
+          <p:cNvPr id="6" name="Down Arrow 5">
+            <a:extLst>
+              <a:ext uri="{FF2B5EF4-FFF2-40B4-BE49-F238E27FC236}">
+                <a16:creationId xmlns:a16="http://schemas.microsoft.com/office/drawing/2014/main" id="{443AC394-1BBD-ED47-94FB-3DAC614FDBE7}"/>
+              </a:ext>
+            </a:extLst>
+          </p:cNvPr>
+          <p:cNvSpPr/>
+          <p:nvPr/>
+        </p:nvSpPr>
+        <p:spPr>
+          <a:xfrm>
+            <a:off x="4411790" y="853303"/>
+            <a:ext cx="484632" cy="533400"/>
+          </a:xfrm>
+          <a:prstGeom prst="downArrow">
+            <a:avLst/>
+          </a:prstGeom>
+        </p:spPr>
+        <p:style>
+          <a:lnRef idx="2">
+            <a:schemeClr val="accent1">
+              <a:shade val="50000"/>
+            </a:schemeClr>
+          </a:lnRef>
+          <a:fillRef idx="1">
+            <a:schemeClr val="accent1"/>
+          </a:fillRef>
+          <a:effectRef idx="0">
+            <a:schemeClr val="accent1"/>
+          </a:effectRef>
+          <a:fontRef idx="minor">
+            <a:schemeClr val="lt1"/>
+          </a:fontRef>
+        </p:style>
+        <p:txBody>
+          <a:bodyPr rtlCol="0" anchor="ctr"/>
+          <a:lstStyle/>
+          <a:p>
+            <a:pPr algn="ctr"/>
+            <a:endParaRPr lang="en-US"/>
+          </a:p>
+        </p:txBody>
+      </p:sp>
+      <p:sp>
+        <p:nvSpPr>
+          <p:cNvPr id="7" name="Rounded Rectangle 6">
+            <a:extLst>
+              <a:ext uri="{FF2B5EF4-FFF2-40B4-BE49-F238E27FC236}">
+                <a16:creationId xmlns:a16="http://schemas.microsoft.com/office/drawing/2014/main" id="{B9C5F4F5-952C-654C-8CBD-508C1FB8B017}"/>
+              </a:ext>
+            </a:extLst>
+          </p:cNvPr>
+          <p:cNvSpPr/>
+          <p:nvPr/>
+        </p:nvSpPr>
+        <p:spPr>
+          <a:xfrm>
+            <a:off x="434913" y="1472638"/>
+            <a:ext cx="1752599" cy="752572"/>
+          </a:xfrm>
+          <a:prstGeom prst="roundRect">
+            <a:avLst/>
+          </a:prstGeom>
+        </p:spPr>
+        <p:style>
+          <a:lnRef idx="2">
+            <a:schemeClr val="accent1">
+              <a:shade val="50000"/>
+            </a:schemeClr>
+          </a:lnRef>
+          <a:fillRef idx="1">
+            <a:schemeClr val="accent1"/>
+          </a:fillRef>
+          <a:effectRef idx="0">
+            <a:schemeClr val="accent1"/>
+          </a:effectRef>
+          <a:fontRef idx="minor">
+            <a:schemeClr val="lt1"/>
+          </a:fontRef>
+        </p:style>
+        <p:txBody>
+          <a:bodyPr rtlCol="0" anchor="ctr"/>
+          <a:lstStyle/>
+          <a:p>
+            <a:pPr algn="ctr"/>
+            <a:r>
+              <a:rPr lang="en-US" sz="1600" dirty="0"/>
+              <a:t>Infrastructure (hardware) Development</a:t>
+            </a:r>
+          </a:p>
+        </p:txBody>
+      </p:sp>
+      <p:sp>
+        <p:nvSpPr>
+          <p:cNvPr id="12" name="Rounded Rectangle 11">
+            <a:extLst>
+              <a:ext uri="{FF2B5EF4-FFF2-40B4-BE49-F238E27FC236}">
+                <a16:creationId xmlns:a16="http://schemas.microsoft.com/office/drawing/2014/main" id="{8CC5B0EB-1470-5849-ACD3-5D64E38055F2}"/>
+              </a:ext>
+            </a:extLst>
+          </p:cNvPr>
+          <p:cNvSpPr/>
+          <p:nvPr/>
+        </p:nvSpPr>
+        <p:spPr>
+          <a:xfrm>
+            <a:off x="2699768" y="1420497"/>
+            <a:ext cx="1526285" cy="856855"/>
+          </a:xfrm>
+          <a:prstGeom prst="roundRect">
+            <a:avLst/>
+          </a:prstGeom>
+        </p:spPr>
+        <p:style>
+          <a:lnRef idx="2">
+            <a:schemeClr val="accent1">
+              <a:shade val="50000"/>
+            </a:schemeClr>
+          </a:lnRef>
+          <a:fillRef idx="1">
+            <a:schemeClr val="accent1"/>
+          </a:fillRef>
+          <a:effectRef idx="0">
+            <a:schemeClr val="accent1"/>
+          </a:effectRef>
+          <a:fontRef idx="minor">
+            <a:schemeClr val="lt1"/>
+          </a:fontRef>
+        </p:style>
+        <p:txBody>
+          <a:bodyPr rtlCol="0" anchor="ctr"/>
+          <a:lstStyle/>
+          <a:p>
+            <a:pPr algn="ctr"/>
+            <a:r>
+              <a:rPr lang="en-US" sz="1600" dirty="0"/>
+              <a:t>Networking</a:t>
+            </a:r>
           </a:p>
         </p:txBody>
       </p:sp>
@@ -6388,7 +6630,7 @@
         </p:nvSpPr>
         <p:spPr>
           <a:xfrm>
-            <a:off x="457200" y="704088"/>
+            <a:off x="457200" y="274869"/>
             <a:ext cx="8229600" cy="591312"/>
           </a:xfrm>
         </p:spPr>
@@ -6415,14 +6657,14 @@
             <p:ph idx="1"/>
             <p:extLst>
               <p:ext uri="{D42A27DB-BD31-4B8C-83A1-F6EECF244321}">
-                <p14:modId xmlns:p14="http://schemas.microsoft.com/office/powerpoint/2010/main" val="3843562110"/>
+                <p14:modId xmlns:p14="http://schemas.microsoft.com/office/powerpoint/2010/main" val="1144110544"/>
               </p:ext>
             </p:extLst>
           </p:nvPr>
         </p:nvGraphicFramePr>
         <p:xfrm>
-          <a:off x="457200" y="1295400"/>
-          <a:ext cx="8077200" cy="5290779"/>
+          <a:off x="457200" y="866182"/>
+          <a:ext cx="8077200" cy="5993338"/>
         </p:xfrm>
         <a:graphic>
           <a:graphicData uri="http://schemas.openxmlformats.org/drawingml/2006/table">
@@ -6446,7 +6688,7 @@
                   </a:extLst>
                 </a:gridCol>
               </a:tblGrid>
-              <a:tr h="282626">
+              <a:tr h="390762">
                 <a:tc>
                   <a:txBody>
                     <a:bodyPr/>
@@ -6479,7 +6721,7 @@
                   </a:ext>
                 </a:extLst>
               </a:tr>
-              <a:tr h="1920240">
+              <a:tr h="2051498">
                 <a:tc>
                   <a:txBody>
                     <a:bodyPr/>
@@ -6538,7 +6780,7 @@
                   </a:ext>
                 </a:extLst>
               </a:tr>
-              <a:tr h="1115019">
+              <a:tr h="943360">
                 <a:tc>
                   <a:txBody>
                     <a:bodyPr/>
@@ -6596,7 +6838,57 @@
                   </a:ext>
                 </a:extLst>
               </a:tr>
-              <a:tr h="905953">
+              <a:tr h="587264">
+                <a:tc>
+                  <a:txBody>
+                    <a:bodyPr/>
+                    <a:lstStyle/>
+                    <a:p>
+                      <a:r>
+                        <a:rPr lang="en-US" sz="1400" b="1" dirty="0"/>
+                        <a:t>Data Analysts</a:t>
+                      </a:r>
+                    </a:p>
+                  </a:txBody>
+                  <a:tcPr/>
+                </a:tc>
+                <a:tc>
+                  <a:txBody>
+                    <a:bodyPr/>
+                    <a:lstStyle/>
+                    <a:p>
+                      <a:r>
+                        <a:rPr lang="en-US" sz="1400" dirty="0"/>
+                        <a:t>Create </a:t>
+                      </a:r>
+                      <a:r>
+                        <a:rPr lang="en-US" sz="1400" dirty="0">
+                          <a:highlight>
+                            <a:srgbClr val="FFFF00"/>
+                          </a:highlight>
+                        </a:rPr>
+                        <a:t>reports</a:t>
+                      </a:r>
+                      <a:r>
+                        <a:rPr lang="en-US" sz="1400" dirty="0"/>
+                        <a:t> from different data sets to human readable format to report trends, behaviors </a:t>
+                      </a:r>
+                      <a:r>
+                        <a:rPr lang="en-US" sz="1400" dirty="0" err="1"/>
+                        <a:t>etc</a:t>
+                      </a:r>
+                      <a:endParaRPr lang="en-US" sz="1400" dirty="0"/>
+                    </a:p>
+                  </a:txBody>
+                  <a:tcPr/>
+                </a:tc>
+                <a:extLst>
+                  <a:ext uri="{0D108BD9-81ED-4DB2-BD59-A6C34878D82A}">
+                    <a16:rowId xmlns:a16="http://schemas.microsoft.com/office/drawing/2014/main" val="981740335"/>
+                  </a:ext>
+                </a:extLst>
+              </a:tr>
+              <a:tr h="1009467">
                 <a:tc>
                   <a:txBody>
                     <a:bodyPr/>
@@ -6646,7 +6938,7 @@
                   </a:ext>
                 </a:extLst>
               </a:tr>
-              <a:tr h="282626">
+              <a:tr h="1009467">
                 <a:tc>
                   <a:txBody>
                     <a:bodyPr/>
